--- a/Lesson 4_ userInput_ Error Handling.pptx
+++ b/Lesson 4_ userInput_ Error Handling.pptx
@@ -1,25 +1,27 @@
 
 <file path=ppt/presentation.xml><?xml version="1.0" encoding="utf-8"?>
-<p:presentation xmlns:a="http://schemas.openxmlformats.org/drawingml/2006/main" xmlns:r="http://schemas.openxmlformats.org/officeDocument/2006/relationships" xmlns:mc="http://schemas.openxmlformats.org/markup-compatibility/2006" xmlns:mv="urn:schemas-microsoft-com:mac:vml" xmlns:p="http://schemas.openxmlformats.org/presentationml/2006/main" xmlns:c="http://schemas.openxmlformats.org/drawingml/2006/chart" xmlns:dgm="http://schemas.openxmlformats.org/drawingml/2006/diagram" xmlns:o="urn:schemas-microsoft-com:office:office" xmlns:v="urn:schemas-microsoft-com:vml" xmlns:pvml="urn:schemas-microsoft-com:office:powerpoint" xmlns:com="http://schemas.openxmlformats.org/drawingml/2006/compatibility" xmlns:p14="http://schemas.microsoft.com/office/powerpoint/2010/main" xmlns:p15="http://schemas.microsoft.com/office/powerpoint/2012/main" xmlns:ahyp="http://schemas.microsoft.com/office/drawing/2018/hyperlinkcolor" autoCompressPictures="0" strictFirstAndLastChars="0" saveSubsetFonts="1">
+<p:presentation xmlns:a="http://schemas.openxmlformats.org/drawingml/2006/main" xmlns:r="http://schemas.openxmlformats.org/officeDocument/2006/relationships" xmlns:p="http://schemas.openxmlformats.org/presentationml/2006/main" strictFirstAndLastChars="0" saveSubsetFonts="1" autoCompressPictures="0">
   <p:sldMasterIdLst>
-    <p:sldMasterId id="2147483659" r:id="rId4"/>
+    <p:sldMasterId id="2147483659" r:id="rId1"/>
   </p:sldMasterIdLst>
   <p:notesMasterIdLst>
-    <p:notesMasterId r:id="rId5"/>
+    <p:notesMasterId r:id="rId11"/>
   </p:notesMasterIdLst>
   <p:sldIdLst>
-    <p:sldId id="256" r:id="rId6"/>
-    <p:sldId id="257" r:id="rId7"/>
-    <p:sldId id="258" r:id="rId8"/>
-    <p:sldId id="259" r:id="rId9"/>
-    <p:sldId id="260" r:id="rId10"/>
-    <p:sldId id="261" r:id="rId11"/>
-    <p:sldId id="262" r:id="rId12"/>
+    <p:sldId id="256" r:id="rId2"/>
+    <p:sldId id="263" r:id="rId3"/>
+    <p:sldId id="257" r:id="rId4"/>
+    <p:sldId id="258" r:id="rId5"/>
+    <p:sldId id="259" r:id="rId6"/>
+    <p:sldId id="260" r:id="rId7"/>
+    <p:sldId id="261" r:id="rId8"/>
+    <p:sldId id="264" r:id="rId9"/>
+    <p:sldId id="262" r:id="rId10"/>
   </p:sldIdLst>
-  <p:sldSz cy="5143500" cx="9144000"/>
+  <p:sldSz cx="9144000" cy="5143500" type="screen16x9"/>
   <p:notesSz cx="6858000" cy="9144000"/>
   <p:defaultTextStyle>
-    <a:defPPr lvl="0" marR="0" rtl="0" algn="l">
+    <a:defPPr marR="0" lvl="0" algn="l" rtl="0">
       <a:lnSpc>
         <a:spcPct val="100000"/>
       </a:lnSpc>
@@ -30,7 +32,7 @@
         <a:spcPts val="0"/>
       </a:spcAft>
     </a:defPPr>
-    <a:lvl1pPr lvl="0" marR="0" rtl="0" algn="l">
+    <a:lvl1pPr marR="0" lvl="0" algn="l" rtl="0">
       <a:lnSpc>
         <a:spcPct val="100000"/>
       </a:lnSpc>
@@ -44,7 +46,7 @@
         <a:srgbClr val="000000"/>
       </a:buClr>
       <a:buFont typeface="Arial"/>
-      <a:defRPr b="0" i="0" sz="1400" u="none" cap="none" strike="noStrike">
+      <a:defRPr sz="1400" b="0" i="0" u="none" strike="noStrike" cap="none">
         <a:solidFill>
           <a:srgbClr val="000000"/>
         </a:solidFill>
@@ -54,7 +56,7 @@
         <a:sym typeface="Arial"/>
       </a:defRPr>
     </a:lvl1pPr>
-    <a:lvl2pPr lvl="1" marR="0" rtl="0" algn="l">
+    <a:lvl2pPr marR="0" lvl="1" algn="l" rtl="0">
       <a:lnSpc>
         <a:spcPct val="100000"/>
       </a:lnSpc>
@@ -68,7 +70,7 @@
         <a:srgbClr val="000000"/>
       </a:buClr>
       <a:buFont typeface="Arial"/>
-      <a:defRPr b="0" i="0" sz="1400" u="none" cap="none" strike="noStrike">
+      <a:defRPr sz="1400" b="0" i="0" u="none" strike="noStrike" cap="none">
         <a:solidFill>
           <a:srgbClr val="000000"/>
         </a:solidFill>
@@ -78,7 +80,7 @@
         <a:sym typeface="Arial"/>
       </a:defRPr>
     </a:lvl2pPr>
-    <a:lvl3pPr lvl="2" marR="0" rtl="0" algn="l">
+    <a:lvl3pPr marR="0" lvl="2" algn="l" rtl="0">
       <a:lnSpc>
         <a:spcPct val="100000"/>
       </a:lnSpc>
@@ -92,7 +94,7 @@
         <a:srgbClr val="000000"/>
       </a:buClr>
       <a:buFont typeface="Arial"/>
-      <a:defRPr b="0" i="0" sz="1400" u="none" cap="none" strike="noStrike">
+      <a:defRPr sz="1400" b="0" i="0" u="none" strike="noStrike" cap="none">
         <a:solidFill>
           <a:srgbClr val="000000"/>
         </a:solidFill>
@@ -102,7 +104,7 @@
         <a:sym typeface="Arial"/>
       </a:defRPr>
     </a:lvl3pPr>
-    <a:lvl4pPr lvl="3" marR="0" rtl="0" algn="l">
+    <a:lvl4pPr marR="0" lvl="3" algn="l" rtl="0">
       <a:lnSpc>
         <a:spcPct val="100000"/>
       </a:lnSpc>
@@ -116,7 +118,7 @@
         <a:srgbClr val="000000"/>
       </a:buClr>
       <a:buFont typeface="Arial"/>
-      <a:defRPr b="0" i="0" sz="1400" u="none" cap="none" strike="noStrike">
+      <a:defRPr sz="1400" b="0" i="0" u="none" strike="noStrike" cap="none">
         <a:solidFill>
           <a:srgbClr val="000000"/>
         </a:solidFill>
@@ -126,7 +128,7 @@
         <a:sym typeface="Arial"/>
       </a:defRPr>
     </a:lvl4pPr>
-    <a:lvl5pPr lvl="4" marR="0" rtl="0" algn="l">
+    <a:lvl5pPr marR="0" lvl="4" algn="l" rtl="0">
       <a:lnSpc>
         <a:spcPct val="100000"/>
       </a:lnSpc>
@@ -140,7 +142,7 @@
         <a:srgbClr val="000000"/>
       </a:buClr>
       <a:buFont typeface="Arial"/>
-      <a:defRPr b="0" i="0" sz="1400" u="none" cap="none" strike="noStrike">
+      <a:defRPr sz="1400" b="0" i="0" u="none" strike="noStrike" cap="none">
         <a:solidFill>
           <a:srgbClr val="000000"/>
         </a:solidFill>
@@ -150,7 +152,7 @@
         <a:sym typeface="Arial"/>
       </a:defRPr>
     </a:lvl5pPr>
-    <a:lvl6pPr lvl="5" marR="0" rtl="0" algn="l">
+    <a:lvl6pPr marR="0" lvl="5" algn="l" rtl="0">
       <a:lnSpc>
         <a:spcPct val="100000"/>
       </a:lnSpc>
@@ -164,7 +166,7 @@
         <a:srgbClr val="000000"/>
       </a:buClr>
       <a:buFont typeface="Arial"/>
-      <a:defRPr b="0" i="0" sz="1400" u="none" cap="none" strike="noStrike">
+      <a:defRPr sz="1400" b="0" i="0" u="none" strike="noStrike" cap="none">
         <a:solidFill>
           <a:srgbClr val="000000"/>
         </a:solidFill>
@@ -174,7 +176,7 @@
         <a:sym typeface="Arial"/>
       </a:defRPr>
     </a:lvl6pPr>
-    <a:lvl7pPr lvl="6" marR="0" rtl="0" algn="l">
+    <a:lvl7pPr marR="0" lvl="6" algn="l" rtl="0">
       <a:lnSpc>
         <a:spcPct val="100000"/>
       </a:lnSpc>
@@ -188,7 +190,7 @@
         <a:srgbClr val="000000"/>
       </a:buClr>
       <a:buFont typeface="Arial"/>
-      <a:defRPr b="0" i="0" sz="1400" u="none" cap="none" strike="noStrike">
+      <a:defRPr sz="1400" b="0" i="0" u="none" strike="noStrike" cap="none">
         <a:solidFill>
           <a:srgbClr val="000000"/>
         </a:solidFill>
@@ -198,7 +200,7 @@
         <a:sym typeface="Arial"/>
       </a:defRPr>
     </a:lvl7pPr>
-    <a:lvl8pPr lvl="7" marR="0" rtl="0" algn="l">
+    <a:lvl8pPr marR="0" lvl="7" algn="l" rtl="0">
       <a:lnSpc>
         <a:spcPct val="100000"/>
       </a:lnSpc>
@@ -212,7 +214,7 @@
         <a:srgbClr val="000000"/>
       </a:buClr>
       <a:buFont typeface="Arial"/>
-      <a:defRPr b="0" i="0" sz="1400" u="none" cap="none" strike="noStrike">
+      <a:defRPr sz="1400" b="0" i="0" u="none" strike="noStrike" cap="none">
         <a:solidFill>
           <a:srgbClr val="000000"/>
         </a:solidFill>
@@ -222,7 +224,7 @@
         <a:sym typeface="Arial"/>
       </a:defRPr>
     </a:lvl8pPr>
-    <a:lvl9pPr lvl="8" marR="0" rtl="0" algn="l">
+    <a:lvl9pPr marR="0" lvl="8" algn="l" rtl="0">
       <a:lnSpc>
         <a:spcPct val="100000"/>
       </a:lnSpc>
@@ -236,7 +238,7 @@
         <a:srgbClr val="000000"/>
       </a:buClr>
       <a:buFont typeface="Arial"/>
-      <a:defRPr b="0" i="0" sz="1400" u="none" cap="none" strike="noStrike">
+      <a:defRPr sz="1400" b="0" i="0" u="none" strike="noStrike" cap="none">
         <a:solidFill>
           <a:srgbClr val="000000"/>
         </a:solidFill>
@@ -249,7 +251,7 @@
   </p:defaultTextStyle>
   <p:extLst>
     <p:ext uri="{EFAFB233-063F-42B5-8137-9DF3F51BA10A}">
-      <p15:sldGuideLst>
+      <p15:sldGuideLst xmlns:p15="http://schemas.microsoft.com/office/powerpoint/2012/main">
         <p15:guide id="1" orient="horz" pos="1620">
           <p15:clr>
             <a:srgbClr val="747775"/>
@@ -267,11 +269,16 @@
 </file>
 
 <file path=ppt/notesMasters/notesMaster1.xml><?xml version="1.0" encoding="utf-8"?>
-<p:notesMaster xmlns:a="http://schemas.openxmlformats.org/drawingml/2006/main" xmlns:r="http://schemas.openxmlformats.org/officeDocument/2006/relationships" xmlns:mc="http://schemas.openxmlformats.org/markup-compatibility/2006" xmlns:mv="urn:schemas-microsoft-com:mac:vml" xmlns:p="http://schemas.openxmlformats.org/presentationml/2006/main" xmlns:c="http://schemas.openxmlformats.org/drawingml/2006/chart" xmlns:dgm="http://schemas.openxmlformats.org/drawingml/2006/diagram" xmlns:o="urn:schemas-microsoft-com:office:office" xmlns:v="urn:schemas-microsoft-com:vml" xmlns:pvml="urn:schemas-microsoft-com:office:powerpoint" xmlns:com="http://schemas.openxmlformats.org/drawingml/2006/compatibility" xmlns:p14="http://schemas.microsoft.com/office/powerpoint/2010/main" xmlns:p15="http://schemas.microsoft.com/office/powerpoint/2012/main" xmlns:ahyp="http://schemas.microsoft.com/office/drawing/2018/hyperlinkcolor">
+<p:notesMaster xmlns:a="http://schemas.openxmlformats.org/drawingml/2006/main" xmlns:r="http://schemas.openxmlformats.org/officeDocument/2006/relationships" xmlns:p="http://schemas.openxmlformats.org/presentationml/2006/main">
   <p:cSld>
+    <p:bg>
+      <p:bgRef idx="1001">
+        <a:schemeClr val="bg1"/>
+      </p:bgRef>
+    </p:bg>
     <p:spTree>
       <p:nvGrpSpPr>
-        <p:cNvPr id="2" name="Shape 2"/>
+        <p:cNvPr id="1" name="Shape 2"/>
         <p:cNvGrpSpPr/>
         <p:nvPr/>
       </p:nvGrpSpPr>
@@ -286,9 +293,11 @@
       <p:sp>
         <p:nvSpPr>
           <p:cNvPr id="3" name="Google Shape;3;n"/>
-          <p:cNvSpPr/>
+          <p:cNvSpPr>
+            <a:spLocks noGrp="1" noRot="1" noChangeAspect="1"/>
+          </p:cNvSpPr>
           <p:nvPr>
-            <p:ph idx="2" type="sldImg"/>
+            <p:ph type="sldImg" idx="2"/>
           </p:nvPr>
         </p:nvSpPr>
         <p:spPr>
@@ -297,9 +306,13 @@
             <a:ext cx="6096075" cy="3429000"/>
           </a:xfrm>
           <a:custGeom>
-            <a:rect b="b" l="l" r="r" t="t"/>
+            <a:avLst/>
+            <a:gdLst/>
+            <a:ahLst/>
+            <a:cxnLst/>
+            <a:rect l="l" t="t" r="r" b="b"/>
             <a:pathLst>
-              <a:path extrusionOk="0" h="120000" w="120000">
+              <a:path w="120000" h="120000" extrusionOk="0">
                 <a:moveTo>
                   <a:pt x="0" y="0"/>
                 </a:moveTo>
@@ -317,23 +330,25 @@
             </a:pathLst>
           </a:custGeom>
           <a:noFill/>
-          <a:ln cap="flat" cmpd="sng" w="9525">
+          <a:ln w="9525" cap="flat" cmpd="sng">
             <a:solidFill>
               <a:srgbClr val="000000"/>
             </a:solidFill>
             <a:prstDash val="solid"/>
             <a:round/>
-            <a:headEnd len="sm" w="sm" type="none"/>
-            <a:tailEnd len="sm" w="sm" type="none"/>
+            <a:headEnd type="none" w="sm" len="sm"/>
+            <a:tailEnd type="none" w="sm" len="sm"/>
           </a:ln>
         </p:spPr>
       </p:sp>
       <p:sp>
         <p:nvSpPr>
           <p:cNvPr id="4" name="Google Shape;4;n"/>
-          <p:cNvSpPr txBox="1"/>
+          <p:cNvSpPr txBox="1">
+            <a:spLocks noGrp="1"/>
+          </p:cNvSpPr>
           <p:nvPr>
-            <p:ph idx="1" type="body"/>
+            <p:ph type="body" idx="1"/>
           </p:nvPr>
         </p:nvSpPr>
         <p:spPr>
@@ -350,11 +365,11 @@
           </a:ln>
         </p:spPr>
         <p:txBody>
-          <a:bodyPr anchorCtr="0" anchor="t" bIns="91425" lIns="91425" spcFirstLastPara="1" rIns="91425" wrap="square" tIns="91425">
+          <a:bodyPr spcFirstLastPara="1" wrap="square" lIns="91425" tIns="91425" rIns="91425" bIns="91425" anchor="t" anchorCtr="0">
             <a:noAutofit/>
           </a:bodyPr>
           <a:lstStyle>
-            <a:lvl1pPr indent="-298450" lvl="0" marL="457200">
+            <a:lvl1pPr marL="457200" lvl="0" indent="-298450">
               <a:spcBef>
                 <a:spcPts val="0"/>
               </a:spcBef>
@@ -365,7 +380,7 @@
               <a:buChar char="●"/>
               <a:defRPr sz="1100"/>
             </a:lvl1pPr>
-            <a:lvl2pPr indent="-298450" lvl="1" marL="914400">
+            <a:lvl2pPr marL="914400" lvl="1" indent="-298450">
               <a:spcBef>
                 <a:spcPts val="0"/>
               </a:spcBef>
@@ -376,7 +391,7 @@
               <a:buChar char="○"/>
               <a:defRPr sz="1100"/>
             </a:lvl2pPr>
-            <a:lvl3pPr indent="-298450" lvl="2" marL="1371600">
+            <a:lvl3pPr marL="1371600" lvl="2" indent="-298450">
               <a:spcBef>
                 <a:spcPts val="0"/>
               </a:spcBef>
@@ -387,7 +402,7 @@
               <a:buChar char="■"/>
               <a:defRPr sz="1100"/>
             </a:lvl3pPr>
-            <a:lvl4pPr indent="-298450" lvl="3" marL="1828800">
+            <a:lvl4pPr marL="1828800" lvl="3" indent="-298450">
               <a:spcBef>
                 <a:spcPts val="0"/>
               </a:spcBef>
@@ -398,7 +413,7 @@
               <a:buChar char="●"/>
               <a:defRPr sz="1100"/>
             </a:lvl4pPr>
-            <a:lvl5pPr indent="-298450" lvl="4" marL="2286000">
+            <a:lvl5pPr marL="2286000" lvl="4" indent="-298450">
               <a:spcBef>
                 <a:spcPts val="0"/>
               </a:spcBef>
@@ -409,7 +424,7 @@
               <a:buChar char="○"/>
               <a:defRPr sz="1100"/>
             </a:lvl5pPr>
-            <a:lvl6pPr indent="-298450" lvl="5" marL="2743200">
+            <a:lvl6pPr marL="2743200" lvl="5" indent="-298450">
               <a:spcBef>
                 <a:spcPts val="0"/>
               </a:spcBef>
@@ -420,7 +435,7 @@
               <a:buChar char="■"/>
               <a:defRPr sz="1100"/>
             </a:lvl6pPr>
-            <a:lvl7pPr indent="-298450" lvl="6" marL="3200400">
+            <a:lvl7pPr marL="3200400" lvl="6" indent="-298450">
               <a:spcBef>
                 <a:spcPts val="0"/>
               </a:spcBef>
@@ -431,7 +446,7 @@
               <a:buChar char="●"/>
               <a:defRPr sz="1100"/>
             </a:lvl7pPr>
-            <a:lvl8pPr indent="-298450" lvl="7" marL="3657600">
+            <a:lvl8pPr marL="3657600" lvl="7" indent="-298450">
               <a:spcBef>
                 <a:spcPts val="0"/>
               </a:spcBef>
@@ -442,7 +457,7 @@
               <a:buChar char="○"/>
               <a:defRPr sz="1100"/>
             </a:lvl8pPr>
-            <a:lvl9pPr indent="-298450" lvl="8" marL="4114800">
+            <a:lvl9pPr marL="4114800" lvl="8" indent="-298450">
               <a:spcBef>
                 <a:spcPts val="0"/>
               </a:spcBef>
@@ -454,14 +469,16 @@
               <a:defRPr sz="1100"/>
             </a:lvl9pPr>
           </a:lstStyle>
-          <a:p/>
+          <a:p>
+            <a:endParaRPr/>
+          </a:p>
         </p:txBody>
       </p:sp>
     </p:spTree>
   </p:cSld>
-  <p:clrMap accent1="accent1" accent2="accent2" accent3="accent3" accent4="accent4" accent5="accent5" accent6="accent6" bg1="lt1" bg2="dk2" tx1="dk1" tx2="lt2" folHlink="folHlink" hlink="hlink"/>
+  <p:clrMap bg1="lt1" tx1="dk1" bg2="dk2" tx2="lt2" accent1="accent1" accent2="accent2" accent3="accent3" accent4="accent4" accent5="accent5" accent6="accent6" hlink="hlink" folHlink="folHlink"/>
   <p:notesStyle>
-    <a:defPPr lvl="0" marR="0" rtl="0" algn="l">
+    <a:defPPr marR="0" lvl="0" algn="l" rtl="0">
       <a:lnSpc>
         <a:spcPct val="100000"/>
       </a:lnSpc>
@@ -472,7 +489,7 @@
         <a:spcPts val="0"/>
       </a:spcAft>
     </a:defPPr>
-    <a:lvl1pPr lvl="0" marR="0" rtl="0" algn="l">
+    <a:lvl1pPr marR="0" lvl="0" algn="l" rtl="0">
       <a:lnSpc>
         <a:spcPct val="100000"/>
       </a:lnSpc>
@@ -486,7 +503,7 @@
         <a:srgbClr val="000000"/>
       </a:buClr>
       <a:buFont typeface="Arial"/>
-      <a:defRPr b="0" i="0" sz="1400" u="none" cap="none" strike="noStrike">
+      <a:defRPr sz="1400" b="0" i="0" u="none" strike="noStrike" cap="none">
         <a:solidFill>
           <a:srgbClr val="000000"/>
         </a:solidFill>
@@ -496,7 +513,7 @@
         <a:sym typeface="Arial"/>
       </a:defRPr>
     </a:lvl1pPr>
-    <a:lvl2pPr lvl="1" marR="0" rtl="0" algn="l">
+    <a:lvl2pPr marR="0" lvl="1" algn="l" rtl="0">
       <a:lnSpc>
         <a:spcPct val="100000"/>
       </a:lnSpc>
@@ -510,7 +527,7 @@
         <a:srgbClr val="000000"/>
       </a:buClr>
       <a:buFont typeface="Arial"/>
-      <a:defRPr b="0" i="0" sz="1400" u="none" cap="none" strike="noStrike">
+      <a:defRPr sz="1400" b="0" i="0" u="none" strike="noStrike" cap="none">
         <a:solidFill>
           <a:srgbClr val="000000"/>
         </a:solidFill>
@@ -520,7 +537,7 @@
         <a:sym typeface="Arial"/>
       </a:defRPr>
     </a:lvl2pPr>
-    <a:lvl3pPr lvl="2" marR="0" rtl="0" algn="l">
+    <a:lvl3pPr marR="0" lvl="2" algn="l" rtl="0">
       <a:lnSpc>
         <a:spcPct val="100000"/>
       </a:lnSpc>
@@ -534,7 +551,7 @@
         <a:srgbClr val="000000"/>
       </a:buClr>
       <a:buFont typeface="Arial"/>
-      <a:defRPr b="0" i="0" sz="1400" u="none" cap="none" strike="noStrike">
+      <a:defRPr sz="1400" b="0" i="0" u="none" strike="noStrike" cap="none">
         <a:solidFill>
           <a:srgbClr val="000000"/>
         </a:solidFill>
@@ -544,7 +561,7 @@
         <a:sym typeface="Arial"/>
       </a:defRPr>
     </a:lvl3pPr>
-    <a:lvl4pPr lvl="3" marR="0" rtl="0" algn="l">
+    <a:lvl4pPr marR="0" lvl="3" algn="l" rtl="0">
       <a:lnSpc>
         <a:spcPct val="100000"/>
       </a:lnSpc>
@@ -558,7 +575,7 @@
         <a:srgbClr val="000000"/>
       </a:buClr>
       <a:buFont typeface="Arial"/>
-      <a:defRPr b="0" i="0" sz="1400" u="none" cap="none" strike="noStrike">
+      <a:defRPr sz="1400" b="0" i="0" u="none" strike="noStrike" cap="none">
         <a:solidFill>
           <a:srgbClr val="000000"/>
         </a:solidFill>
@@ -568,7 +585,7 @@
         <a:sym typeface="Arial"/>
       </a:defRPr>
     </a:lvl4pPr>
-    <a:lvl5pPr lvl="4" marR="0" rtl="0" algn="l">
+    <a:lvl5pPr marR="0" lvl="4" algn="l" rtl="0">
       <a:lnSpc>
         <a:spcPct val="100000"/>
       </a:lnSpc>
@@ -582,7 +599,7 @@
         <a:srgbClr val="000000"/>
       </a:buClr>
       <a:buFont typeface="Arial"/>
-      <a:defRPr b="0" i="0" sz="1400" u="none" cap="none" strike="noStrike">
+      <a:defRPr sz="1400" b="0" i="0" u="none" strike="noStrike" cap="none">
         <a:solidFill>
           <a:srgbClr val="000000"/>
         </a:solidFill>
@@ -592,7 +609,7 @@
         <a:sym typeface="Arial"/>
       </a:defRPr>
     </a:lvl5pPr>
-    <a:lvl6pPr lvl="5" marR="0" rtl="0" algn="l">
+    <a:lvl6pPr marR="0" lvl="5" algn="l" rtl="0">
       <a:lnSpc>
         <a:spcPct val="100000"/>
       </a:lnSpc>
@@ -606,7 +623,7 @@
         <a:srgbClr val="000000"/>
       </a:buClr>
       <a:buFont typeface="Arial"/>
-      <a:defRPr b="0" i="0" sz="1400" u="none" cap="none" strike="noStrike">
+      <a:defRPr sz="1400" b="0" i="0" u="none" strike="noStrike" cap="none">
         <a:solidFill>
           <a:srgbClr val="000000"/>
         </a:solidFill>
@@ -616,7 +633,7 @@
         <a:sym typeface="Arial"/>
       </a:defRPr>
     </a:lvl6pPr>
-    <a:lvl7pPr lvl="6" marR="0" rtl="0" algn="l">
+    <a:lvl7pPr marR="0" lvl="6" algn="l" rtl="0">
       <a:lnSpc>
         <a:spcPct val="100000"/>
       </a:lnSpc>
@@ -630,7 +647,7 @@
         <a:srgbClr val="000000"/>
       </a:buClr>
       <a:buFont typeface="Arial"/>
-      <a:defRPr b="0" i="0" sz="1400" u="none" cap="none" strike="noStrike">
+      <a:defRPr sz="1400" b="0" i="0" u="none" strike="noStrike" cap="none">
         <a:solidFill>
           <a:srgbClr val="000000"/>
         </a:solidFill>
@@ -640,7 +657,7 @@
         <a:sym typeface="Arial"/>
       </a:defRPr>
     </a:lvl7pPr>
-    <a:lvl8pPr lvl="7" marR="0" rtl="0" algn="l">
+    <a:lvl8pPr marR="0" lvl="7" algn="l" rtl="0">
       <a:lnSpc>
         <a:spcPct val="100000"/>
       </a:lnSpc>
@@ -654,7 +671,7 @@
         <a:srgbClr val="000000"/>
       </a:buClr>
       <a:buFont typeface="Arial"/>
-      <a:defRPr b="0" i="0" sz="1400" u="none" cap="none" strike="noStrike">
+      <a:defRPr sz="1400" b="0" i="0" u="none" strike="noStrike" cap="none">
         <a:solidFill>
           <a:srgbClr val="000000"/>
         </a:solidFill>
@@ -664,7 +681,7 @@
         <a:sym typeface="Arial"/>
       </a:defRPr>
     </a:lvl8pPr>
-    <a:lvl9pPr lvl="8" marR="0" rtl="0" algn="l">
+    <a:lvl9pPr marR="0" lvl="8" algn="l" rtl="0">
       <a:lnSpc>
         <a:spcPct val="100000"/>
       </a:lnSpc>
@@ -678,7 +695,7 @@
         <a:srgbClr val="000000"/>
       </a:buClr>
       <a:buFont typeface="Arial"/>
-      <a:defRPr b="0" i="0" sz="1400" u="none" cap="none" strike="noStrike">
+      <a:defRPr sz="1400" b="0" i="0" u="none" strike="noStrike" cap="none">
         <a:solidFill>
           <a:srgbClr val="000000"/>
         </a:solidFill>
@@ -693,11 +710,11 @@
 </file>
 
 <file path=ppt/notesSlides/notesSlide1.xml><?xml version="1.0" encoding="utf-8"?>
-<p:notes xmlns:a="http://schemas.openxmlformats.org/drawingml/2006/main" xmlns:r="http://schemas.openxmlformats.org/officeDocument/2006/relationships" xmlns:mc="http://schemas.openxmlformats.org/markup-compatibility/2006" xmlns:mv="urn:schemas-microsoft-com:mac:vml" xmlns:p="http://schemas.openxmlformats.org/presentationml/2006/main" xmlns:c="http://schemas.openxmlformats.org/drawingml/2006/chart" xmlns:dgm="http://schemas.openxmlformats.org/drawingml/2006/diagram" xmlns:o="urn:schemas-microsoft-com:office:office" xmlns:v="urn:schemas-microsoft-com:vml" xmlns:pvml="urn:schemas-microsoft-com:office:powerpoint" xmlns:com="http://schemas.openxmlformats.org/drawingml/2006/compatibility" xmlns:p14="http://schemas.microsoft.com/office/powerpoint/2010/main" xmlns:p15="http://schemas.microsoft.com/office/powerpoint/2012/main" xmlns:ahyp="http://schemas.microsoft.com/office/drawing/2018/hyperlinkcolor" showMasterPhAnim="0" showMasterSp="0">
+<p:notes xmlns:a="http://schemas.openxmlformats.org/drawingml/2006/main" xmlns:r="http://schemas.openxmlformats.org/officeDocument/2006/relationships" xmlns:p="http://schemas.openxmlformats.org/presentationml/2006/main" showMasterSp="0" showMasterPhAnim="0">
   <p:cSld>
     <p:spTree>
       <p:nvGrpSpPr>
-        <p:cNvPr id="50" name="Shape 50"/>
+        <p:cNvPr id="1" name="Shape 50"/>
         <p:cNvGrpSpPr/>
         <p:nvPr/>
       </p:nvGrpSpPr>
@@ -712,20 +729,26 @@
       <p:sp>
         <p:nvSpPr>
           <p:cNvPr id="51" name="Google Shape;51;p:notes"/>
-          <p:cNvSpPr/>
+          <p:cNvSpPr>
+            <a:spLocks noGrp="1" noRot="1" noChangeAspect="1"/>
+          </p:cNvSpPr>
           <p:nvPr>
-            <p:ph idx="2" type="sldImg"/>
+            <p:ph type="sldImg" idx="2"/>
           </p:nvPr>
         </p:nvSpPr>
         <p:spPr>
           <a:xfrm>
-            <a:off x="381300" y="685800"/>
-            <a:ext cx="6096075" cy="3429000"/>
+            <a:off x="381000" y="685800"/>
+            <a:ext cx="6096000" cy="3429000"/>
           </a:xfrm>
           <a:custGeom>
-            <a:rect b="b" l="l" r="r" t="t"/>
+            <a:avLst/>
+            <a:gdLst/>
+            <a:ahLst/>
+            <a:cxnLst/>
+            <a:rect l="l" t="t" r="r" b="b"/>
             <a:pathLst>
-              <a:path extrusionOk="0" h="120000" w="120000">
+              <a:path w="120000" h="120000" extrusionOk="0">
                 <a:moveTo>
                   <a:pt x="0" y="0"/>
                 </a:moveTo>
@@ -747,9 +770,11 @@
       <p:sp>
         <p:nvSpPr>
           <p:cNvPr id="52" name="Google Shape;52;p:notes"/>
-          <p:cNvSpPr txBox="1"/>
+          <p:cNvSpPr txBox="1">
+            <a:spLocks noGrp="1"/>
+          </p:cNvSpPr>
           <p:nvPr>
-            <p:ph idx="1" type="body"/>
+            <p:ph type="body" idx="1"/>
           </p:nvPr>
         </p:nvSpPr>
         <p:spPr>
@@ -762,12 +787,12 @@
           </a:prstGeom>
         </p:spPr>
         <p:txBody>
-          <a:bodyPr anchorCtr="0" anchor="t" bIns="91425" lIns="91425" spcFirstLastPara="1" rIns="91425" wrap="square" tIns="91425">
+          <a:bodyPr spcFirstLastPara="1" wrap="square" lIns="91425" tIns="91425" rIns="91425" bIns="91425" anchor="t" anchorCtr="0">
             <a:noAutofit/>
           </a:bodyPr>
           <a:lstStyle/>
           <a:p>
-            <a:pPr indent="0" lvl="0" marL="0" rtl="0" algn="l">
+            <a:pPr marL="0" lvl="0" indent="0" algn="l" rtl="0">
               <a:spcBef>
                 <a:spcPts val="0"/>
               </a:spcBef>
@@ -776,9 +801,6 @@
               </a:spcAft>
               <a:buNone/>
             </a:pPr>
-            <a:r>
-              <a:t/>
-            </a:r>
             <a:endParaRPr/>
           </a:p>
         </p:txBody>
@@ -792,11 +814,11 @@
 </file>
 
 <file path=ppt/notesSlides/notesSlide2.xml><?xml version="1.0" encoding="utf-8"?>
-<p:notes xmlns:a="http://schemas.openxmlformats.org/drawingml/2006/main" xmlns:r="http://schemas.openxmlformats.org/officeDocument/2006/relationships" xmlns:mc="http://schemas.openxmlformats.org/markup-compatibility/2006" xmlns:mv="urn:schemas-microsoft-com:mac:vml" xmlns:p="http://schemas.openxmlformats.org/presentationml/2006/main" xmlns:c="http://schemas.openxmlformats.org/drawingml/2006/chart" xmlns:dgm="http://schemas.openxmlformats.org/drawingml/2006/diagram" xmlns:o="urn:schemas-microsoft-com:office:office" xmlns:v="urn:schemas-microsoft-com:vml" xmlns:pvml="urn:schemas-microsoft-com:office:powerpoint" xmlns:com="http://schemas.openxmlformats.org/drawingml/2006/compatibility" xmlns:p14="http://schemas.microsoft.com/office/powerpoint/2010/main" xmlns:p15="http://schemas.microsoft.com/office/powerpoint/2012/main" xmlns:ahyp="http://schemas.microsoft.com/office/drawing/2018/hyperlinkcolor" showMasterPhAnim="0" showMasterSp="0">
+<p:notes xmlns:a="http://schemas.openxmlformats.org/drawingml/2006/main" xmlns:r="http://schemas.openxmlformats.org/officeDocument/2006/relationships" xmlns:p="http://schemas.openxmlformats.org/presentationml/2006/main" showMasterSp="0" showMasterPhAnim="0">
   <p:cSld>
     <p:spTree>
       <p:nvGrpSpPr>
-        <p:cNvPr id="56" name="Shape 56"/>
+        <p:cNvPr id="1" name="Shape 56"/>
         <p:cNvGrpSpPr/>
         <p:nvPr/>
       </p:nvGrpSpPr>
@@ -811,20 +833,26 @@
       <p:sp>
         <p:nvSpPr>
           <p:cNvPr id="57" name="Google Shape;57;g2d30f8ee69d_0_35:notes"/>
-          <p:cNvSpPr/>
+          <p:cNvSpPr>
+            <a:spLocks noGrp="1" noRot="1" noChangeAspect="1"/>
+          </p:cNvSpPr>
           <p:nvPr>
-            <p:ph idx="2" type="sldImg"/>
+            <p:ph type="sldImg" idx="2"/>
           </p:nvPr>
         </p:nvSpPr>
         <p:spPr>
           <a:xfrm>
-            <a:off x="381300" y="685800"/>
+            <a:off x="381000" y="685800"/>
             <a:ext cx="6096000" cy="3429000"/>
           </a:xfrm>
           <a:custGeom>
-            <a:rect b="b" l="l" r="r" t="t"/>
+            <a:avLst/>
+            <a:gdLst/>
+            <a:ahLst/>
+            <a:cxnLst/>
+            <a:rect l="l" t="t" r="r" b="b"/>
             <a:pathLst>
-              <a:path extrusionOk="0" h="120000" w="120000">
+              <a:path w="120000" h="120000" extrusionOk="0">
                 <a:moveTo>
                   <a:pt x="0" y="0"/>
                 </a:moveTo>
@@ -846,9 +874,11 @@
       <p:sp>
         <p:nvSpPr>
           <p:cNvPr id="58" name="Google Shape;58;g2d30f8ee69d_0_35:notes"/>
-          <p:cNvSpPr txBox="1"/>
+          <p:cNvSpPr txBox="1">
+            <a:spLocks noGrp="1"/>
+          </p:cNvSpPr>
           <p:nvPr>
-            <p:ph idx="1" type="body"/>
+            <p:ph type="body" idx="1"/>
           </p:nvPr>
         </p:nvSpPr>
         <p:spPr>
@@ -861,12 +891,12 @@
           </a:prstGeom>
         </p:spPr>
         <p:txBody>
-          <a:bodyPr anchorCtr="0" anchor="t" bIns="91425" lIns="91425" spcFirstLastPara="1" rIns="91425" wrap="square" tIns="91425">
+          <a:bodyPr spcFirstLastPara="1" wrap="square" lIns="91425" tIns="91425" rIns="91425" bIns="91425" anchor="t" anchorCtr="0">
             <a:noAutofit/>
           </a:bodyPr>
           <a:lstStyle/>
           <a:p>
-            <a:pPr indent="0" lvl="0" marL="0" rtl="0" algn="l">
+            <a:pPr marL="0" lvl="0" indent="0" algn="l" rtl="0">
               <a:spcBef>
                 <a:spcPts val="0"/>
               </a:spcBef>
@@ -875,9 +905,6 @@
               </a:spcAft>
               <a:buNone/>
             </a:pPr>
-            <a:r>
-              <a:t/>
-            </a:r>
             <a:endParaRPr/>
           </a:p>
         </p:txBody>
@@ -891,11 +918,11 @@
 </file>
 
 <file path=ppt/notesSlides/notesSlide3.xml><?xml version="1.0" encoding="utf-8"?>
-<p:notes xmlns:a="http://schemas.openxmlformats.org/drawingml/2006/main" xmlns:r="http://schemas.openxmlformats.org/officeDocument/2006/relationships" xmlns:mc="http://schemas.openxmlformats.org/markup-compatibility/2006" xmlns:mv="urn:schemas-microsoft-com:mac:vml" xmlns:p="http://schemas.openxmlformats.org/presentationml/2006/main" xmlns:c="http://schemas.openxmlformats.org/drawingml/2006/chart" xmlns:dgm="http://schemas.openxmlformats.org/drawingml/2006/diagram" xmlns:o="urn:schemas-microsoft-com:office:office" xmlns:v="urn:schemas-microsoft-com:vml" xmlns:pvml="urn:schemas-microsoft-com:office:powerpoint" xmlns:com="http://schemas.openxmlformats.org/drawingml/2006/compatibility" xmlns:p14="http://schemas.microsoft.com/office/powerpoint/2010/main" xmlns:p15="http://schemas.microsoft.com/office/powerpoint/2012/main" xmlns:ahyp="http://schemas.microsoft.com/office/drawing/2018/hyperlinkcolor" showMasterPhAnim="0" showMasterSp="0">
+<p:notes xmlns:a="http://schemas.openxmlformats.org/drawingml/2006/main" xmlns:r="http://schemas.openxmlformats.org/officeDocument/2006/relationships" xmlns:p="http://schemas.openxmlformats.org/presentationml/2006/main" showMasterSp="0" showMasterPhAnim="0">
   <p:cSld>
     <p:spTree>
       <p:nvGrpSpPr>
-        <p:cNvPr id="63" name="Shape 63"/>
+        <p:cNvPr id="1" name="Shape 63"/>
         <p:cNvGrpSpPr/>
         <p:nvPr/>
       </p:nvGrpSpPr>
@@ -910,20 +937,26 @@
       <p:sp>
         <p:nvSpPr>
           <p:cNvPr id="64" name="Google Shape;64;g2d30f8ee69d_0_41:notes"/>
-          <p:cNvSpPr/>
+          <p:cNvSpPr>
+            <a:spLocks noGrp="1" noRot="1" noChangeAspect="1"/>
+          </p:cNvSpPr>
           <p:nvPr>
-            <p:ph idx="2" type="sldImg"/>
+            <p:ph type="sldImg" idx="2"/>
           </p:nvPr>
         </p:nvSpPr>
         <p:spPr>
           <a:xfrm>
-            <a:off x="381300" y="685800"/>
+            <a:off x="381000" y="685800"/>
             <a:ext cx="6096000" cy="3429000"/>
           </a:xfrm>
           <a:custGeom>
-            <a:rect b="b" l="l" r="r" t="t"/>
+            <a:avLst/>
+            <a:gdLst/>
+            <a:ahLst/>
+            <a:cxnLst/>
+            <a:rect l="l" t="t" r="r" b="b"/>
             <a:pathLst>
-              <a:path extrusionOk="0" h="120000" w="120000">
+              <a:path w="120000" h="120000" extrusionOk="0">
                 <a:moveTo>
                   <a:pt x="0" y="0"/>
                 </a:moveTo>
@@ -945,9 +978,11 @@
       <p:sp>
         <p:nvSpPr>
           <p:cNvPr id="65" name="Google Shape;65;g2d30f8ee69d_0_41:notes"/>
-          <p:cNvSpPr txBox="1"/>
+          <p:cNvSpPr txBox="1">
+            <a:spLocks noGrp="1"/>
+          </p:cNvSpPr>
           <p:nvPr>
-            <p:ph idx="1" type="body"/>
+            <p:ph type="body" idx="1"/>
           </p:nvPr>
         </p:nvSpPr>
         <p:spPr>
@@ -960,12 +995,12 @@
           </a:prstGeom>
         </p:spPr>
         <p:txBody>
-          <a:bodyPr anchorCtr="0" anchor="t" bIns="91425" lIns="91425" spcFirstLastPara="1" rIns="91425" wrap="square" tIns="91425">
+          <a:bodyPr spcFirstLastPara="1" wrap="square" lIns="91425" tIns="91425" rIns="91425" bIns="91425" anchor="t" anchorCtr="0">
             <a:noAutofit/>
           </a:bodyPr>
           <a:lstStyle/>
           <a:p>
-            <a:pPr indent="0" lvl="0" marL="0" rtl="0" algn="l">
+            <a:pPr marL="0" lvl="0" indent="0" algn="l" rtl="0">
               <a:spcBef>
                 <a:spcPts val="0"/>
               </a:spcBef>
@@ -974,9 +1009,6 @@
               </a:spcAft>
               <a:buNone/>
             </a:pPr>
-            <a:r>
-              <a:t/>
-            </a:r>
             <a:endParaRPr/>
           </a:p>
         </p:txBody>
@@ -990,11 +1022,11 @@
 </file>
 
 <file path=ppt/notesSlides/notesSlide4.xml><?xml version="1.0" encoding="utf-8"?>
-<p:notes xmlns:a="http://schemas.openxmlformats.org/drawingml/2006/main" xmlns:r="http://schemas.openxmlformats.org/officeDocument/2006/relationships" xmlns:mc="http://schemas.openxmlformats.org/markup-compatibility/2006" xmlns:mv="urn:schemas-microsoft-com:mac:vml" xmlns:p="http://schemas.openxmlformats.org/presentationml/2006/main" xmlns:c="http://schemas.openxmlformats.org/drawingml/2006/chart" xmlns:dgm="http://schemas.openxmlformats.org/drawingml/2006/diagram" xmlns:o="urn:schemas-microsoft-com:office:office" xmlns:v="urn:schemas-microsoft-com:vml" xmlns:pvml="urn:schemas-microsoft-com:office:powerpoint" xmlns:com="http://schemas.openxmlformats.org/drawingml/2006/compatibility" xmlns:p14="http://schemas.microsoft.com/office/powerpoint/2010/main" xmlns:p15="http://schemas.microsoft.com/office/powerpoint/2012/main" xmlns:ahyp="http://schemas.microsoft.com/office/drawing/2018/hyperlinkcolor" showMasterPhAnim="0" showMasterSp="0">
+<p:notes xmlns:a="http://schemas.openxmlformats.org/drawingml/2006/main" xmlns:r="http://schemas.openxmlformats.org/officeDocument/2006/relationships" xmlns:p="http://schemas.openxmlformats.org/presentationml/2006/main" showMasterSp="0" showMasterPhAnim="0">
   <p:cSld>
     <p:spTree>
       <p:nvGrpSpPr>
-        <p:cNvPr id="70" name="Shape 70"/>
+        <p:cNvPr id="1" name="Shape 70"/>
         <p:cNvGrpSpPr/>
         <p:nvPr/>
       </p:nvGrpSpPr>
@@ -1009,20 +1041,26 @@
       <p:sp>
         <p:nvSpPr>
           <p:cNvPr id="71" name="Google Shape;71;g2d30f8ee69d_0_0:notes"/>
-          <p:cNvSpPr/>
+          <p:cNvSpPr>
+            <a:spLocks noGrp="1" noRot="1" noChangeAspect="1"/>
+          </p:cNvSpPr>
           <p:nvPr>
-            <p:ph idx="2" type="sldImg"/>
+            <p:ph type="sldImg" idx="2"/>
           </p:nvPr>
         </p:nvSpPr>
         <p:spPr>
           <a:xfrm>
-            <a:off x="381300" y="685800"/>
+            <a:off x="381000" y="685800"/>
             <a:ext cx="6096000" cy="3429000"/>
           </a:xfrm>
           <a:custGeom>
-            <a:rect b="b" l="l" r="r" t="t"/>
+            <a:avLst/>
+            <a:gdLst/>
+            <a:ahLst/>
+            <a:cxnLst/>
+            <a:rect l="l" t="t" r="r" b="b"/>
             <a:pathLst>
-              <a:path extrusionOk="0" h="120000" w="120000">
+              <a:path w="120000" h="120000" extrusionOk="0">
                 <a:moveTo>
                   <a:pt x="0" y="0"/>
                 </a:moveTo>
@@ -1044,9 +1082,11 @@
       <p:sp>
         <p:nvSpPr>
           <p:cNvPr id="72" name="Google Shape;72;g2d30f8ee69d_0_0:notes"/>
-          <p:cNvSpPr txBox="1"/>
+          <p:cNvSpPr txBox="1">
+            <a:spLocks noGrp="1"/>
+          </p:cNvSpPr>
           <p:nvPr>
-            <p:ph idx="1" type="body"/>
+            <p:ph type="body" idx="1"/>
           </p:nvPr>
         </p:nvSpPr>
         <p:spPr>
@@ -1059,12 +1099,12 @@
           </a:prstGeom>
         </p:spPr>
         <p:txBody>
-          <a:bodyPr anchorCtr="0" anchor="t" bIns="91425" lIns="91425" spcFirstLastPara="1" rIns="91425" wrap="square" tIns="91425">
+          <a:bodyPr spcFirstLastPara="1" wrap="square" lIns="91425" tIns="91425" rIns="91425" bIns="91425" anchor="t" anchorCtr="0">
             <a:noAutofit/>
           </a:bodyPr>
           <a:lstStyle/>
           <a:p>
-            <a:pPr indent="0" lvl="0" marL="0" rtl="0" algn="l">
+            <a:pPr marL="0" lvl="0" indent="0" algn="l" rtl="0">
               <a:spcBef>
                 <a:spcPts val="0"/>
               </a:spcBef>
@@ -1073,9 +1113,6 @@
               </a:spcAft>
               <a:buNone/>
             </a:pPr>
-            <a:r>
-              <a:t/>
-            </a:r>
             <a:endParaRPr/>
           </a:p>
         </p:txBody>
@@ -1089,11 +1126,11 @@
 </file>
 
 <file path=ppt/notesSlides/notesSlide5.xml><?xml version="1.0" encoding="utf-8"?>
-<p:notes xmlns:a="http://schemas.openxmlformats.org/drawingml/2006/main" xmlns:r="http://schemas.openxmlformats.org/officeDocument/2006/relationships" xmlns:mc="http://schemas.openxmlformats.org/markup-compatibility/2006" xmlns:mv="urn:schemas-microsoft-com:mac:vml" xmlns:p="http://schemas.openxmlformats.org/presentationml/2006/main" xmlns:c="http://schemas.openxmlformats.org/drawingml/2006/chart" xmlns:dgm="http://schemas.openxmlformats.org/drawingml/2006/diagram" xmlns:o="urn:schemas-microsoft-com:office:office" xmlns:v="urn:schemas-microsoft-com:vml" xmlns:pvml="urn:schemas-microsoft-com:office:powerpoint" xmlns:com="http://schemas.openxmlformats.org/drawingml/2006/compatibility" xmlns:p14="http://schemas.microsoft.com/office/powerpoint/2010/main" xmlns:p15="http://schemas.microsoft.com/office/powerpoint/2012/main" xmlns:ahyp="http://schemas.microsoft.com/office/drawing/2018/hyperlinkcolor" showMasterPhAnim="0" showMasterSp="0">
+<p:notes xmlns:a="http://schemas.openxmlformats.org/drawingml/2006/main" xmlns:r="http://schemas.openxmlformats.org/officeDocument/2006/relationships" xmlns:p="http://schemas.openxmlformats.org/presentationml/2006/main" showMasterSp="0" showMasterPhAnim="0">
   <p:cSld>
     <p:spTree>
       <p:nvGrpSpPr>
-        <p:cNvPr id="76" name="Shape 76"/>
+        <p:cNvPr id="1" name="Shape 76"/>
         <p:cNvGrpSpPr/>
         <p:nvPr/>
       </p:nvGrpSpPr>
@@ -1108,20 +1145,26 @@
       <p:sp>
         <p:nvSpPr>
           <p:cNvPr id="77" name="Google Shape;77;g2d30f8ee69d_0_9:notes"/>
-          <p:cNvSpPr/>
+          <p:cNvSpPr>
+            <a:spLocks noGrp="1" noRot="1" noChangeAspect="1"/>
+          </p:cNvSpPr>
           <p:nvPr>
-            <p:ph idx="2" type="sldImg"/>
+            <p:ph type="sldImg" idx="2"/>
           </p:nvPr>
         </p:nvSpPr>
         <p:spPr>
           <a:xfrm>
-            <a:off x="381300" y="685800"/>
+            <a:off x="381000" y="685800"/>
             <a:ext cx="6096000" cy="3429000"/>
           </a:xfrm>
           <a:custGeom>
-            <a:rect b="b" l="l" r="r" t="t"/>
+            <a:avLst/>
+            <a:gdLst/>
+            <a:ahLst/>
+            <a:cxnLst/>
+            <a:rect l="l" t="t" r="r" b="b"/>
             <a:pathLst>
-              <a:path extrusionOk="0" h="120000" w="120000">
+              <a:path w="120000" h="120000" extrusionOk="0">
                 <a:moveTo>
                   <a:pt x="0" y="0"/>
                 </a:moveTo>
@@ -1143,9 +1186,11 @@
       <p:sp>
         <p:nvSpPr>
           <p:cNvPr id="78" name="Google Shape;78;g2d30f8ee69d_0_9:notes"/>
-          <p:cNvSpPr txBox="1"/>
+          <p:cNvSpPr txBox="1">
+            <a:spLocks noGrp="1"/>
+          </p:cNvSpPr>
           <p:nvPr>
-            <p:ph idx="1" type="body"/>
+            <p:ph type="body" idx="1"/>
           </p:nvPr>
         </p:nvSpPr>
         <p:spPr>
@@ -1158,12 +1203,12 @@
           </a:prstGeom>
         </p:spPr>
         <p:txBody>
-          <a:bodyPr anchorCtr="0" anchor="t" bIns="91425" lIns="91425" spcFirstLastPara="1" rIns="91425" wrap="square" tIns="91425">
+          <a:bodyPr spcFirstLastPara="1" wrap="square" lIns="91425" tIns="91425" rIns="91425" bIns="91425" anchor="t" anchorCtr="0">
             <a:noAutofit/>
           </a:bodyPr>
           <a:lstStyle/>
           <a:p>
-            <a:pPr indent="0" lvl="0" marL="0" rtl="0" algn="l">
+            <a:pPr marL="0" lvl="0" indent="0" algn="l" rtl="0">
               <a:spcBef>
                 <a:spcPts val="0"/>
               </a:spcBef>
@@ -1172,9 +1217,6 @@
               </a:spcAft>
               <a:buNone/>
             </a:pPr>
-            <a:r>
-              <a:t/>
-            </a:r>
             <a:endParaRPr/>
           </a:p>
         </p:txBody>
@@ -1188,11 +1230,11 @@
 </file>
 
 <file path=ppt/notesSlides/notesSlide6.xml><?xml version="1.0" encoding="utf-8"?>
-<p:notes xmlns:a="http://schemas.openxmlformats.org/drawingml/2006/main" xmlns:r="http://schemas.openxmlformats.org/officeDocument/2006/relationships" xmlns:mc="http://schemas.openxmlformats.org/markup-compatibility/2006" xmlns:mv="urn:schemas-microsoft-com:mac:vml" xmlns:p="http://schemas.openxmlformats.org/presentationml/2006/main" xmlns:c="http://schemas.openxmlformats.org/drawingml/2006/chart" xmlns:dgm="http://schemas.openxmlformats.org/drawingml/2006/diagram" xmlns:o="urn:schemas-microsoft-com:office:office" xmlns:v="urn:schemas-microsoft-com:vml" xmlns:pvml="urn:schemas-microsoft-com:office:powerpoint" xmlns:com="http://schemas.openxmlformats.org/drawingml/2006/compatibility" xmlns:p14="http://schemas.microsoft.com/office/powerpoint/2010/main" xmlns:p15="http://schemas.microsoft.com/office/powerpoint/2012/main" xmlns:ahyp="http://schemas.microsoft.com/office/drawing/2018/hyperlinkcolor" showMasterPhAnim="0" showMasterSp="0">
+<p:notes xmlns:a="http://schemas.openxmlformats.org/drawingml/2006/main" xmlns:r="http://schemas.openxmlformats.org/officeDocument/2006/relationships" xmlns:p="http://schemas.openxmlformats.org/presentationml/2006/main" showMasterSp="0" showMasterPhAnim="0">
   <p:cSld>
     <p:spTree>
       <p:nvGrpSpPr>
-        <p:cNvPr id="83" name="Shape 83"/>
+        <p:cNvPr id="1" name="Shape 83"/>
         <p:cNvGrpSpPr/>
         <p:nvPr/>
       </p:nvGrpSpPr>
@@ -1207,20 +1249,26 @@
       <p:sp>
         <p:nvSpPr>
           <p:cNvPr id="84" name="Google Shape;84;g2d30f8ee69d_0_17:notes"/>
-          <p:cNvSpPr/>
+          <p:cNvSpPr>
+            <a:spLocks noGrp="1" noRot="1" noChangeAspect="1"/>
+          </p:cNvSpPr>
           <p:nvPr>
-            <p:ph idx="2" type="sldImg"/>
+            <p:ph type="sldImg" idx="2"/>
           </p:nvPr>
         </p:nvSpPr>
         <p:spPr>
           <a:xfrm>
-            <a:off x="381300" y="685800"/>
+            <a:off x="381000" y="685800"/>
             <a:ext cx="6096000" cy="3429000"/>
           </a:xfrm>
           <a:custGeom>
-            <a:rect b="b" l="l" r="r" t="t"/>
+            <a:avLst/>
+            <a:gdLst/>
+            <a:ahLst/>
+            <a:cxnLst/>
+            <a:rect l="l" t="t" r="r" b="b"/>
             <a:pathLst>
-              <a:path extrusionOk="0" h="120000" w="120000">
+              <a:path w="120000" h="120000" extrusionOk="0">
                 <a:moveTo>
                   <a:pt x="0" y="0"/>
                 </a:moveTo>
@@ -1242,9 +1290,11 @@
       <p:sp>
         <p:nvSpPr>
           <p:cNvPr id="85" name="Google Shape;85;g2d30f8ee69d_0_17:notes"/>
-          <p:cNvSpPr txBox="1"/>
+          <p:cNvSpPr txBox="1">
+            <a:spLocks noGrp="1"/>
+          </p:cNvSpPr>
           <p:nvPr>
-            <p:ph idx="1" type="body"/>
+            <p:ph type="body" idx="1"/>
           </p:nvPr>
         </p:nvSpPr>
         <p:spPr>
@@ -1257,12 +1307,12 @@
           </a:prstGeom>
         </p:spPr>
         <p:txBody>
-          <a:bodyPr anchorCtr="0" anchor="t" bIns="91425" lIns="91425" spcFirstLastPara="1" rIns="91425" wrap="square" tIns="91425">
+          <a:bodyPr spcFirstLastPara="1" wrap="square" lIns="91425" tIns="91425" rIns="91425" bIns="91425" anchor="t" anchorCtr="0">
             <a:noAutofit/>
           </a:bodyPr>
           <a:lstStyle/>
           <a:p>
-            <a:pPr indent="0" lvl="0" marL="0" rtl="0" algn="l">
+            <a:pPr marL="0" lvl="0" indent="0" algn="l" rtl="0">
               <a:spcBef>
                 <a:spcPts val="0"/>
               </a:spcBef>
@@ -1271,9 +1321,6 @@
               </a:spcAft>
               <a:buNone/>
             </a:pPr>
-            <a:r>
-              <a:t/>
-            </a:r>
             <a:endParaRPr/>
           </a:p>
         </p:txBody>
@@ -1287,11 +1334,11 @@
 </file>
 
 <file path=ppt/notesSlides/notesSlide7.xml><?xml version="1.0" encoding="utf-8"?>
-<p:notes xmlns:a="http://schemas.openxmlformats.org/drawingml/2006/main" xmlns:r="http://schemas.openxmlformats.org/officeDocument/2006/relationships" xmlns:mc="http://schemas.openxmlformats.org/markup-compatibility/2006" xmlns:mv="urn:schemas-microsoft-com:mac:vml" xmlns:p="http://schemas.openxmlformats.org/presentationml/2006/main" xmlns:c="http://schemas.openxmlformats.org/drawingml/2006/chart" xmlns:dgm="http://schemas.openxmlformats.org/drawingml/2006/diagram" xmlns:o="urn:schemas-microsoft-com:office:office" xmlns:v="urn:schemas-microsoft-com:vml" xmlns:pvml="urn:schemas-microsoft-com:office:powerpoint" xmlns:com="http://schemas.openxmlformats.org/drawingml/2006/compatibility" xmlns:p14="http://schemas.microsoft.com/office/powerpoint/2010/main" xmlns:p15="http://schemas.microsoft.com/office/powerpoint/2012/main" xmlns:ahyp="http://schemas.microsoft.com/office/drawing/2018/hyperlinkcolor" showMasterPhAnim="0" showMasterSp="0">
+<p:notes xmlns:a="http://schemas.openxmlformats.org/drawingml/2006/main" xmlns:r="http://schemas.openxmlformats.org/officeDocument/2006/relationships" xmlns:p="http://schemas.openxmlformats.org/presentationml/2006/main" showMasterSp="0" showMasterPhAnim="0">
   <p:cSld>
     <p:spTree>
       <p:nvGrpSpPr>
-        <p:cNvPr id="90" name="Shape 90"/>
+        <p:cNvPr id="1" name="Shape 90"/>
         <p:cNvGrpSpPr/>
         <p:nvPr/>
       </p:nvGrpSpPr>
@@ -1306,20 +1353,26 @@
       <p:sp>
         <p:nvSpPr>
           <p:cNvPr id="91" name="Google Shape;91;g2d30f8ee69d_0_23:notes"/>
-          <p:cNvSpPr/>
+          <p:cNvSpPr>
+            <a:spLocks noGrp="1" noRot="1" noChangeAspect="1"/>
+          </p:cNvSpPr>
           <p:nvPr>
-            <p:ph idx="2" type="sldImg"/>
+            <p:ph type="sldImg" idx="2"/>
           </p:nvPr>
         </p:nvSpPr>
         <p:spPr>
           <a:xfrm>
-            <a:off x="381300" y="685800"/>
+            <a:off x="381000" y="685800"/>
             <a:ext cx="6096000" cy="3429000"/>
           </a:xfrm>
           <a:custGeom>
-            <a:rect b="b" l="l" r="r" t="t"/>
+            <a:avLst/>
+            <a:gdLst/>
+            <a:ahLst/>
+            <a:cxnLst/>
+            <a:rect l="l" t="t" r="r" b="b"/>
             <a:pathLst>
-              <a:path extrusionOk="0" h="120000" w="120000">
+              <a:path w="120000" h="120000" extrusionOk="0">
                 <a:moveTo>
                   <a:pt x="0" y="0"/>
                 </a:moveTo>
@@ -1341,9 +1394,11 @@
       <p:sp>
         <p:nvSpPr>
           <p:cNvPr id="92" name="Google Shape;92;g2d30f8ee69d_0_23:notes"/>
-          <p:cNvSpPr txBox="1"/>
+          <p:cNvSpPr txBox="1">
+            <a:spLocks noGrp="1"/>
+          </p:cNvSpPr>
           <p:nvPr>
-            <p:ph idx="1" type="body"/>
+            <p:ph type="body" idx="1"/>
           </p:nvPr>
         </p:nvSpPr>
         <p:spPr>
@@ -1356,12 +1411,12 @@
           </a:prstGeom>
         </p:spPr>
         <p:txBody>
-          <a:bodyPr anchorCtr="0" anchor="t" bIns="91425" lIns="91425" spcFirstLastPara="1" rIns="91425" wrap="square" tIns="91425">
+          <a:bodyPr spcFirstLastPara="1" wrap="square" lIns="91425" tIns="91425" rIns="91425" bIns="91425" anchor="t" anchorCtr="0">
             <a:noAutofit/>
           </a:bodyPr>
           <a:lstStyle/>
           <a:p>
-            <a:pPr indent="0" lvl="0" marL="0" rtl="0" algn="l">
+            <a:pPr marL="0" lvl="0" indent="0" algn="l" rtl="0">
               <a:spcBef>
                 <a:spcPts val="0"/>
               </a:spcBef>
@@ -1370,9 +1425,6 @@
               </a:spcAft>
               <a:buNone/>
             </a:pPr>
-            <a:r>
-              <a:t/>
-            </a:r>
             <a:endParaRPr/>
           </a:p>
         </p:txBody>
@@ -1386,11 +1438,11 @@
 </file>
 
 <file path=ppt/slideLayouts/slideLayout1.xml><?xml version="1.0" encoding="utf-8"?>
-<p:sldLayout xmlns:a="http://schemas.openxmlformats.org/drawingml/2006/main" xmlns:r="http://schemas.openxmlformats.org/officeDocument/2006/relationships" xmlns:mc="http://schemas.openxmlformats.org/markup-compatibility/2006" xmlns:mv="urn:schemas-microsoft-com:mac:vml" xmlns:p="http://schemas.openxmlformats.org/presentationml/2006/main" xmlns:c="http://schemas.openxmlformats.org/drawingml/2006/chart" xmlns:dgm="http://schemas.openxmlformats.org/drawingml/2006/diagram" xmlns:o="urn:schemas-microsoft-com:office:office" xmlns:v="urn:schemas-microsoft-com:vml" xmlns:pvml="urn:schemas-microsoft-com:office:powerpoint" xmlns:com="http://schemas.openxmlformats.org/drawingml/2006/compatibility" xmlns:p14="http://schemas.microsoft.com/office/powerpoint/2010/main" xmlns:p15="http://schemas.microsoft.com/office/powerpoint/2012/main" xmlns:ahyp="http://schemas.microsoft.com/office/drawing/2018/hyperlinkcolor" matchingName="Title slide" type="title">
+<p:sldLayout xmlns:a="http://schemas.openxmlformats.org/drawingml/2006/main" xmlns:r="http://schemas.openxmlformats.org/officeDocument/2006/relationships" xmlns:p="http://schemas.openxmlformats.org/presentationml/2006/main" matchingName="Title slide" type="title">
   <p:cSld name="TITLE">
     <p:spTree>
       <p:nvGrpSpPr>
-        <p:cNvPr id="9" name="Shape 9"/>
+        <p:cNvPr id="1" name="Shape 9"/>
         <p:cNvGrpSpPr/>
         <p:nvPr/>
       </p:nvGrpSpPr>
@@ -1405,7 +1457,9 @@
       <p:sp>
         <p:nvSpPr>
           <p:cNvPr id="10" name="Google Shape;10;p2"/>
-          <p:cNvSpPr txBox="1"/>
+          <p:cNvSpPr txBox="1">
+            <a:spLocks noGrp="1"/>
+          </p:cNvSpPr>
           <p:nvPr>
             <p:ph type="ctrTitle"/>
           </p:nvPr>
@@ -1420,7 +1474,7 @@
           </a:prstGeom>
         </p:spPr>
         <p:txBody>
-          <a:bodyPr anchorCtr="0" anchor="b" bIns="91425" lIns="91425" spcFirstLastPara="1" rIns="91425" wrap="square" tIns="91425">
+          <a:bodyPr spcFirstLastPara="1" wrap="square" lIns="91425" tIns="91425" rIns="91425" bIns="91425" anchor="b" anchorCtr="0">
             <a:normAutofit/>
           </a:bodyPr>
           <a:lstStyle>
@@ -1524,15 +1578,19 @@
               <a:defRPr sz="5200"/>
             </a:lvl9pPr>
           </a:lstStyle>
-          <a:p/>
+          <a:p>
+            <a:endParaRPr/>
+          </a:p>
         </p:txBody>
       </p:sp>
       <p:sp>
         <p:nvSpPr>
           <p:cNvPr id="11" name="Google Shape;11;p2"/>
-          <p:cNvSpPr txBox="1"/>
+          <p:cNvSpPr txBox="1">
+            <a:spLocks noGrp="1"/>
+          </p:cNvSpPr>
           <p:nvPr>
-            <p:ph idx="1" type="subTitle"/>
+            <p:ph type="subTitle" idx="1"/>
           </p:nvPr>
         </p:nvSpPr>
         <p:spPr>
@@ -1545,7 +1603,7 @@
           </a:prstGeom>
         </p:spPr>
         <p:txBody>
-          <a:bodyPr anchorCtr="0" anchor="t" bIns="91425" lIns="91425" spcFirstLastPara="1" rIns="91425" wrap="square" tIns="91425">
+          <a:bodyPr spcFirstLastPara="1" wrap="square" lIns="91425" tIns="91425" rIns="91425" bIns="91425" anchor="t" anchorCtr="0">
             <a:normAutofit/>
           </a:bodyPr>
           <a:lstStyle>
@@ -1676,15 +1734,19 @@
               <a:defRPr sz="2800"/>
             </a:lvl9pPr>
           </a:lstStyle>
-          <a:p/>
+          <a:p>
+            <a:endParaRPr/>
+          </a:p>
         </p:txBody>
       </p:sp>
       <p:sp>
         <p:nvSpPr>
           <p:cNvPr id="12" name="Google Shape;12;p2"/>
-          <p:cNvSpPr txBox="1"/>
+          <p:cNvSpPr txBox="1">
+            <a:spLocks noGrp="1"/>
+          </p:cNvSpPr>
           <p:nvPr>
-            <p:ph idx="12" type="sldNum"/>
+            <p:ph type="sldNum" idx="12"/>
           </p:nvPr>
         </p:nvSpPr>
         <p:spPr>
@@ -1697,7 +1759,7 @@
           </a:prstGeom>
         </p:spPr>
         <p:txBody>
-          <a:bodyPr anchorCtr="0" anchor="ctr" bIns="91425" lIns="91425" spcFirstLastPara="1" rIns="91425" wrap="square" tIns="91425">
+          <a:bodyPr spcFirstLastPara="1" wrap="square" lIns="91425" tIns="91425" rIns="91425" bIns="91425" anchor="ctr" anchorCtr="0">
             <a:normAutofit/>
           </a:bodyPr>
           <a:lstStyle>
@@ -1739,7 +1801,7 @@
             </a:lvl9pPr>
           </a:lstStyle>
           <a:p>
-            <a:pPr indent="0" lvl="0" marL="0" rtl="0" algn="r">
+            <a:pPr marL="0" lvl="0" indent="0" algn="r" rtl="0">
               <a:spcBef>
                 <a:spcPts val="0"/>
               </a:spcBef>
@@ -1765,367 +1827,11 @@
 </file>
 
 <file path=ppt/slideLayouts/slideLayout10.xml><?xml version="1.0" encoding="utf-8"?>
-<p:sldLayout xmlns:a="http://schemas.openxmlformats.org/drawingml/2006/main" xmlns:r="http://schemas.openxmlformats.org/officeDocument/2006/relationships" xmlns:mc="http://schemas.openxmlformats.org/markup-compatibility/2006" xmlns:mv="urn:schemas-microsoft-com:mac:vml" xmlns:p="http://schemas.openxmlformats.org/presentationml/2006/main" xmlns:c="http://schemas.openxmlformats.org/drawingml/2006/chart" xmlns:dgm="http://schemas.openxmlformats.org/drawingml/2006/diagram" xmlns:o="urn:schemas-microsoft-com:office:office" xmlns:v="urn:schemas-microsoft-com:vml" xmlns:pvml="urn:schemas-microsoft-com:office:powerpoint" xmlns:com="http://schemas.openxmlformats.org/drawingml/2006/compatibility" xmlns:p14="http://schemas.microsoft.com/office/powerpoint/2010/main" xmlns:p15="http://schemas.microsoft.com/office/powerpoint/2012/main" xmlns:ahyp="http://schemas.microsoft.com/office/drawing/2018/hyperlinkcolor" matchingName="Big number">
-  <p:cSld name="BIG_NUMBER">
-    <p:spTree>
-      <p:nvGrpSpPr>
-        <p:cNvPr id="44" name="Shape 44"/>
-        <p:cNvGrpSpPr/>
-        <p:nvPr/>
-      </p:nvGrpSpPr>
-      <p:grpSpPr>
-        <a:xfrm>
-          <a:off x="0" y="0"/>
-          <a:ext cx="0" cy="0"/>
-          <a:chOff x="0" y="0"/>
-          <a:chExt cx="0" cy="0"/>
-        </a:xfrm>
-      </p:grpSpPr>
-      <p:sp>
-        <p:nvSpPr>
-          <p:cNvPr id="45" name="Google Shape;45;p11"/>
-          <p:cNvSpPr txBox="1"/>
-          <p:nvPr>
-            <p:ph hasCustomPrompt="1" type="title"/>
-          </p:nvPr>
-        </p:nvSpPr>
-        <p:spPr>
-          <a:xfrm>
-            <a:off x="311700" y="1106125"/>
-            <a:ext cx="8520600" cy="1963500"/>
-          </a:xfrm>
-          <a:prstGeom prst="rect">
-            <a:avLst/>
-          </a:prstGeom>
-        </p:spPr>
-        <p:txBody>
-          <a:bodyPr anchorCtr="0" anchor="b" bIns="91425" lIns="91425" spcFirstLastPara="1" rIns="91425" wrap="square" tIns="91425">
-            <a:normAutofit/>
-          </a:bodyPr>
-          <a:lstStyle>
-            <a:lvl1pPr lvl="0" algn="ctr">
-              <a:spcBef>
-                <a:spcPts val="0"/>
-              </a:spcBef>
-              <a:spcAft>
-                <a:spcPts val="0"/>
-              </a:spcAft>
-              <a:buSzPts val="12000"/>
-              <a:buNone/>
-              <a:defRPr sz="12000"/>
-            </a:lvl1pPr>
-            <a:lvl2pPr lvl="1" algn="ctr">
-              <a:spcBef>
-                <a:spcPts val="0"/>
-              </a:spcBef>
-              <a:spcAft>
-                <a:spcPts val="0"/>
-              </a:spcAft>
-              <a:buSzPts val="12000"/>
-              <a:buNone/>
-              <a:defRPr sz="12000"/>
-            </a:lvl2pPr>
-            <a:lvl3pPr lvl="2" algn="ctr">
-              <a:spcBef>
-                <a:spcPts val="0"/>
-              </a:spcBef>
-              <a:spcAft>
-                <a:spcPts val="0"/>
-              </a:spcAft>
-              <a:buSzPts val="12000"/>
-              <a:buNone/>
-              <a:defRPr sz="12000"/>
-            </a:lvl3pPr>
-            <a:lvl4pPr lvl="3" algn="ctr">
-              <a:spcBef>
-                <a:spcPts val="0"/>
-              </a:spcBef>
-              <a:spcAft>
-                <a:spcPts val="0"/>
-              </a:spcAft>
-              <a:buSzPts val="12000"/>
-              <a:buNone/>
-              <a:defRPr sz="12000"/>
-            </a:lvl4pPr>
-            <a:lvl5pPr lvl="4" algn="ctr">
-              <a:spcBef>
-                <a:spcPts val="0"/>
-              </a:spcBef>
-              <a:spcAft>
-                <a:spcPts val="0"/>
-              </a:spcAft>
-              <a:buSzPts val="12000"/>
-              <a:buNone/>
-              <a:defRPr sz="12000"/>
-            </a:lvl5pPr>
-            <a:lvl6pPr lvl="5" algn="ctr">
-              <a:spcBef>
-                <a:spcPts val="0"/>
-              </a:spcBef>
-              <a:spcAft>
-                <a:spcPts val="0"/>
-              </a:spcAft>
-              <a:buSzPts val="12000"/>
-              <a:buNone/>
-              <a:defRPr sz="12000"/>
-            </a:lvl6pPr>
-            <a:lvl7pPr lvl="6" algn="ctr">
-              <a:spcBef>
-                <a:spcPts val="0"/>
-              </a:spcBef>
-              <a:spcAft>
-                <a:spcPts val="0"/>
-              </a:spcAft>
-              <a:buSzPts val="12000"/>
-              <a:buNone/>
-              <a:defRPr sz="12000"/>
-            </a:lvl7pPr>
-            <a:lvl8pPr lvl="7" algn="ctr">
-              <a:spcBef>
-                <a:spcPts val="0"/>
-              </a:spcBef>
-              <a:spcAft>
-                <a:spcPts val="0"/>
-              </a:spcAft>
-              <a:buSzPts val="12000"/>
-              <a:buNone/>
-              <a:defRPr sz="12000"/>
-            </a:lvl8pPr>
-            <a:lvl9pPr lvl="8" algn="ctr">
-              <a:spcBef>
-                <a:spcPts val="0"/>
-              </a:spcBef>
-              <a:spcAft>
-                <a:spcPts val="0"/>
-              </a:spcAft>
-              <a:buSzPts val="12000"/>
-              <a:buNone/>
-              <a:defRPr sz="12000"/>
-            </a:lvl9pPr>
-          </a:lstStyle>
-          <a:p>
-            <a:r>
-              <a:t>xx%</a:t>
-            </a:r>
-          </a:p>
-        </p:txBody>
-      </p:sp>
-      <p:sp>
-        <p:nvSpPr>
-          <p:cNvPr id="46" name="Google Shape;46;p11"/>
-          <p:cNvSpPr txBox="1"/>
-          <p:nvPr>
-            <p:ph idx="1" type="body"/>
-          </p:nvPr>
-        </p:nvSpPr>
-        <p:spPr>
-          <a:xfrm>
-            <a:off x="311700" y="3152225"/>
-            <a:ext cx="8520600" cy="1300800"/>
-          </a:xfrm>
-          <a:prstGeom prst="rect">
-            <a:avLst/>
-          </a:prstGeom>
-        </p:spPr>
-        <p:txBody>
-          <a:bodyPr anchorCtr="0" anchor="t" bIns="91425" lIns="91425" spcFirstLastPara="1" rIns="91425" wrap="square" tIns="91425">
-            <a:normAutofit/>
-          </a:bodyPr>
-          <a:lstStyle>
-            <a:lvl1pPr indent="-342900" lvl="0" marL="457200" algn="ctr">
-              <a:spcBef>
-                <a:spcPts val="0"/>
-              </a:spcBef>
-              <a:spcAft>
-                <a:spcPts val="0"/>
-              </a:spcAft>
-              <a:buSzPts val="1800"/>
-              <a:buChar char="●"/>
-              <a:defRPr/>
-            </a:lvl1pPr>
-            <a:lvl2pPr indent="-317500" lvl="1" marL="914400" algn="ctr">
-              <a:spcBef>
-                <a:spcPts val="0"/>
-              </a:spcBef>
-              <a:spcAft>
-                <a:spcPts val="0"/>
-              </a:spcAft>
-              <a:buSzPts val="1400"/>
-              <a:buChar char="○"/>
-              <a:defRPr/>
-            </a:lvl2pPr>
-            <a:lvl3pPr indent="-317500" lvl="2" marL="1371600" algn="ctr">
-              <a:spcBef>
-                <a:spcPts val="0"/>
-              </a:spcBef>
-              <a:spcAft>
-                <a:spcPts val="0"/>
-              </a:spcAft>
-              <a:buSzPts val="1400"/>
-              <a:buChar char="■"/>
-              <a:defRPr/>
-            </a:lvl3pPr>
-            <a:lvl4pPr indent="-317500" lvl="3" marL="1828800" algn="ctr">
-              <a:spcBef>
-                <a:spcPts val="0"/>
-              </a:spcBef>
-              <a:spcAft>
-                <a:spcPts val="0"/>
-              </a:spcAft>
-              <a:buSzPts val="1400"/>
-              <a:buChar char="●"/>
-              <a:defRPr/>
-            </a:lvl4pPr>
-            <a:lvl5pPr indent="-317500" lvl="4" marL="2286000" algn="ctr">
-              <a:spcBef>
-                <a:spcPts val="0"/>
-              </a:spcBef>
-              <a:spcAft>
-                <a:spcPts val="0"/>
-              </a:spcAft>
-              <a:buSzPts val="1400"/>
-              <a:buChar char="○"/>
-              <a:defRPr/>
-            </a:lvl5pPr>
-            <a:lvl6pPr indent="-317500" lvl="5" marL="2743200" algn="ctr">
-              <a:spcBef>
-                <a:spcPts val="0"/>
-              </a:spcBef>
-              <a:spcAft>
-                <a:spcPts val="0"/>
-              </a:spcAft>
-              <a:buSzPts val="1400"/>
-              <a:buChar char="■"/>
-              <a:defRPr/>
-            </a:lvl6pPr>
-            <a:lvl7pPr indent="-317500" lvl="6" marL="3200400" algn="ctr">
-              <a:spcBef>
-                <a:spcPts val="0"/>
-              </a:spcBef>
-              <a:spcAft>
-                <a:spcPts val="0"/>
-              </a:spcAft>
-              <a:buSzPts val="1400"/>
-              <a:buChar char="●"/>
-              <a:defRPr/>
-            </a:lvl7pPr>
-            <a:lvl8pPr indent="-317500" lvl="7" marL="3657600" algn="ctr">
-              <a:spcBef>
-                <a:spcPts val="0"/>
-              </a:spcBef>
-              <a:spcAft>
-                <a:spcPts val="0"/>
-              </a:spcAft>
-              <a:buSzPts val="1400"/>
-              <a:buChar char="○"/>
-              <a:defRPr/>
-            </a:lvl8pPr>
-            <a:lvl9pPr indent="-317500" lvl="8" marL="4114800" algn="ctr">
-              <a:spcBef>
-                <a:spcPts val="0"/>
-              </a:spcBef>
-              <a:spcAft>
-                <a:spcPts val="0"/>
-              </a:spcAft>
-              <a:buSzPts val="1400"/>
-              <a:buChar char="■"/>
-              <a:defRPr/>
-            </a:lvl9pPr>
-          </a:lstStyle>
-          <a:p/>
-        </p:txBody>
-      </p:sp>
-      <p:sp>
-        <p:nvSpPr>
-          <p:cNvPr id="47" name="Google Shape;47;p11"/>
-          <p:cNvSpPr txBox="1"/>
-          <p:nvPr>
-            <p:ph idx="12" type="sldNum"/>
-          </p:nvPr>
-        </p:nvSpPr>
-        <p:spPr>
-          <a:xfrm>
-            <a:off x="8472458" y="4663217"/>
-            <a:ext cx="548700" cy="393600"/>
-          </a:xfrm>
-          <a:prstGeom prst="rect">
-            <a:avLst/>
-          </a:prstGeom>
-        </p:spPr>
-        <p:txBody>
-          <a:bodyPr anchorCtr="0" anchor="ctr" bIns="91425" lIns="91425" spcFirstLastPara="1" rIns="91425" wrap="square" tIns="91425">
-            <a:normAutofit/>
-          </a:bodyPr>
-          <a:lstStyle>
-            <a:lvl1pPr lvl="0">
-              <a:buNone/>
-              <a:defRPr/>
-            </a:lvl1pPr>
-            <a:lvl2pPr lvl="1">
-              <a:buNone/>
-              <a:defRPr/>
-            </a:lvl2pPr>
-            <a:lvl3pPr lvl="2">
-              <a:buNone/>
-              <a:defRPr/>
-            </a:lvl3pPr>
-            <a:lvl4pPr lvl="3">
-              <a:buNone/>
-              <a:defRPr/>
-            </a:lvl4pPr>
-            <a:lvl5pPr lvl="4">
-              <a:buNone/>
-              <a:defRPr/>
-            </a:lvl5pPr>
-            <a:lvl6pPr lvl="5">
-              <a:buNone/>
-              <a:defRPr/>
-            </a:lvl6pPr>
-            <a:lvl7pPr lvl="6">
-              <a:buNone/>
-              <a:defRPr/>
-            </a:lvl7pPr>
-            <a:lvl8pPr lvl="7">
-              <a:buNone/>
-              <a:defRPr/>
-            </a:lvl8pPr>
-            <a:lvl9pPr lvl="8">
-              <a:buNone/>
-              <a:defRPr/>
-            </a:lvl9pPr>
-          </a:lstStyle>
-          <a:p>
-            <a:pPr indent="0" lvl="0" marL="0" rtl="0" algn="r">
-              <a:spcBef>
-                <a:spcPts val="0"/>
-              </a:spcBef>
-              <a:spcAft>
-                <a:spcPts val="0"/>
-              </a:spcAft>
-              <a:buNone/>
-            </a:pPr>
-            <a:fld id="{00000000-1234-1234-1234-123412341234}" type="slidenum">
-              <a:rPr lang="en"/>
-              <a:t>‹#›</a:t>
-            </a:fld>
-            <a:endParaRPr/>
-          </a:p>
-        </p:txBody>
-      </p:sp>
-    </p:spTree>
-  </p:cSld>
-  <p:clrMapOvr>
-    <a:masterClrMapping/>
-  </p:clrMapOvr>
-</p:sldLayout>
-</file>
-
-<file path=ppt/slideLayouts/slideLayout11.xml><?xml version="1.0" encoding="utf-8"?>
-<p:sldLayout xmlns:a="http://schemas.openxmlformats.org/drawingml/2006/main" xmlns:r="http://schemas.openxmlformats.org/officeDocument/2006/relationships" xmlns:mc="http://schemas.openxmlformats.org/markup-compatibility/2006" xmlns:mv="urn:schemas-microsoft-com:mac:vml" xmlns:p="http://schemas.openxmlformats.org/presentationml/2006/main" xmlns:c="http://schemas.openxmlformats.org/drawingml/2006/chart" xmlns:dgm="http://schemas.openxmlformats.org/drawingml/2006/diagram" xmlns:o="urn:schemas-microsoft-com:office:office" xmlns:v="urn:schemas-microsoft-com:vml" xmlns:pvml="urn:schemas-microsoft-com:office:powerpoint" xmlns:com="http://schemas.openxmlformats.org/drawingml/2006/compatibility" xmlns:p14="http://schemas.microsoft.com/office/powerpoint/2010/main" xmlns:p15="http://schemas.microsoft.com/office/powerpoint/2012/main" xmlns:ahyp="http://schemas.microsoft.com/office/drawing/2018/hyperlinkcolor" matchingName="Blank" type="blank">
+<p:sldLayout xmlns:a="http://schemas.openxmlformats.org/drawingml/2006/main" xmlns:r="http://schemas.openxmlformats.org/officeDocument/2006/relationships" xmlns:p="http://schemas.openxmlformats.org/presentationml/2006/main" matchingName="Blank" type="blank">
   <p:cSld name="BLANK">
     <p:spTree>
       <p:nvGrpSpPr>
-        <p:cNvPr id="48" name="Shape 48"/>
+        <p:cNvPr id="1" name="Shape 48"/>
         <p:cNvGrpSpPr/>
         <p:nvPr/>
       </p:nvGrpSpPr>
@@ -2140,9 +1846,11 @@
       <p:sp>
         <p:nvSpPr>
           <p:cNvPr id="49" name="Google Shape;49;p12"/>
-          <p:cNvSpPr txBox="1"/>
+          <p:cNvSpPr txBox="1">
+            <a:spLocks noGrp="1"/>
+          </p:cNvSpPr>
           <p:nvPr>
-            <p:ph idx="12" type="sldNum"/>
+            <p:ph type="sldNum" idx="12"/>
           </p:nvPr>
         </p:nvSpPr>
         <p:spPr>
@@ -2155,7 +1863,7 @@
           </a:prstGeom>
         </p:spPr>
         <p:txBody>
-          <a:bodyPr anchorCtr="0" anchor="ctr" bIns="91425" lIns="91425" spcFirstLastPara="1" rIns="91425" wrap="square" tIns="91425">
+          <a:bodyPr spcFirstLastPara="1" wrap="square" lIns="91425" tIns="91425" rIns="91425" bIns="91425" anchor="ctr" anchorCtr="0">
             <a:normAutofit/>
           </a:bodyPr>
           <a:lstStyle>
@@ -2197,7 +1905,7 @@
             </a:lvl9pPr>
           </a:lstStyle>
           <a:p>
-            <a:pPr indent="0" lvl="0" marL="0" rtl="0" algn="r">
+            <a:pPr marL="0" lvl="0" indent="0" algn="r" rtl="0">
               <a:spcBef>
                 <a:spcPts val="0"/>
               </a:spcBef>
@@ -2223,11 +1931,11 @@
 </file>
 
 <file path=ppt/slideLayouts/slideLayout2.xml><?xml version="1.0" encoding="utf-8"?>
-<p:sldLayout xmlns:a="http://schemas.openxmlformats.org/drawingml/2006/main" xmlns:r="http://schemas.openxmlformats.org/officeDocument/2006/relationships" xmlns:mc="http://schemas.openxmlformats.org/markup-compatibility/2006" xmlns:mv="urn:schemas-microsoft-com:mac:vml" xmlns:p="http://schemas.openxmlformats.org/presentationml/2006/main" xmlns:c="http://schemas.openxmlformats.org/drawingml/2006/chart" xmlns:dgm="http://schemas.openxmlformats.org/drawingml/2006/diagram" xmlns:o="urn:schemas-microsoft-com:office:office" xmlns:v="urn:schemas-microsoft-com:vml" xmlns:pvml="urn:schemas-microsoft-com:office:powerpoint" xmlns:com="http://schemas.openxmlformats.org/drawingml/2006/compatibility" xmlns:p14="http://schemas.microsoft.com/office/powerpoint/2010/main" xmlns:p15="http://schemas.microsoft.com/office/powerpoint/2012/main" xmlns:ahyp="http://schemas.microsoft.com/office/drawing/2018/hyperlinkcolor" matchingName="Section header" type="secHead">
-  <p:cSld name="SECTION_HEADER">
+<p:sldLayout xmlns:a="http://schemas.openxmlformats.org/drawingml/2006/main" xmlns:r="http://schemas.openxmlformats.org/officeDocument/2006/relationships" xmlns:p="http://schemas.openxmlformats.org/presentationml/2006/main" matchingName="Title and body" type="tx">
+  <p:cSld name="TITLE_AND_BODY">
     <p:spTree>
       <p:nvGrpSpPr>
-        <p:cNvPr id="13" name="Shape 13"/>
+        <p:cNvPr id="1" name="Shape 16"/>
         <p:cNvGrpSpPr/>
         <p:nvPr/>
       </p:nvGrpSpPr>
@@ -2241,135 +1949,270 @@
       </p:grpSpPr>
       <p:sp>
         <p:nvSpPr>
-          <p:cNvPr id="14" name="Google Shape;14;p3"/>
-          <p:cNvSpPr txBox="1"/>
+          <p:cNvPr id="17" name="Google Shape;17;p4"/>
+          <p:cNvSpPr txBox="1">
+            <a:spLocks noGrp="1"/>
+          </p:cNvSpPr>
           <p:nvPr>
             <p:ph type="title"/>
           </p:nvPr>
         </p:nvSpPr>
         <p:spPr>
           <a:xfrm>
-            <a:off x="311700" y="2150850"/>
-            <a:ext cx="8520600" cy="841800"/>
+            <a:off x="311700" y="445025"/>
+            <a:ext cx="8520600" cy="572700"/>
           </a:xfrm>
           <a:prstGeom prst="rect">
             <a:avLst/>
           </a:prstGeom>
         </p:spPr>
         <p:txBody>
-          <a:bodyPr anchorCtr="0" anchor="ctr" bIns="91425" lIns="91425" spcFirstLastPara="1" rIns="91425" wrap="square" tIns="91425">
+          <a:bodyPr spcFirstLastPara="1" wrap="square" lIns="91425" tIns="91425" rIns="91425" bIns="91425" anchor="t" anchorCtr="0">
             <a:normAutofit/>
           </a:bodyPr>
           <a:lstStyle>
-            <a:lvl1pPr lvl="0" algn="ctr">
-              <a:spcBef>
-                <a:spcPts val="0"/>
-              </a:spcBef>
-              <a:spcAft>
-                <a:spcPts val="0"/>
-              </a:spcAft>
-              <a:buSzPts val="3600"/>
-              <a:buNone/>
-              <a:defRPr sz="3600"/>
+            <a:lvl1pPr lvl="0">
+              <a:spcBef>
+                <a:spcPts val="0"/>
+              </a:spcBef>
+              <a:spcAft>
+                <a:spcPts val="0"/>
+              </a:spcAft>
+              <a:buSzPts val="2800"/>
+              <a:buNone/>
+              <a:defRPr/>
             </a:lvl1pPr>
-            <a:lvl2pPr lvl="1" algn="ctr">
-              <a:spcBef>
-                <a:spcPts val="0"/>
-              </a:spcBef>
-              <a:spcAft>
-                <a:spcPts val="0"/>
-              </a:spcAft>
-              <a:buSzPts val="3600"/>
-              <a:buNone/>
-              <a:defRPr sz="3600"/>
+            <a:lvl2pPr lvl="1">
+              <a:spcBef>
+                <a:spcPts val="0"/>
+              </a:spcBef>
+              <a:spcAft>
+                <a:spcPts val="0"/>
+              </a:spcAft>
+              <a:buSzPts val="2800"/>
+              <a:buNone/>
+              <a:defRPr/>
             </a:lvl2pPr>
-            <a:lvl3pPr lvl="2" algn="ctr">
-              <a:spcBef>
-                <a:spcPts val="0"/>
-              </a:spcBef>
-              <a:spcAft>
-                <a:spcPts val="0"/>
-              </a:spcAft>
-              <a:buSzPts val="3600"/>
-              <a:buNone/>
-              <a:defRPr sz="3600"/>
+            <a:lvl3pPr lvl="2">
+              <a:spcBef>
+                <a:spcPts val="0"/>
+              </a:spcBef>
+              <a:spcAft>
+                <a:spcPts val="0"/>
+              </a:spcAft>
+              <a:buSzPts val="2800"/>
+              <a:buNone/>
+              <a:defRPr/>
             </a:lvl3pPr>
-            <a:lvl4pPr lvl="3" algn="ctr">
-              <a:spcBef>
-                <a:spcPts val="0"/>
-              </a:spcBef>
-              <a:spcAft>
-                <a:spcPts val="0"/>
-              </a:spcAft>
-              <a:buSzPts val="3600"/>
-              <a:buNone/>
-              <a:defRPr sz="3600"/>
+            <a:lvl4pPr lvl="3">
+              <a:spcBef>
+                <a:spcPts val="0"/>
+              </a:spcBef>
+              <a:spcAft>
+                <a:spcPts val="0"/>
+              </a:spcAft>
+              <a:buSzPts val="2800"/>
+              <a:buNone/>
+              <a:defRPr/>
             </a:lvl4pPr>
-            <a:lvl5pPr lvl="4" algn="ctr">
-              <a:spcBef>
-                <a:spcPts val="0"/>
-              </a:spcBef>
-              <a:spcAft>
-                <a:spcPts val="0"/>
-              </a:spcAft>
-              <a:buSzPts val="3600"/>
-              <a:buNone/>
-              <a:defRPr sz="3600"/>
+            <a:lvl5pPr lvl="4">
+              <a:spcBef>
+                <a:spcPts val="0"/>
+              </a:spcBef>
+              <a:spcAft>
+                <a:spcPts val="0"/>
+              </a:spcAft>
+              <a:buSzPts val="2800"/>
+              <a:buNone/>
+              <a:defRPr/>
             </a:lvl5pPr>
-            <a:lvl6pPr lvl="5" algn="ctr">
-              <a:spcBef>
-                <a:spcPts val="0"/>
-              </a:spcBef>
-              <a:spcAft>
-                <a:spcPts val="0"/>
-              </a:spcAft>
-              <a:buSzPts val="3600"/>
-              <a:buNone/>
-              <a:defRPr sz="3600"/>
+            <a:lvl6pPr lvl="5">
+              <a:spcBef>
+                <a:spcPts val="0"/>
+              </a:spcBef>
+              <a:spcAft>
+                <a:spcPts val="0"/>
+              </a:spcAft>
+              <a:buSzPts val="2800"/>
+              <a:buNone/>
+              <a:defRPr/>
             </a:lvl6pPr>
-            <a:lvl7pPr lvl="6" algn="ctr">
-              <a:spcBef>
-                <a:spcPts val="0"/>
-              </a:spcBef>
-              <a:spcAft>
-                <a:spcPts val="0"/>
-              </a:spcAft>
-              <a:buSzPts val="3600"/>
-              <a:buNone/>
-              <a:defRPr sz="3600"/>
+            <a:lvl7pPr lvl="6">
+              <a:spcBef>
+                <a:spcPts val="0"/>
+              </a:spcBef>
+              <a:spcAft>
+                <a:spcPts val="0"/>
+              </a:spcAft>
+              <a:buSzPts val="2800"/>
+              <a:buNone/>
+              <a:defRPr/>
             </a:lvl7pPr>
-            <a:lvl8pPr lvl="7" algn="ctr">
-              <a:spcBef>
-                <a:spcPts val="0"/>
-              </a:spcBef>
-              <a:spcAft>
-                <a:spcPts val="0"/>
-              </a:spcAft>
-              <a:buSzPts val="3600"/>
-              <a:buNone/>
-              <a:defRPr sz="3600"/>
+            <a:lvl8pPr lvl="7">
+              <a:spcBef>
+                <a:spcPts val="0"/>
+              </a:spcBef>
+              <a:spcAft>
+                <a:spcPts val="0"/>
+              </a:spcAft>
+              <a:buSzPts val="2800"/>
+              <a:buNone/>
+              <a:defRPr/>
             </a:lvl8pPr>
-            <a:lvl9pPr lvl="8" algn="ctr">
-              <a:spcBef>
-                <a:spcPts val="0"/>
-              </a:spcBef>
-              <a:spcAft>
-                <a:spcPts val="0"/>
-              </a:spcAft>
-              <a:buSzPts val="3600"/>
-              <a:buNone/>
-              <a:defRPr sz="3600"/>
+            <a:lvl9pPr lvl="8">
+              <a:spcBef>
+                <a:spcPts val="0"/>
+              </a:spcBef>
+              <a:spcAft>
+                <a:spcPts val="0"/>
+              </a:spcAft>
+              <a:buSzPts val="2800"/>
+              <a:buNone/>
+              <a:defRPr/>
             </a:lvl9pPr>
           </a:lstStyle>
-          <a:p/>
+          <a:p>
+            <a:endParaRPr/>
+          </a:p>
         </p:txBody>
       </p:sp>
       <p:sp>
         <p:nvSpPr>
-          <p:cNvPr id="15" name="Google Shape;15;p3"/>
-          <p:cNvSpPr txBox="1"/>
+          <p:cNvPr id="18" name="Google Shape;18;p4"/>
+          <p:cNvSpPr txBox="1">
+            <a:spLocks noGrp="1"/>
+          </p:cNvSpPr>
           <p:nvPr>
-            <p:ph idx="12" type="sldNum"/>
+            <p:ph type="body" idx="1"/>
+          </p:nvPr>
+        </p:nvSpPr>
+        <p:spPr>
+          <a:xfrm>
+            <a:off x="311700" y="1152475"/>
+            <a:ext cx="8520600" cy="3416400"/>
+          </a:xfrm>
+          <a:prstGeom prst="rect">
+            <a:avLst/>
+          </a:prstGeom>
+        </p:spPr>
+        <p:txBody>
+          <a:bodyPr spcFirstLastPara="1" wrap="square" lIns="91425" tIns="91425" rIns="91425" bIns="91425" anchor="t" anchorCtr="0">
+            <a:normAutofit/>
+          </a:bodyPr>
+          <a:lstStyle>
+            <a:lvl1pPr marL="457200" lvl="0" indent="-342900">
+              <a:spcBef>
+                <a:spcPts val="0"/>
+              </a:spcBef>
+              <a:spcAft>
+                <a:spcPts val="0"/>
+              </a:spcAft>
+              <a:buSzPts val="1800"/>
+              <a:buChar char="●"/>
+              <a:defRPr/>
+            </a:lvl1pPr>
+            <a:lvl2pPr marL="914400" lvl="1" indent="-317500">
+              <a:spcBef>
+                <a:spcPts val="0"/>
+              </a:spcBef>
+              <a:spcAft>
+                <a:spcPts val="0"/>
+              </a:spcAft>
+              <a:buSzPts val="1400"/>
+              <a:buChar char="○"/>
+              <a:defRPr/>
+            </a:lvl2pPr>
+            <a:lvl3pPr marL="1371600" lvl="2" indent="-317500">
+              <a:spcBef>
+                <a:spcPts val="0"/>
+              </a:spcBef>
+              <a:spcAft>
+                <a:spcPts val="0"/>
+              </a:spcAft>
+              <a:buSzPts val="1400"/>
+              <a:buChar char="■"/>
+              <a:defRPr/>
+            </a:lvl3pPr>
+            <a:lvl4pPr marL="1828800" lvl="3" indent="-317500">
+              <a:spcBef>
+                <a:spcPts val="0"/>
+              </a:spcBef>
+              <a:spcAft>
+                <a:spcPts val="0"/>
+              </a:spcAft>
+              <a:buSzPts val="1400"/>
+              <a:buChar char="●"/>
+              <a:defRPr/>
+            </a:lvl4pPr>
+            <a:lvl5pPr marL="2286000" lvl="4" indent="-317500">
+              <a:spcBef>
+                <a:spcPts val="0"/>
+              </a:spcBef>
+              <a:spcAft>
+                <a:spcPts val="0"/>
+              </a:spcAft>
+              <a:buSzPts val="1400"/>
+              <a:buChar char="○"/>
+              <a:defRPr/>
+            </a:lvl5pPr>
+            <a:lvl6pPr marL="2743200" lvl="5" indent="-317500">
+              <a:spcBef>
+                <a:spcPts val="0"/>
+              </a:spcBef>
+              <a:spcAft>
+                <a:spcPts val="0"/>
+              </a:spcAft>
+              <a:buSzPts val="1400"/>
+              <a:buChar char="■"/>
+              <a:defRPr/>
+            </a:lvl6pPr>
+            <a:lvl7pPr marL="3200400" lvl="6" indent="-317500">
+              <a:spcBef>
+                <a:spcPts val="0"/>
+              </a:spcBef>
+              <a:spcAft>
+                <a:spcPts val="0"/>
+              </a:spcAft>
+              <a:buSzPts val="1400"/>
+              <a:buChar char="●"/>
+              <a:defRPr/>
+            </a:lvl7pPr>
+            <a:lvl8pPr marL="3657600" lvl="7" indent="-317500">
+              <a:spcBef>
+                <a:spcPts val="0"/>
+              </a:spcBef>
+              <a:spcAft>
+                <a:spcPts val="0"/>
+              </a:spcAft>
+              <a:buSzPts val="1400"/>
+              <a:buChar char="○"/>
+              <a:defRPr/>
+            </a:lvl8pPr>
+            <a:lvl9pPr marL="4114800" lvl="8" indent="-317500">
+              <a:spcBef>
+                <a:spcPts val="0"/>
+              </a:spcBef>
+              <a:spcAft>
+                <a:spcPts val="0"/>
+              </a:spcAft>
+              <a:buSzPts val="1400"/>
+              <a:buChar char="■"/>
+              <a:defRPr/>
+            </a:lvl9pPr>
+          </a:lstStyle>
+          <a:p>
+            <a:endParaRPr/>
+          </a:p>
+        </p:txBody>
+      </p:sp>
+      <p:sp>
+        <p:nvSpPr>
+          <p:cNvPr id="19" name="Google Shape;19;p4"/>
+          <p:cNvSpPr txBox="1">
+            <a:spLocks noGrp="1"/>
+          </p:cNvSpPr>
+          <p:nvPr>
+            <p:ph type="sldNum" idx="12"/>
           </p:nvPr>
         </p:nvSpPr>
         <p:spPr>
@@ -2382,7 +2225,7 @@
           </a:prstGeom>
         </p:spPr>
         <p:txBody>
-          <a:bodyPr anchorCtr="0" anchor="ctr" bIns="91425" lIns="91425" spcFirstLastPara="1" rIns="91425" wrap="square" tIns="91425">
+          <a:bodyPr spcFirstLastPara="1" wrap="square" lIns="91425" tIns="91425" rIns="91425" bIns="91425" anchor="ctr" anchorCtr="0">
             <a:normAutofit/>
           </a:bodyPr>
           <a:lstStyle>
@@ -2424,7 +2267,7 @@
             </a:lvl9pPr>
           </a:lstStyle>
           <a:p>
-            <a:pPr indent="0" lvl="0" marL="0" rtl="0" algn="r">
+            <a:pPr marL="0" lvl="0" indent="0" algn="r" rtl="0">
               <a:spcBef>
                 <a:spcPts val="0"/>
               </a:spcBef>
@@ -2450,11 +2293,11 @@
 </file>
 
 <file path=ppt/slideLayouts/slideLayout3.xml><?xml version="1.0" encoding="utf-8"?>
-<p:sldLayout xmlns:a="http://schemas.openxmlformats.org/drawingml/2006/main" xmlns:r="http://schemas.openxmlformats.org/officeDocument/2006/relationships" xmlns:mc="http://schemas.openxmlformats.org/markup-compatibility/2006" xmlns:mv="urn:schemas-microsoft-com:mac:vml" xmlns:p="http://schemas.openxmlformats.org/presentationml/2006/main" xmlns:c="http://schemas.openxmlformats.org/drawingml/2006/chart" xmlns:dgm="http://schemas.openxmlformats.org/drawingml/2006/diagram" xmlns:o="urn:schemas-microsoft-com:office:office" xmlns:v="urn:schemas-microsoft-com:vml" xmlns:pvml="urn:schemas-microsoft-com:office:powerpoint" xmlns:com="http://schemas.openxmlformats.org/drawingml/2006/compatibility" xmlns:p14="http://schemas.microsoft.com/office/powerpoint/2010/main" xmlns:p15="http://schemas.microsoft.com/office/powerpoint/2012/main" xmlns:ahyp="http://schemas.microsoft.com/office/drawing/2018/hyperlinkcolor" matchingName="Title and body" type="tx">
-  <p:cSld name="TITLE_AND_BODY">
+<p:sldLayout xmlns:a="http://schemas.openxmlformats.org/drawingml/2006/main" xmlns:r="http://schemas.openxmlformats.org/officeDocument/2006/relationships" xmlns:p="http://schemas.openxmlformats.org/presentationml/2006/main" matchingName="Title and two columns" type="twoColTx">
+  <p:cSld name="TITLE_AND_TWO_COLUMNS">
     <p:spTree>
       <p:nvGrpSpPr>
-        <p:cNvPr id="16" name="Shape 16"/>
+        <p:cNvPr id="1" name="Shape 20"/>
         <p:cNvGrpSpPr/>
         <p:nvPr/>
       </p:nvGrpSpPr>
@@ -2468,8 +2311,10 @@
       </p:grpSpPr>
       <p:sp>
         <p:nvSpPr>
-          <p:cNvPr id="17" name="Google Shape;17;p4"/>
-          <p:cNvSpPr txBox="1"/>
+          <p:cNvPr id="21" name="Google Shape;21;p5"/>
+          <p:cNvSpPr txBox="1">
+            <a:spLocks noGrp="1"/>
+          </p:cNvSpPr>
           <p:nvPr>
             <p:ph type="title"/>
           </p:nvPr>
@@ -2484,7 +2329,7 @@
           </a:prstGeom>
         </p:spPr>
         <p:txBody>
-          <a:bodyPr anchorCtr="0" anchor="t" bIns="91425" lIns="91425" spcFirstLastPara="1" rIns="91425" wrap="square" tIns="91425">
+          <a:bodyPr spcFirstLastPara="1" wrap="square" lIns="91425" tIns="91425" rIns="91425" bIns="91425" anchor="t" anchorCtr="0">
             <a:normAutofit/>
           </a:bodyPr>
           <a:lstStyle>
@@ -2588,65 +2433,36 @@
               <a:defRPr/>
             </a:lvl9pPr>
           </a:lstStyle>
-          <a:p/>
+          <a:p>
+            <a:endParaRPr/>
+          </a:p>
         </p:txBody>
       </p:sp>
       <p:sp>
         <p:nvSpPr>
-          <p:cNvPr id="18" name="Google Shape;18;p4"/>
-          <p:cNvSpPr txBox="1"/>
+          <p:cNvPr id="22" name="Google Shape;22;p5"/>
+          <p:cNvSpPr txBox="1">
+            <a:spLocks noGrp="1"/>
+          </p:cNvSpPr>
           <p:nvPr>
-            <p:ph idx="1" type="body"/>
+            <p:ph type="body" idx="1"/>
           </p:nvPr>
         </p:nvSpPr>
         <p:spPr>
           <a:xfrm>
             <a:off x="311700" y="1152475"/>
-            <a:ext cx="8520600" cy="3416400"/>
+            <a:ext cx="3999900" cy="3416400"/>
           </a:xfrm>
           <a:prstGeom prst="rect">
             <a:avLst/>
           </a:prstGeom>
         </p:spPr>
         <p:txBody>
-          <a:bodyPr anchorCtr="0" anchor="t" bIns="91425" lIns="91425" spcFirstLastPara="1" rIns="91425" wrap="square" tIns="91425">
+          <a:bodyPr spcFirstLastPara="1" wrap="square" lIns="91425" tIns="91425" rIns="91425" bIns="91425" anchor="t" anchorCtr="0">
             <a:normAutofit/>
           </a:bodyPr>
           <a:lstStyle>
-            <a:lvl1pPr indent="-342900" lvl="0" marL="457200">
-              <a:spcBef>
-                <a:spcPts val="0"/>
-              </a:spcBef>
-              <a:spcAft>
-                <a:spcPts val="0"/>
-              </a:spcAft>
-              <a:buSzPts val="1800"/>
-              <a:buChar char="●"/>
-              <a:defRPr/>
-            </a:lvl1pPr>
-            <a:lvl2pPr indent="-317500" lvl="1" marL="914400">
-              <a:spcBef>
-                <a:spcPts val="0"/>
-              </a:spcBef>
-              <a:spcAft>
-                <a:spcPts val="0"/>
-              </a:spcAft>
-              <a:buSzPts val="1400"/>
-              <a:buChar char="○"/>
-              <a:defRPr/>
-            </a:lvl2pPr>
-            <a:lvl3pPr indent="-317500" lvl="2" marL="1371600">
-              <a:spcBef>
-                <a:spcPts val="0"/>
-              </a:spcBef>
-              <a:spcAft>
-                <a:spcPts val="0"/>
-              </a:spcAft>
-              <a:buSzPts val="1400"/>
-              <a:buChar char="■"/>
-              <a:defRPr/>
-            </a:lvl3pPr>
-            <a:lvl4pPr indent="-317500" lvl="3" marL="1828800">
+            <a:lvl1pPr marL="457200" lvl="0" indent="-317500">
               <a:spcBef>
                 <a:spcPts val="0"/>
               </a:spcBef>
@@ -2655,73 +2471,239 @@
               </a:spcAft>
               <a:buSzPts val="1400"/>
               <a:buChar char="●"/>
-              <a:defRPr/>
+              <a:defRPr sz="1400"/>
+            </a:lvl1pPr>
+            <a:lvl2pPr marL="914400" lvl="1" indent="-304800">
+              <a:spcBef>
+                <a:spcPts val="0"/>
+              </a:spcBef>
+              <a:spcAft>
+                <a:spcPts val="0"/>
+              </a:spcAft>
+              <a:buSzPts val="1200"/>
+              <a:buChar char="○"/>
+              <a:defRPr sz="1200"/>
+            </a:lvl2pPr>
+            <a:lvl3pPr marL="1371600" lvl="2" indent="-304800">
+              <a:spcBef>
+                <a:spcPts val="0"/>
+              </a:spcBef>
+              <a:spcAft>
+                <a:spcPts val="0"/>
+              </a:spcAft>
+              <a:buSzPts val="1200"/>
+              <a:buChar char="■"/>
+              <a:defRPr sz="1200"/>
+            </a:lvl3pPr>
+            <a:lvl4pPr marL="1828800" lvl="3" indent="-304800">
+              <a:spcBef>
+                <a:spcPts val="0"/>
+              </a:spcBef>
+              <a:spcAft>
+                <a:spcPts val="0"/>
+              </a:spcAft>
+              <a:buSzPts val="1200"/>
+              <a:buChar char="●"/>
+              <a:defRPr sz="1200"/>
             </a:lvl4pPr>
-            <a:lvl5pPr indent="-317500" lvl="4" marL="2286000">
-              <a:spcBef>
-                <a:spcPts val="0"/>
-              </a:spcBef>
-              <a:spcAft>
-                <a:spcPts val="0"/>
-              </a:spcAft>
-              <a:buSzPts val="1400"/>
+            <a:lvl5pPr marL="2286000" lvl="4" indent="-304800">
+              <a:spcBef>
+                <a:spcPts val="0"/>
+              </a:spcBef>
+              <a:spcAft>
+                <a:spcPts val="0"/>
+              </a:spcAft>
+              <a:buSzPts val="1200"/>
               <a:buChar char="○"/>
-              <a:defRPr/>
+              <a:defRPr sz="1200"/>
             </a:lvl5pPr>
-            <a:lvl6pPr indent="-317500" lvl="5" marL="2743200">
-              <a:spcBef>
-                <a:spcPts val="0"/>
-              </a:spcBef>
-              <a:spcAft>
-                <a:spcPts val="0"/>
-              </a:spcAft>
-              <a:buSzPts val="1400"/>
+            <a:lvl6pPr marL="2743200" lvl="5" indent="-304800">
+              <a:spcBef>
+                <a:spcPts val="0"/>
+              </a:spcBef>
+              <a:spcAft>
+                <a:spcPts val="0"/>
+              </a:spcAft>
+              <a:buSzPts val="1200"/>
               <a:buChar char="■"/>
-              <a:defRPr/>
+              <a:defRPr sz="1200"/>
             </a:lvl6pPr>
-            <a:lvl7pPr indent="-317500" lvl="6" marL="3200400">
-              <a:spcBef>
-                <a:spcPts val="0"/>
-              </a:spcBef>
-              <a:spcAft>
-                <a:spcPts val="0"/>
-              </a:spcAft>
-              <a:buSzPts val="1400"/>
+            <a:lvl7pPr marL="3200400" lvl="6" indent="-304800">
+              <a:spcBef>
+                <a:spcPts val="0"/>
+              </a:spcBef>
+              <a:spcAft>
+                <a:spcPts val="0"/>
+              </a:spcAft>
+              <a:buSzPts val="1200"/>
               <a:buChar char="●"/>
-              <a:defRPr/>
+              <a:defRPr sz="1200"/>
             </a:lvl7pPr>
-            <a:lvl8pPr indent="-317500" lvl="7" marL="3657600">
-              <a:spcBef>
-                <a:spcPts val="0"/>
-              </a:spcBef>
-              <a:spcAft>
-                <a:spcPts val="0"/>
-              </a:spcAft>
-              <a:buSzPts val="1400"/>
+            <a:lvl8pPr marL="3657600" lvl="7" indent="-304800">
+              <a:spcBef>
+                <a:spcPts val="0"/>
+              </a:spcBef>
+              <a:spcAft>
+                <a:spcPts val="0"/>
+              </a:spcAft>
+              <a:buSzPts val="1200"/>
               <a:buChar char="○"/>
-              <a:defRPr/>
+              <a:defRPr sz="1200"/>
             </a:lvl8pPr>
-            <a:lvl9pPr indent="-317500" lvl="8" marL="4114800">
-              <a:spcBef>
-                <a:spcPts val="0"/>
-              </a:spcBef>
-              <a:spcAft>
-                <a:spcPts val="0"/>
-              </a:spcAft>
-              <a:buSzPts val="1400"/>
+            <a:lvl9pPr marL="4114800" lvl="8" indent="-304800">
+              <a:spcBef>
+                <a:spcPts val="0"/>
+              </a:spcBef>
+              <a:spcAft>
+                <a:spcPts val="0"/>
+              </a:spcAft>
+              <a:buSzPts val="1200"/>
               <a:buChar char="■"/>
-              <a:defRPr/>
+              <a:defRPr sz="1200"/>
             </a:lvl9pPr>
           </a:lstStyle>
-          <a:p/>
+          <a:p>
+            <a:endParaRPr/>
+          </a:p>
         </p:txBody>
       </p:sp>
       <p:sp>
         <p:nvSpPr>
-          <p:cNvPr id="19" name="Google Shape;19;p4"/>
-          <p:cNvSpPr txBox="1"/>
+          <p:cNvPr id="23" name="Google Shape;23;p5"/>
+          <p:cNvSpPr txBox="1">
+            <a:spLocks noGrp="1"/>
+          </p:cNvSpPr>
           <p:nvPr>
-            <p:ph idx="12" type="sldNum"/>
+            <p:ph type="body" idx="2"/>
+          </p:nvPr>
+        </p:nvSpPr>
+        <p:spPr>
+          <a:xfrm>
+            <a:off x="4832400" y="1152475"/>
+            <a:ext cx="3999900" cy="3416400"/>
+          </a:xfrm>
+          <a:prstGeom prst="rect">
+            <a:avLst/>
+          </a:prstGeom>
+        </p:spPr>
+        <p:txBody>
+          <a:bodyPr spcFirstLastPara="1" wrap="square" lIns="91425" tIns="91425" rIns="91425" bIns="91425" anchor="t" anchorCtr="0">
+            <a:normAutofit/>
+          </a:bodyPr>
+          <a:lstStyle>
+            <a:lvl1pPr marL="457200" lvl="0" indent="-317500">
+              <a:spcBef>
+                <a:spcPts val="0"/>
+              </a:spcBef>
+              <a:spcAft>
+                <a:spcPts val="0"/>
+              </a:spcAft>
+              <a:buSzPts val="1400"/>
+              <a:buChar char="●"/>
+              <a:defRPr sz="1400"/>
+            </a:lvl1pPr>
+            <a:lvl2pPr marL="914400" lvl="1" indent="-304800">
+              <a:spcBef>
+                <a:spcPts val="0"/>
+              </a:spcBef>
+              <a:spcAft>
+                <a:spcPts val="0"/>
+              </a:spcAft>
+              <a:buSzPts val="1200"/>
+              <a:buChar char="○"/>
+              <a:defRPr sz="1200"/>
+            </a:lvl2pPr>
+            <a:lvl3pPr marL="1371600" lvl="2" indent="-304800">
+              <a:spcBef>
+                <a:spcPts val="0"/>
+              </a:spcBef>
+              <a:spcAft>
+                <a:spcPts val="0"/>
+              </a:spcAft>
+              <a:buSzPts val="1200"/>
+              <a:buChar char="■"/>
+              <a:defRPr sz="1200"/>
+            </a:lvl3pPr>
+            <a:lvl4pPr marL="1828800" lvl="3" indent="-304800">
+              <a:spcBef>
+                <a:spcPts val="0"/>
+              </a:spcBef>
+              <a:spcAft>
+                <a:spcPts val="0"/>
+              </a:spcAft>
+              <a:buSzPts val="1200"/>
+              <a:buChar char="●"/>
+              <a:defRPr sz="1200"/>
+            </a:lvl4pPr>
+            <a:lvl5pPr marL="2286000" lvl="4" indent="-304800">
+              <a:spcBef>
+                <a:spcPts val="0"/>
+              </a:spcBef>
+              <a:spcAft>
+                <a:spcPts val="0"/>
+              </a:spcAft>
+              <a:buSzPts val="1200"/>
+              <a:buChar char="○"/>
+              <a:defRPr sz="1200"/>
+            </a:lvl5pPr>
+            <a:lvl6pPr marL="2743200" lvl="5" indent="-304800">
+              <a:spcBef>
+                <a:spcPts val="0"/>
+              </a:spcBef>
+              <a:spcAft>
+                <a:spcPts val="0"/>
+              </a:spcAft>
+              <a:buSzPts val="1200"/>
+              <a:buChar char="■"/>
+              <a:defRPr sz="1200"/>
+            </a:lvl6pPr>
+            <a:lvl7pPr marL="3200400" lvl="6" indent="-304800">
+              <a:spcBef>
+                <a:spcPts val="0"/>
+              </a:spcBef>
+              <a:spcAft>
+                <a:spcPts val="0"/>
+              </a:spcAft>
+              <a:buSzPts val="1200"/>
+              <a:buChar char="●"/>
+              <a:defRPr sz="1200"/>
+            </a:lvl7pPr>
+            <a:lvl8pPr marL="3657600" lvl="7" indent="-304800">
+              <a:spcBef>
+                <a:spcPts val="0"/>
+              </a:spcBef>
+              <a:spcAft>
+                <a:spcPts val="0"/>
+              </a:spcAft>
+              <a:buSzPts val="1200"/>
+              <a:buChar char="○"/>
+              <a:defRPr sz="1200"/>
+            </a:lvl8pPr>
+            <a:lvl9pPr marL="4114800" lvl="8" indent="-304800">
+              <a:spcBef>
+                <a:spcPts val="0"/>
+              </a:spcBef>
+              <a:spcAft>
+                <a:spcPts val="0"/>
+              </a:spcAft>
+              <a:buSzPts val="1200"/>
+              <a:buChar char="■"/>
+              <a:defRPr sz="1200"/>
+            </a:lvl9pPr>
+          </a:lstStyle>
+          <a:p>
+            <a:endParaRPr/>
+          </a:p>
+        </p:txBody>
+      </p:sp>
+      <p:sp>
+        <p:nvSpPr>
+          <p:cNvPr id="24" name="Google Shape;24;p5"/>
+          <p:cNvSpPr txBox="1">
+            <a:spLocks noGrp="1"/>
+          </p:cNvSpPr>
+          <p:nvPr>
+            <p:ph type="sldNum" idx="12"/>
           </p:nvPr>
         </p:nvSpPr>
         <p:spPr>
@@ -2734,7 +2716,7 @@
           </a:prstGeom>
         </p:spPr>
         <p:txBody>
-          <a:bodyPr anchorCtr="0" anchor="ctr" bIns="91425" lIns="91425" spcFirstLastPara="1" rIns="91425" wrap="square" tIns="91425">
+          <a:bodyPr spcFirstLastPara="1" wrap="square" lIns="91425" tIns="91425" rIns="91425" bIns="91425" anchor="ctr" anchorCtr="0">
             <a:normAutofit/>
           </a:bodyPr>
           <a:lstStyle>
@@ -2776,7 +2758,7 @@
             </a:lvl9pPr>
           </a:lstStyle>
           <a:p>
-            <a:pPr indent="0" lvl="0" marL="0" rtl="0" algn="r">
+            <a:pPr marL="0" lvl="0" indent="0" algn="r" rtl="0">
               <a:spcBef>
                 <a:spcPts val="0"/>
               </a:spcBef>
@@ -2802,11 +2784,11 @@
 </file>
 
 <file path=ppt/slideLayouts/slideLayout4.xml><?xml version="1.0" encoding="utf-8"?>
-<p:sldLayout xmlns:a="http://schemas.openxmlformats.org/drawingml/2006/main" xmlns:r="http://schemas.openxmlformats.org/officeDocument/2006/relationships" xmlns:mc="http://schemas.openxmlformats.org/markup-compatibility/2006" xmlns:mv="urn:schemas-microsoft-com:mac:vml" xmlns:p="http://schemas.openxmlformats.org/presentationml/2006/main" xmlns:c="http://schemas.openxmlformats.org/drawingml/2006/chart" xmlns:dgm="http://schemas.openxmlformats.org/drawingml/2006/diagram" xmlns:o="urn:schemas-microsoft-com:office:office" xmlns:v="urn:schemas-microsoft-com:vml" xmlns:pvml="urn:schemas-microsoft-com:office:powerpoint" xmlns:com="http://schemas.openxmlformats.org/drawingml/2006/compatibility" xmlns:p14="http://schemas.microsoft.com/office/powerpoint/2010/main" xmlns:p15="http://schemas.microsoft.com/office/powerpoint/2012/main" xmlns:ahyp="http://schemas.microsoft.com/office/drawing/2018/hyperlinkcolor" matchingName="Title and two columns" type="twoColTx">
-  <p:cSld name="TITLE_AND_TWO_COLUMNS">
+<p:sldLayout xmlns:a="http://schemas.openxmlformats.org/drawingml/2006/main" xmlns:r="http://schemas.openxmlformats.org/officeDocument/2006/relationships" xmlns:p="http://schemas.openxmlformats.org/presentationml/2006/main" matchingName="Title only" type="titleOnly">
+  <p:cSld name="TITLE_ONLY">
     <p:spTree>
       <p:nvGrpSpPr>
-        <p:cNvPr id="20" name="Shape 20"/>
+        <p:cNvPr id="1" name="Shape 25"/>
         <p:cNvGrpSpPr/>
         <p:nvPr/>
       </p:nvGrpSpPr>
@@ -2820,8 +2802,10 @@
       </p:grpSpPr>
       <p:sp>
         <p:nvSpPr>
-          <p:cNvPr id="21" name="Google Shape;21;p5"/>
-          <p:cNvSpPr txBox="1"/>
+          <p:cNvPr id="26" name="Google Shape;26;p6"/>
+          <p:cNvSpPr txBox="1">
+            <a:spLocks noGrp="1"/>
+          </p:cNvSpPr>
           <p:nvPr>
             <p:ph type="title"/>
           </p:nvPr>
@@ -2836,7 +2820,7 @@
           </a:prstGeom>
         </p:spPr>
         <p:txBody>
-          <a:bodyPr anchorCtr="0" anchor="t" bIns="91425" lIns="91425" spcFirstLastPara="1" rIns="91425" wrap="square" tIns="91425">
+          <a:bodyPr spcFirstLastPara="1" wrap="square" lIns="91425" tIns="91425" rIns="91425" bIns="91425" anchor="t" anchorCtr="0">
             <a:normAutofit/>
           </a:bodyPr>
           <a:lstStyle>
@@ -2940,265 +2924,19 @@
               <a:defRPr/>
             </a:lvl9pPr>
           </a:lstStyle>
-          <a:p/>
+          <a:p>
+            <a:endParaRPr/>
+          </a:p>
         </p:txBody>
       </p:sp>
       <p:sp>
         <p:nvSpPr>
-          <p:cNvPr id="22" name="Google Shape;22;p5"/>
-          <p:cNvSpPr txBox="1"/>
+          <p:cNvPr id="27" name="Google Shape;27;p6"/>
+          <p:cNvSpPr txBox="1">
+            <a:spLocks noGrp="1"/>
+          </p:cNvSpPr>
           <p:nvPr>
-            <p:ph idx="1" type="body"/>
-          </p:nvPr>
-        </p:nvSpPr>
-        <p:spPr>
-          <a:xfrm>
-            <a:off x="311700" y="1152475"/>
-            <a:ext cx="3999900" cy="3416400"/>
-          </a:xfrm>
-          <a:prstGeom prst="rect">
-            <a:avLst/>
-          </a:prstGeom>
-        </p:spPr>
-        <p:txBody>
-          <a:bodyPr anchorCtr="0" anchor="t" bIns="91425" lIns="91425" spcFirstLastPara="1" rIns="91425" wrap="square" tIns="91425">
-            <a:normAutofit/>
-          </a:bodyPr>
-          <a:lstStyle>
-            <a:lvl1pPr indent="-317500" lvl="0" marL="457200">
-              <a:spcBef>
-                <a:spcPts val="0"/>
-              </a:spcBef>
-              <a:spcAft>
-                <a:spcPts val="0"/>
-              </a:spcAft>
-              <a:buSzPts val="1400"/>
-              <a:buChar char="●"/>
-              <a:defRPr sz="1400"/>
-            </a:lvl1pPr>
-            <a:lvl2pPr indent="-304800" lvl="1" marL="914400">
-              <a:spcBef>
-                <a:spcPts val="0"/>
-              </a:spcBef>
-              <a:spcAft>
-                <a:spcPts val="0"/>
-              </a:spcAft>
-              <a:buSzPts val="1200"/>
-              <a:buChar char="○"/>
-              <a:defRPr sz="1200"/>
-            </a:lvl2pPr>
-            <a:lvl3pPr indent="-304800" lvl="2" marL="1371600">
-              <a:spcBef>
-                <a:spcPts val="0"/>
-              </a:spcBef>
-              <a:spcAft>
-                <a:spcPts val="0"/>
-              </a:spcAft>
-              <a:buSzPts val="1200"/>
-              <a:buChar char="■"/>
-              <a:defRPr sz="1200"/>
-            </a:lvl3pPr>
-            <a:lvl4pPr indent="-304800" lvl="3" marL="1828800">
-              <a:spcBef>
-                <a:spcPts val="0"/>
-              </a:spcBef>
-              <a:spcAft>
-                <a:spcPts val="0"/>
-              </a:spcAft>
-              <a:buSzPts val="1200"/>
-              <a:buChar char="●"/>
-              <a:defRPr sz="1200"/>
-            </a:lvl4pPr>
-            <a:lvl5pPr indent="-304800" lvl="4" marL="2286000">
-              <a:spcBef>
-                <a:spcPts val="0"/>
-              </a:spcBef>
-              <a:spcAft>
-                <a:spcPts val="0"/>
-              </a:spcAft>
-              <a:buSzPts val="1200"/>
-              <a:buChar char="○"/>
-              <a:defRPr sz="1200"/>
-            </a:lvl5pPr>
-            <a:lvl6pPr indent="-304800" lvl="5" marL="2743200">
-              <a:spcBef>
-                <a:spcPts val="0"/>
-              </a:spcBef>
-              <a:spcAft>
-                <a:spcPts val="0"/>
-              </a:spcAft>
-              <a:buSzPts val="1200"/>
-              <a:buChar char="■"/>
-              <a:defRPr sz="1200"/>
-            </a:lvl6pPr>
-            <a:lvl7pPr indent="-304800" lvl="6" marL="3200400">
-              <a:spcBef>
-                <a:spcPts val="0"/>
-              </a:spcBef>
-              <a:spcAft>
-                <a:spcPts val="0"/>
-              </a:spcAft>
-              <a:buSzPts val="1200"/>
-              <a:buChar char="●"/>
-              <a:defRPr sz="1200"/>
-            </a:lvl7pPr>
-            <a:lvl8pPr indent="-304800" lvl="7" marL="3657600">
-              <a:spcBef>
-                <a:spcPts val="0"/>
-              </a:spcBef>
-              <a:spcAft>
-                <a:spcPts val="0"/>
-              </a:spcAft>
-              <a:buSzPts val="1200"/>
-              <a:buChar char="○"/>
-              <a:defRPr sz="1200"/>
-            </a:lvl8pPr>
-            <a:lvl9pPr indent="-304800" lvl="8" marL="4114800">
-              <a:spcBef>
-                <a:spcPts val="0"/>
-              </a:spcBef>
-              <a:spcAft>
-                <a:spcPts val="0"/>
-              </a:spcAft>
-              <a:buSzPts val="1200"/>
-              <a:buChar char="■"/>
-              <a:defRPr sz="1200"/>
-            </a:lvl9pPr>
-          </a:lstStyle>
-          <a:p/>
-        </p:txBody>
-      </p:sp>
-      <p:sp>
-        <p:nvSpPr>
-          <p:cNvPr id="23" name="Google Shape;23;p5"/>
-          <p:cNvSpPr txBox="1"/>
-          <p:nvPr>
-            <p:ph idx="2" type="body"/>
-          </p:nvPr>
-        </p:nvSpPr>
-        <p:spPr>
-          <a:xfrm>
-            <a:off x="4832400" y="1152475"/>
-            <a:ext cx="3999900" cy="3416400"/>
-          </a:xfrm>
-          <a:prstGeom prst="rect">
-            <a:avLst/>
-          </a:prstGeom>
-        </p:spPr>
-        <p:txBody>
-          <a:bodyPr anchorCtr="0" anchor="t" bIns="91425" lIns="91425" spcFirstLastPara="1" rIns="91425" wrap="square" tIns="91425">
-            <a:normAutofit/>
-          </a:bodyPr>
-          <a:lstStyle>
-            <a:lvl1pPr indent="-317500" lvl="0" marL="457200">
-              <a:spcBef>
-                <a:spcPts val="0"/>
-              </a:spcBef>
-              <a:spcAft>
-                <a:spcPts val="0"/>
-              </a:spcAft>
-              <a:buSzPts val="1400"/>
-              <a:buChar char="●"/>
-              <a:defRPr sz="1400"/>
-            </a:lvl1pPr>
-            <a:lvl2pPr indent="-304800" lvl="1" marL="914400">
-              <a:spcBef>
-                <a:spcPts val="0"/>
-              </a:spcBef>
-              <a:spcAft>
-                <a:spcPts val="0"/>
-              </a:spcAft>
-              <a:buSzPts val="1200"/>
-              <a:buChar char="○"/>
-              <a:defRPr sz="1200"/>
-            </a:lvl2pPr>
-            <a:lvl3pPr indent="-304800" lvl="2" marL="1371600">
-              <a:spcBef>
-                <a:spcPts val="0"/>
-              </a:spcBef>
-              <a:spcAft>
-                <a:spcPts val="0"/>
-              </a:spcAft>
-              <a:buSzPts val="1200"/>
-              <a:buChar char="■"/>
-              <a:defRPr sz="1200"/>
-            </a:lvl3pPr>
-            <a:lvl4pPr indent="-304800" lvl="3" marL="1828800">
-              <a:spcBef>
-                <a:spcPts val="0"/>
-              </a:spcBef>
-              <a:spcAft>
-                <a:spcPts val="0"/>
-              </a:spcAft>
-              <a:buSzPts val="1200"/>
-              <a:buChar char="●"/>
-              <a:defRPr sz="1200"/>
-            </a:lvl4pPr>
-            <a:lvl5pPr indent="-304800" lvl="4" marL="2286000">
-              <a:spcBef>
-                <a:spcPts val="0"/>
-              </a:spcBef>
-              <a:spcAft>
-                <a:spcPts val="0"/>
-              </a:spcAft>
-              <a:buSzPts val="1200"/>
-              <a:buChar char="○"/>
-              <a:defRPr sz="1200"/>
-            </a:lvl5pPr>
-            <a:lvl6pPr indent="-304800" lvl="5" marL="2743200">
-              <a:spcBef>
-                <a:spcPts val="0"/>
-              </a:spcBef>
-              <a:spcAft>
-                <a:spcPts val="0"/>
-              </a:spcAft>
-              <a:buSzPts val="1200"/>
-              <a:buChar char="■"/>
-              <a:defRPr sz="1200"/>
-            </a:lvl6pPr>
-            <a:lvl7pPr indent="-304800" lvl="6" marL="3200400">
-              <a:spcBef>
-                <a:spcPts val="0"/>
-              </a:spcBef>
-              <a:spcAft>
-                <a:spcPts val="0"/>
-              </a:spcAft>
-              <a:buSzPts val="1200"/>
-              <a:buChar char="●"/>
-              <a:defRPr sz="1200"/>
-            </a:lvl7pPr>
-            <a:lvl8pPr indent="-304800" lvl="7" marL="3657600">
-              <a:spcBef>
-                <a:spcPts val="0"/>
-              </a:spcBef>
-              <a:spcAft>
-                <a:spcPts val="0"/>
-              </a:spcAft>
-              <a:buSzPts val="1200"/>
-              <a:buChar char="○"/>
-              <a:defRPr sz="1200"/>
-            </a:lvl8pPr>
-            <a:lvl9pPr indent="-304800" lvl="8" marL="4114800">
-              <a:spcBef>
-                <a:spcPts val="0"/>
-              </a:spcBef>
-              <a:spcAft>
-                <a:spcPts val="0"/>
-              </a:spcAft>
-              <a:buSzPts val="1200"/>
-              <a:buChar char="■"/>
-              <a:defRPr sz="1200"/>
-            </a:lvl9pPr>
-          </a:lstStyle>
-          <a:p/>
-        </p:txBody>
-      </p:sp>
-      <p:sp>
-        <p:nvSpPr>
-          <p:cNvPr id="24" name="Google Shape;24;p5"/>
-          <p:cNvSpPr txBox="1"/>
-          <p:nvPr>
-            <p:ph idx="12" type="sldNum"/>
+            <p:ph type="sldNum" idx="12"/>
           </p:nvPr>
         </p:nvSpPr>
         <p:spPr>
@@ -3211,7 +2949,7 @@
           </a:prstGeom>
         </p:spPr>
         <p:txBody>
-          <a:bodyPr anchorCtr="0" anchor="ctr" bIns="91425" lIns="91425" spcFirstLastPara="1" rIns="91425" wrap="square" tIns="91425">
+          <a:bodyPr spcFirstLastPara="1" wrap="square" lIns="91425" tIns="91425" rIns="91425" bIns="91425" anchor="ctr" anchorCtr="0">
             <a:normAutofit/>
           </a:bodyPr>
           <a:lstStyle>
@@ -3253,7 +2991,7 @@
             </a:lvl9pPr>
           </a:lstStyle>
           <a:p>
-            <a:pPr indent="0" lvl="0" marL="0" rtl="0" algn="r">
+            <a:pPr marL="0" lvl="0" indent="0" algn="r" rtl="0">
               <a:spcBef>
                 <a:spcPts val="0"/>
               </a:spcBef>
@@ -3279,11 +3017,11 @@
 </file>
 
 <file path=ppt/slideLayouts/slideLayout5.xml><?xml version="1.0" encoding="utf-8"?>
-<p:sldLayout xmlns:a="http://schemas.openxmlformats.org/drawingml/2006/main" xmlns:r="http://schemas.openxmlformats.org/officeDocument/2006/relationships" xmlns:mc="http://schemas.openxmlformats.org/markup-compatibility/2006" xmlns:mv="urn:schemas-microsoft-com:mac:vml" xmlns:p="http://schemas.openxmlformats.org/presentationml/2006/main" xmlns:c="http://schemas.openxmlformats.org/drawingml/2006/chart" xmlns:dgm="http://schemas.openxmlformats.org/drawingml/2006/diagram" xmlns:o="urn:schemas-microsoft-com:office:office" xmlns:v="urn:schemas-microsoft-com:vml" xmlns:pvml="urn:schemas-microsoft-com:office:powerpoint" xmlns:com="http://schemas.openxmlformats.org/drawingml/2006/compatibility" xmlns:p14="http://schemas.microsoft.com/office/powerpoint/2010/main" xmlns:p15="http://schemas.microsoft.com/office/powerpoint/2012/main" xmlns:ahyp="http://schemas.microsoft.com/office/drawing/2018/hyperlinkcolor" matchingName="Title only" type="titleOnly">
-  <p:cSld name="TITLE_ONLY">
+<p:sldLayout xmlns:a="http://schemas.openxmlformats.org/drawingml/2006/main" xmlns:r="http://schemas.openxmlformats.org/officeDocument/2006/relationships" xmlns:p="http://schemas.openxmlformats.org/presentationml/2006/main" matchingName="One column text">
+  <p:cSld name="ONE_COLUMN_TEXT">
     <p:spTree>
       <p:nvGrpSpPr>
-        <p:cNvPr id="25" name="Shape 25"/>
+        <p:cNvPr id="1" name="Shape 28"/>
         <p:cNvGrpSpPr/>
         <p:nvPr/>
       </p:nvGrpSpPr>
@@ -3297,23 +3035,25 @@
       </p:grpSpPr>
       <p:sp>
         <p:nvSpPr>
-          <p:cNvPr id="26" name="Google Shape;26;p6"/>
-          <p:cNvSpPr txBox="1"/>
+          <p:cNvPr id="29" name="Google Shape;29;p7"/>
+          <p:cNvSpPr txBox="1">
+            <a:spLocks noGrp="1"/>
+          </p:cNvSpPr>
           <p:nvPr>
             <p:ph type="title"/>
           </p:nvPr>
         </p:nvSpPr>
         <p:spPr>
           <a:xfrm>
-            <a:off x="311700" y="445025"/>
-            <a:ext cx="8520600" cy="572700"/>
+            <a:off x="311700" y="555600"/>
+            <a:ext cx="2808000" cy="755700"/>
           </a:xfrm>
           <a:prstGeom prst="rect">
             <a:avLst/>
           </a:prstGeom>
         </p:spPr>
         <p:txBody>
-          <a:bodyPr anchorCtr="0" anchor="t" bIns="91425" lIns="91425" spcFirstLastPara="1" rIns="91425" wrap="square" tIns="91425">
+          <a:bodyPr spcFirstLastPara="1" wrap="square" lIns="91425" tIns="91425" rIns="91425" bIns="91425" anchor="b" anchorCtr="0">
             <a:normAutofit/>
           </a:bodyPr>
           <a:lstStyle>
@@ -3324,9 +3064,9 @@
               <a:spcAft>
                 <a:spcPts val="0"/>
               </a:spcAft>
-              <a:buSzPts val="2800"/>
-              <a:buNone/>
-              <a:defRPr/>
+              <a:buSzPts val="2400"/>
+              <a:buNone/>
+              <a:defRPr sz="2400"/>
             </a:lvl1pPr>
             <a:lvl2pPr lvl="1">
               <a:spcBef>
@@ -3335,9 +3075,9 @@
               <a:spcAft>
                 <a:spcPts val="0"/>
               </a:spcAft>
-              <a:buSzPts val="2800"/>
-              <a:buNone/>
-              <a:defRPr/>
+              <a:buSzPts val="2400"/>
+              <a:buNone/>
+              <a:defRPr sz="2400"/>
             </a:lvl2pPr>
             <a:lvl3pPr lvl="2">
               <a:spcBef>
@@ -3346,9 +3086,9 @@
               <a:spcAft>
                 <a:spcPts val="0"/>
               </a:spcAft>
-              <a:buSzPts val="2800"/>
-              <a:buNone/>
-              <a:defRPr/>
+              <a:buSzPts val="2400"/>
+              <a:buNone/>
+              <a:defRPr sz="2400"/>
             </a:lvl3pPr>
             <a:lvl4pPr lvl="3">
               <a:spcBef>
@@ -3357,9 +3097,9 @@
               <a:spcAft>
                 <a:spcPts val="0"/>
               </a:spcAft>
-              <a:buSzPts val="2800"/>
-              <a:buNone/>
-              <a:defRPr/>
+              <a:buSzPts val="2400"/>
+              <a:buNone/>
+              <a:defRPr sz="2400"/>
             </a:lvl4pPr>
             <a:lvl5pPr lvl="4">
               <a:spcBef>
@@ -3368,9 +3108,9 @@
               <a:spcAft>
                 <a:spcPts val="0"/>
               </a:spcAft>
-              <a:buSzPts val="2800"/>
-              <a:buNone/>
-              <a:defRPr/>
+              <a:buSzPts val="2400"/>
+              <a:buNone/>
+              <a:defRPr sz="2400"/>
             </a:lvl5pPr>
             <a:lvl6pPr lvl="5">
               <a:spcBef>
@@ -3379,9 +3119,9 @@
               <a:spcAft>
                 <a:spcPts val="0"/>
               </a:spcAft>
-              <a:buSzPts val="2800"/>
-              <a:buNone/>
-              <a:defRPr/>
+              <a:buSzPts val="2400"/>
+              <a:buNone/>
+              <a:defRPr sz="2400"/>
             </a:lvl6pPr>
             <a:lvl7pPr lvl="6">
               <a:spcBef>
@@ -3390,9 +3130,9 @@
               <a:spcAft>
                 <a:spcPts val="0"/>
               </a:spcAft>
-              <a:buSzPts val="2800"/>
-              <a:buNone/>
-              <a:defRPr/>
+              <a:buSzPts val="2400"/>
+              <a:buNone/>
+              <a:defRPr sz="2400"/>
             </a:lvl7pPr>
             <a:lvl8pPr lvl="7">
               <a:spcBef>
@@ -3401,9 +3141,9 @@
               <a:spcAft>
                 <a:spcPts val="0"/>
               </a:spcAft>
-              <a:buSzPts val="2800"/>
-              <a:buNone/>
-              <a:defRPr/>
+              <a:buSzPts val="2400"/>
+              <a:buNone/>
+              <a:defRPr sz="2400"/>
             </a:lvl8pPr>
             <a:lvl9pPr lvl="8">
               <a:spcBef>
@@ -3412,20 +3152,153 @@
               <a:spcAft>
                 <a:spcPts val="0"/>
               </a:spcAft>
-              <a:buSzPts val="2800"/>
-              <a:buNone/>
-              <a:defRPr/>
+              <a:buSzPts val="2400"/>
+              <a:buNone/>
+              <a:defRPr sz="2400"/>
             </a:lvl9pPr>
           </a:lstStyle>
-          <a:p/>
+          <a:p>
+            <a:endParaRPr/>
+          </a:p>
         </p:txBody>
       </p:sp>
       <p:sp>
         <p:nvSpPr>
-          <p:cNvPr id="27" name="Google Shape;27;p6"/>
-          <p:cNvSpPr txBox="1"/>
+          <p:cNvPr id="30" name="Google Shape;30;p7"/>
+          <p:cNvSpPr txBox="1">
+            <a:spLocks noGrp="1"/>
+          </p:cNvSpPr>
           <p:nvPr>
-            <p:ph idx="12" type="sldNum"/>
+            <p:ph type="body" idx="1"/>
+          </p:nvPr>
+        </p:nvSpPr>
+        <p:spPr>
+          <a:xfrm>
+            <a:off x="311700" y="1389600"/>
+            <a:ext cx="2808000" cy="3179400"/>
+          </a:xfrm>
+          <a:prstGeom prst="rect">
+            <a:avLst/>
+          </a:prstGeom>
+        </p:spPr>
+        <p:txBody>
+          <a:bodyPr spcFirstLastPara="1" wrap="square" lIns="91425" tIns="91425" rIns="91425" bIns="91425" anchor="t" anchorCtr="0">
+            <a:normAutofit/>
+          </a:bodyPr>
+          <a:lstStyle>
+            <a:lvl1pPr marL="457200" lvl="0" indent="-304800">
+              <a:spcBef>
+                <a:spcPts val="0"/>
+              </a:spcBef>
+              <a:spcAft>
+                <a:spcPts val="0"/>
+              </a:spcAft>
+              <a:buSzPts val="1200"/>
+              <a:buChar char="●"/>
+              <a:defRPr sz="1200"/>
+            </a:lvl1pPr>
+            <a:lvl2pPr marL="914400" lvl="1" indent="-304800">
+              <a:spcBef>
+                <a:spcPts val="0"/>
+              </a:spcBef>
+              <a:spcAft>
+                <a:spcPts val="0"/>
+              </a:spcAft>
+              <a:buSzPts val="1200"/>
+              <a:buChar char="○"/>
+              <a:defRPr sz="1200"/>
+            </a:lvl2pPr>
+            <a:lvl3pPr marL="1371600" lvl="2" indent="-304800">
+              <a:spcBef>
+                <a:spcPts val="0"/>
+              </a:spcBef>
+              <a:spcAft>
+                <a:spcPts val="0"/>
+              </a:spcAft>
+              <a:buSzPts val="1200"/>
+              <a:buChar char="■"/>
+              <a:defRPr sz="1200"/>
+            </a:lvl3pPr>
+            <a:lvl4pPr marL="1828800" lvl="3" indent="-304800">
+              <a:spcBef>
+                <a:spcPts val="0"/>
+              </a:spcBef>
+              <a:spcAft>
+                <a:spcPts val="0"/>
+              </a:spcAft>
+              <a:buSzPts val="1200"/>
+              <a:buChar char="●"/>
+              <a:defRPr sz="1200"/>
+            </a:lvl4pPr>
+            <a:lvl5pPr marL="2286000" lvl="4" indent="-304800">
+              <a:spcBef>
+                <a:spcPts val="0"/>
+              </a:spcBef>
+              <a:spcAft>
+                <a:spcPts val="0"/>
+              </a:spcAft>
+              <a:buSzPts val="1200"/>
+              <a:buChar char="○"/>
+              <a:defRPr sz="1200"/>
+            </a:lvl5pPr>
+            <a:lvl6pPr marL="2743200" lvl="5" indent="-304800">
+              <a:spcBef>
+                <a:spcPts val="0"/>
+              </a:spcBef>
+              <a:spcAft>
+                <a:spcPts val="0"/>
+              </a:spcAft>
+              <a:buSzPts val="1200"/>
+              <a:buChar char="■"/>
+              <a:defRPr sz="1200"/>
+            </a:lvl6pPr>
+            <a:lvl7pPr marL="3200400" lvl="6" indent="-304800">
+              <a:spcBef>
+                <a:spcPts val="0"/>
+              </a:spcBef>
+              <a:spcAft>
+                <a:spcPts val="0"/>
+              </a:spcAft>
+              <a:buSzPts val="1200"/>
+              <a:buChar char="●"/>
+              <a:defRPr sz="1200"/>
+            </a:lvl7pPr>
+            <a:lvl8pPr marL="3657600" lvl="7" indent="-304800">
+              <a:spcBef>
+                <a:spcPts val="0"/>
+              </a:spcBef>
+              <a:spcAft>
+                <a:spcPts val="0"/>
+              </a:spcAft>
+              <a:buSzPts val="1200"/>
+              <a:buChar char="○"/>
+              <a:defRPr sz="1200"/>
+            </a:lvl8pPr>
+            <a:lvl9pPr marL="4114800" lvl="8" indent="-304800">
+              <a:spcBef>
+                <a:spcPts val="0"/>
+              </a:spcBef>
+              <a:spcAft>
+                <a:spcPts val="0"/>
+              </a:spcAft>
+              <a:buSzPts val="1200"/>
+              <a:buChar char="■"/>
+              <a:defRPr sz="1200"/>
+            </a:lvl9pPr>
+          </a:lstStyle>
+          <a:p>
+            <a:endParaRPr/>
+          </a:p>
+        </p:txBody>
+      </p:sp>
+      <p:sp>
+        <p:nvSpPr>
+          <p:cNvPr id="31" name="Google Shape;31;p7"/>
+          <p:cNvSpPr txBox="1">
+            <a:spLocks noGrp="1"/>
+          </p:cNvSpPr>
+          <p:nvPr>
+            <p:ph type="sldNum" idx="12"/>
           </p:nvPr>
         </p:nvSpPr>
         <p:spPr>
@@ -3438,7 +3311,7 @@
           </a:prstGeom>
         </p:spPr>
         <p:txBody>
-          <a:bodyPr anchorCtr="0" anchor="ctr" bIns="91425" lIns="91425" spcFirstLastPara="1" rIns="91425" wrap="square" tIns="91425">
+          <a:bodyPr spcFirstLastPara="1" wrap="square" lIns="91425" tIns="91425" rIns="91425" bIns="91425" anchor="ctr" anchorCtr="0">
             <a:normAutofit/>
           </a:bodyPr>
           <a:lstStyle>
@@ -3480,7 +3353,7 @@
             </a:lvl9pPr>
           </a:lstStyle>
           <a:p>
-            <a:pPr indent="0" lvl="0" marL="0" rtl="0" algn="r">
+            <a:pPr marL="0" lvl="0" indent="0" algn="r" rtl="0">
               <a:spcBef>
                 <a:spcPts val="0"/>
               </a:spcBef>
@@ -3506,11 +3379,11 @@
 </file>
 
 <file path=ppt/slideLayouts/slideLayout6.xml><?xml version="1.0" encoding="utf-8"?>
-<p:sldLayout xmlns:a="http://schemas.openxmlformats.org/drawingml/2006/main" xmlns:r="http://schemas.openxmlformats.org/officeDocument/2006/relationships" xmlns:mc="http://schemas.openxmlformats.org/markup-compatibility/2006" xmlns:mv="urn:schemas-microsoft-com:mac:vml" xmlns:p="http://schemas.openxmlformats.org/presentationml/2006/main" xmlns:c="http://schemas.openxmlformats.org/drawingml/2006/chart" xmlns:dgm="http://schemas.openxmlformats.org/drawingml/2006/diagram" xmlns:o="urn:schemas-microsoft-com:office:office" xmlns:v="urn:schemas-microsoft-com:vml" xmlns:pvml="urn:schemas-microsoft-com:office:powerpoint" xmlns:com="http://schemas.openxmlformats.org/drawingml/2006/compatibility" xmlns:p14="http://schemas.microsoft.com/office/powerpoint/2010/main" xmlns:p15="http://schemas.microsoft.com/office/powerpoint/2012/main" xmlns:ahyp="http://schemas.microsoft.com/office/drawing/2018/hyperlinkcolor" matchingName="One column text">
-  <p:cSld name="ONE_COLUMN_TEXT">
+<p:sldLayout xmlns:a="http://schemas.openxmlformats.org/drawingml/2006/main" xmlns:r="http://schemas.openxmlformats.org/officeDocument/2006/relationships" xmlns:p="http://schemas.openxmlformats.org/presentationml/2006/main" matchingName="Main point">
+  <p:cSld name="MAIN_POINT">
     <p:spTree>
       <p:nvGrpSpPr>
-        <p:cNvPr id="28" name="Shape 28"/>
+        <p:cNvPr id="1" name="Shape 32"/>
         <p:cNvGrpSpPr/>
         <p:nvPr/>
       </p:nvGrpSpPr>
@@ -3524,23 +3397,25 @@
       </p:grpSpPr>
       <p:sp>
         <p:nvSpPr>
-          <p:cNvPr id="29" name="Google Shape;29;p7"/>
-          <p:cNvSpPr txBox="1"/>
+          <p:cNvPr id="33" name="Google Shape;33;p8"/>
+          <p:cNvSpPr txBox="1">
+            <a:spLocks noGrp="1"/>
+          </p:cNvSpPr>
           <p:nvPr>
             <p:ph type="title"/>
           </p:nvPr>
         </p:nvSpPr>
         <p:spPr>
           <a:xfrm>
-            <a:off x="311700" y="555600"/>
-            <a:ext cx="2808000" cy="755700"/>
+            <a:off x="490250" y="450150"/>
+            <a:ext cx="6367800" cy="4090800"/>
           </a:xfrm>
           <a:prstGeom prst="rect">
             <a:avLst/>
           </a:prstGeom>
         </p:spPr>
         <p:txBody>
-          <a:bodyPr anchorCtr="0" anchor="b" bIns="91425" lIns="91425" spcFirstLastPara="1" rIns="91425" wrap="square" tIns="91425">
+          <a:bodyPr spcFirstLastPara="1" wrap="square" lIns="91425" tIns="91425" rIns="91425" bIns="91425" anchor="ctr" anchorCtr="0">
             <a:normAutofit/>
           </a:bodyPr>
           <a:lstStyle>
@@ -3551,9 +3426,9 @@
               <a:spcAft>
                 <a:spcPts val="0"/>
               </a:spcAft>
-              <a:buSzPts val="2400"/>
-              <a:buNone/>
-              <a:defRPr sz="2400"/>
+              <a:buSzPts val="4800"/>
+              <a:buNone/>
+              <a:defRPr sz="4800"/>
             </a:lvl1pPr>
             <a:lvl2pPr lvl="1">
               <a:spcBef>
@@ -3562,9 +3437,9 @@
               <a:spcAft>
                 <a:spcPts val="0"/>
               </a:spcAft>
-              <a:buSzPts val="2400"/>
-              <a:buNone/>
-              <a:defRPr sz="2400"/>
+              <a:buSzPts val="4800"/>
+              <a:buNone/>
+              <a:defRPr sz="4800"/>
             </a:lvl2pPr>
             <a:lvl3pPr lvl="2">
               <a:spcBef>
@@ -3573,9 +3448,9 @@
               <a:spcAft>
                 <a:spcPts val="0"/>
               </a:spcAft>
-              <a:buSzPts val="2400"/>
-              <a:buNone/>
-              <a:defRPr sz="2400"/>
+              <a:buSzPts val="4800"/>
+              <a:buNone/>
+              <a:defRPr sz="4800"/>
             </a:lvl3pPr>
             <a:lvl4pPr lvl="3">
               <a:spcBef>
@@ -3584,9 +3459,9 @@
               <a:spcAft>
                 <a:spcPts val="0"/>
               </a:spcAft>
-              <a:buSzPts val="2400"/>
-              <a:buNone/>
-              <a:defRPr sz="2400"/>
+              <a:buSzPts val="4800"/>
+              <a:buNone/>
+              <a:defRPr sz="4800"/>
             </a:lvl4pPr>
             <a:lvl5pPr lvl="4">
               <a:spcBef>
@@ -3595,9 +3470,9 @@
               <a:spcAft>
                 <a:spcPts val="0"/>
               </a:spcAft>
-              <a:buSzPts val="2400"/>
-              <a:buNone/>
-              <a:defRPr sz="2400"/>
+              <a:buSzPts val="4800"/>
+              <a:buNone/>
+              <a:defRPr sz="4800"/>
             </a:lvl5pPr>
             <a:lvl6pPr lvl="5">
               <a:spcBef>
@@ -3606,9 +3481,9 @@
               <a:spcAft>
                 <a:spcPts val="0"/>
               </a:spcAft>
-              <a:buSzPts val="2400"/>
-              <a:buNone/>
-              <a:defRPr sz="2400"/>
+              <a:buSzPts val="4800"/>
+              <a:buNone/>
+              <a:defRPr sz="4800"/>
             </a:lvl6pPr>
             <a:lvl7pPr lvl="6">
               <a:spcBef>
@@ -3617,9 +3492,9 @@
               <a:spcAft>
                 <a:spcPts val="0"/>
               </a:spcAft>
-              <a:buSzPts val="2400"/>
-              <a:buNone/>
-              <a:defRPr sz="2400"/>
+              <a:buSzPts val="4800"/>
+              <a:buNone/>
+              <a:defRPr sz="4800"/>
             </a:lvl7pPr>
             <a:lvl8pPr lvl="7">
               <a:spcBef>
@@ -3628,9 +3503,9 @@
               <a:spcAft>
                 <a:spcPts val="0"/>
               </a:spcAft>
-              <a:buSzPts val="2400"/>
-              <a:buNone/>
-              <a:defRPr sz="2400"/>
+              <a:buSzPts val="4800"/>
+              <a:buNone/>
+              <a:defRPr sz="4800"/>
             </a:lvl8pPr>
             <a:lvl9pPr lvl="8">
               <a:spcBef>
@@ -3639,145 +3514,24 @@
               <a:spcAft>
                 <a:spcPts val="0"/>
               </a:spcAft>
-              <a:buSzPts val="2400"/>
-              <a:buNone/>
-              <a:defRPr sz="2400"/>
+              <a:buSzPts val="4800"/>
+              <a:buNone/>
+              <a:defRPr sz="4800"/>
             </a:lvl9pPr>
           </a:lstStyle>
-          <a:p/>
+          <a:p>
+            <a:endParaRPr/>
+          </a:p>
         </p:txBody>
       </p:sp>
       <p:sp>
         <p:nvSpPr>
-          <p:cNvPr id="30" name="Google Shape;30;p7"/>
-          <p:cNvSpPr txBox="1"/>
+          <p:cNvPr id="34" name="Google Shape;34;p8"/>
+          <p:cNvSpPr txBox="1">
+            <a:spLocks noGrp="1"/>
+          </p:cNvSpPr>
           <p:nvPr>
-            <p:ph idx="1" type="body"/>
-          </p:nvPr>
-        </p:nvSpPr>
-        <p:spPr>
-          <a:xfrm>
-            <a:off x="311700" y="1389600"/>
-            <a:ext cx="2808000" cy="3179400"/>
-          </a:xfrm>
-          <a:prstGeom prst="rect">
-            <a:avLst/>
-          </a:prstGeom>
-        </p:spPr>
-        <p:txBody>
-          <a:bodyPr anchorCtr="0" anchor="t" bIns="91425" lIns="91425" spcFirstLastPara="1" rIns="91425" wrap="square" tIns="91425">
-            <a:normAutofit/>
-          </a:bodyPr>
-          <a:lstStyle>
-            <a:lvl1pPr indent="-304800" lvl="0" marL="457200">
-              <a:spcBef>
-                <a:spcPts val="0"/>
-              </a:spcBef>
-              <a:spcAft>
-                <a:spcPts val="0"/>
-              </a:spcAft>
-              <a:buSzPts val="1200"/>
-              <a:buChar char="●"/>
-              <a:defRPr sz="1200"/>
-            </a:lvl1pPr>
-            <a:lvl2pPr indent="-304800" lvl="1" marL="914400">
-              <a:spcBef>
-                <a:spcPts val="0"/>
-              </a:spcBef>
-              <a:spcAft>
-                <a:spcPts val="0"/>
-              </a:spcAft>
-              <a:buSzPts val="1200"/>
-              <a:buChar char="○"/>
-              <a:defRPr sz="1200"/>
-            </a:lvl2pPr>
-            <a:lvl3pPr indent="-304800" lvl="2" marL="1371600">
-              <a:spcBef>
-                <a:spcPts val="0"/>
-              </a:spcBef>
-              <a:spcAft>
-                <a:spcPts val="0"/>
-              </a:spcAft>
-              <a:buSzPts val="1200"/>
-              <a:buChar char="■"/>
-              <a:defRPr sz="1200"/>
-            </a:lvl3pPr>
-            <a:lvl4pPr indent="-304800" lvl="3" marL="1828800">
-              <a:spcBef>
-                <a:spcPts val="0"/>
-              </a:spcBef>
-              <a:spcAft>
-                <a:spcPts val="0"/>
-              </a:spcAft>
-              <a:buSzPts val="1200"/>
-              <a:buChar char="●"/>
-              <a:defRPr sz="1200"/>
-            </a:lvl4pPr>
-            <a:lvl5pPr indent="-304800" lvl="4" marL="2286000">
-              <a:spcBef>
-                <a:spcPts val="0"/>
-              </a:spcBef>
-              <a:spcAft>
-                <a:spcPts val="0"/>
-              </a:spcAft>
-              <a:buSzPts val="1200"/>
-              <a:buChar char="○"/>
-              <a:defRPr sz="1200"/>
-            </a:lvl5pPr>
-            <a:lvl6pPr indent="-304800" lvl="5" marL="2743200">
-              <a:spcBef>
-                <a:spcPts val="0"/>
-              </a:spcBef>
-              <a:spcAft>
-                <a:spcPts val="0"/>
-              </a:spcAft>
-              <a:buSzPts val="1200"/>
-              <a:buChar char="■"/>
-              <a:defRPr sz="1200"/>
-            </a:lvl6pPr>
-            <a:lvl7pPr indent="-304800" lvl="6" marL="3200400">
-              <a:spcBef>
-                <a:spcPts val="0"/>
-              </a:spcBef>
-              <a:spcAft>
-                <a:spcPts val="0"/>
-              </a:spcAft>
-              <a:buSzPts val="1200"/>
-              <a:buChar char="●"/>
-              <a:defRPr sz="1200"/>
-            </a:lvl7pPr>
-            <a:lvl8pPr indent="-304800" lvl="7" marL="3657600">
-              <a:spcBef>
-                <a:spcPts val="0"/>
-              </a:spcBef>
-              <a:spcAft>
-                <a:spcPts val="0"/>
-              </a:spcAft>
-              <a:buSzPts val="1200"/>
-              <a:buChar char="○"/>
-              <a:defRPr sz="1200"/>
-            </a:lvl8pPr>
-            <a:lvl9pPr indent="-304800" lvl="8" marL="4114800">
-              <a:spcBef>
-                <a:spcPts val="0"/>
-              </a:spcBef>
-              <a:spcAft>
-                <a:spcPts val="0"/>
-              </a:spcAft>
-              <a:buSzPts val="1200"/>
-              <a:buChar char="■"/>
-              <a:defRPr sz="1200"/>
-            </a:lvl9pPr>
-          </a:lstStyle>
-          <a:p/>
-        </p:txBody>
-      </p:sp>
-      <p:sp>
-        <p:nvSpPr>
-          <p:cNvPr id="31" name="Google Shape;31;p7"/>
-          <p:cNvSpPr txBox="1"/>
-          <p:nvPr>
-            <p:ph idx="12" type="sldNum"/>
+            <p:ph type="sldNum" idx="12"/>
           </p:nvPr>
         </p:nvSpPr>
         <p:spPr>
@@ -3790,7 +3544,7 @@
           </a:prstGeom>
         </p:spPr>
         <p:txBody>
-          <a:bodyPr anchorCtr="0" anchor="ctr" bIns="91425" lIns="91425" spcFirstLastPara="1" rIns="91425" wrap="square" tIns="91425">
+          <a:bodyPr spcFirstLastPara="1" wrap="square" lIns="91425" tIns="91425" rIns="91425" bIns="91425" anchor="ctr" anchorCtr="0">
             <a:normAutofit/>
           </a:bodyPr>
           <a:lstStyle>
@@ -3832,7 +3586,7 @@
             </a:lvl9pPr>
           </a:lstStyle>
           <a:p>
-            <a:pPr indent="0" lvl="0" marL="0" rtl="0" algn="r">
+            <a:pPr marL="0" lvl="0" indent="0" algn="r" rtl="0">
               <a:spcBef>
                 <a:spcPts val="0"/>
               </a:spcBef>
@@ -3858,238 +3612,11 @@
 </file>
 
 <file path=ppt/slideLayouts/slideLayout7.xml><?xml version="1.0" encoding="utf-8"?>
-<p:sldLayout xmlns:a="http://schemas.openxmlformats.org/drawingml/2006/main" xmlns:r="http://schemas.openxmlformats.org/officeDocument/2006/relationships" xmlns:mc="http://schemas.openxmlformats.org/markup-compatibility/2006" xmlns:mv="urn:schemas-microsoft-com:mac:vml" xmlns:p="http://schemas.openxmlformats.org/presentationml/2006/main" xmlns:c="http://schemas.openxmlformats.org/drawingml/2006/chart" xmlns:dgm="http://schemas.openxmlformats.org/drawingml/2006/diagram" xmlns:o="urn:schemas-microsoft-com:office:office" xmlns:v="urn:schemas-microsoft-com:vml" xmlns:pvml="urn:schemas-microsoft-com:office:powerpoint" xmlns:com="http://schemas.openxmlformats.org/drawingml/2006/compatibility" xmlns:p14="http://schemas.microsoft.com/office/powerpoint/2010/main" xmlns:p15="http://schemas.microsoft.com/office/powerpoint/2012/main" xmlns:ahyp="http://schemas.microsoft.com/office/drawing/2018/hyperlinkcolor" matchingName="Main point">
-  <p:cSld name="MAIN_POINT">
-    <p:spTree>
-      <p:nvGrpSpPr>
-        <p:cNvPr id="32" name="Shape 32"/>
-        <p:cNvGrpSpPr/>
-        <p:nvPr/>
-      </p:nvGrpSpPr>
-      <p:grpSpPr>
-        <a:xfrm>
-          <a:off x="0" y="0"/>
-          <a:ext cx="0" cy="0"/>
-          <a:chOff x="0" y="0"/>
-          <a:chExt cx="0" cy="0"/>
-        </a:xfrm>
-      </p:grpSpPr>
-      <p:sp>
-        <p:nvSpPr>
-          <p:cNvPr id="33" name="Google Shape;33;p8"/>
-          <p:cNvSpPr txBox="1"/>
-          <p:nvPr>
-            <p:ph type="title"/>
-          </p:nvPr>
-        </p:nvSpPr>
-        <p:spPr>
-          <a:xfrm>
-            <a:off x="490250" y="450150"/>
-            <a:ext cx="6367800" cy="4090800"/>
-          </a:xfrm>
-          <a:prstGeom prst="rect">
-            <a:avLst/>
-          </a:prstGeom>
-        </p:spPr>
-        <p:txBody>
-          <a:bodyPr anchorCtr="0" anchor="ctr" bIns="91425" lIns="91425" spcFirstLastPara="1" rIns="91425" wrap="square" tIns="91425">
-            <a:normAutofit/>
-          </a:bodyPr>
-          <a:lstStyle>
-            <a:lvl1pPr lvl="0">
-              <a:spcBef>
-                <a:spcPts val="0"/>
-              </a:spcBef>
-              <a:spcAft>
-                <a:spcPts val="0"/>
-              </a:spcAft>
-              <a:buSzPts val="4800"/>
-              <a:buNone/>
-              <a:defRPr sz="4800"/>
-            </a:lvl1pPr>
-            <a:lvl2pPr lvl="1">
-              <a:spcBef>
-                <a:spcPts val="0"/>
-              </a:spcBef>
-              <a:spcAft>
-                <a:spcPts val="0"/>
-              </a:spcAft>
-              <a:buSzPts val="4800"/>
-              <a:buNone/>
-              <a:defRPr sz="4800"/>
-            </a:lvl2pPr>
-            <a:lvl3pPr lvl="2">
-              <a:spcBef>
-                <a:spcPts val="0"/>
-              </a:spcBef>
-              <a:spcAft>
-                <a:spcPts val="0"/>
-              </a:spcAft>
-              <a:buSzPts val="4800"/>
-              <a:buNone/>
-              <a:defRPr sz="4800"/>
-            </a:lvl3pPr>
-            <a:lvl4pPr lvl="3">
-              <a:spcBef>
-                <a:spcPts val="0"/>
-              </a:spcBef>
-              <a:spcAft>
-                <a:spcPts val="0"/>
-              </a:spcAft>
-              <a:buSzPts val="4800"/>
-              <a:buNone/>
-              <a:defRPr sz="4800"/>
-            </a:lvl4pPr>
-            <a:lvl5pPr lvl="4">
-              <a:spcBef>
-                <a:spcPts val="0"/>
-              </a:spcBef>
-              <a:spcAft>
-                <a:spcPts val="0"/>
-              </a:spcAft>
-              <a:buSzPts val="4800"/>
-              <a:buNone/>
-              <a:defRPr sz="4800"/>
-            </a:lvl5pPr>
-            <a:lvl6pPr lvl="5">
-              <a:spcBef>
-                <a:spcPts val="0"/>
-              </a:spcBef>
-              <a:spcAft>
-                <a:spcPts val="0"/>
-              </a:spcAft>
-              <a:buSzPts val="4800"/>
-              <a:buNone/>
-              <a:defRPr sz="4800"/>
-            </a:lvl6pPr>
-            <a:lvl7pPr lvl="6">
-              <a:spcBef>
-                <a:spcPts val="0"/>
-              </a:spcBef>
-              <a:spcAft>
-                <a:spcPts val="0"/>
-              </a:spcAft>
-              <a:buSzPts val="4800"/>
-              <a:buNone/>
-              <a:defRPr sz="4800"/>
-            </a:lvl7pPr>
-            <a:lvl8pPr lvl="7">
-              <a:spcBef>
-                <a:spcPts val="0"/>
-              </a:spcBef>
-              <a:spcAft>
-                <a:spcPts val="0"/>
-              </a:spcAft>
-              <a:buSzPts val="4800"/>
-              <a:buNone/>
-              <a:defRPr sz="4800"/>
-            </a:lvl8pPr>
-            <a:lvl9pPr lvl="8">
-              <a:spcBef>
-                <a:spcPts val="0"/>
-              </a:spcBef>
-              <a:spcAft>
-                <a:spcPts val="0"/>
-              </a:spcAft>
-              <a:buSzPts val="4800"/>
-              <a:buNone/>
-              <a:defRPr sz="4800"/>
-            </a:lvl9pPr>
-          </a:lstStyle>
-          <a:p/>
-        </p:txBody>
-      </p:sp>
-      <p:sp>
-        <p:nvSpPr>
-          <p:cNvPr id="34" name="Google Shape;34;p8"/>
-          <p:cNvSpPr txBox="1"/>
-          <p:nvPr>
-            <p:ph idx="12" type="sldNum"/>
-          </p:nvPr>
-        </p:nvSpPr>
-        <p:spPr>
-          <a:xfrm>
-            <a:off x="8472458" y="4663217"/>
-            <a:ext cx="548700" cy="393600"/>
-          </a:xfrm>
-          <a:prstGeom prst="rect">
-            <a:avLst/>
-          </a:prstGeom>
-        </p:spPr>
-        <p:txBody>
-          <a:bodyPr anchorCtr="0" anchor="ctr" bIns="91425" lIns="91425" spcFirstLastPara="1" rIns="91425" wrap="square" tIns="91425">
-            <a:normAutofit/>
-          </a:bodyPr>
-          <a:lstStyle>
-            <a:lvl1pPr lvl="0">
-              <a:buNone/>
-              <a:defRPr/>
-            </a:lvl1pPr>
-            <a:lvl2pPr lvl="1">
-              <a:buNone/>
-              <a:defRPr/>
-            </a:lvl2pPr>
-            <a:lvl3pPr lvl="2">
-              <a:buNone/>
-              <a:defRPr/>
-            </a:lvl3pPr>
-            <a:lvl4pPr lvl="3">
-              <a:buNone/>
-              <a:defRPr/>
-            </a:lvl4pPr>
-            <a:lvl5pPr lvl="4">
-              <a:buNone/>
-              <a:defRPr/>
-            </a:lvl5pPr>
-            <a:lvl6pPr lvl="5">
-              <a:buNone/>
-              <a:defRPr/>
-            </a:lvl6pPr>
-            <a:lvl7pPr lvl="6">
-              <a:buNone/>
-              <a:defRPr/>
-            </a:lvl7pPr>
-            <a:lvl8pPr lvl="7">
-              <a:buNone/>
-              <a:defRPr/>
-            </a:lvl8pPr>
-            <a:lvl9pPr lvl="8">
-              <a:buNone/>
-              <a:defRPr/>
-            </a:lvl9pPr>
-          </a:lstStyle>
-          <a:p>
-            <a:pPr indent="0" lvl="0" marL="0" rtl="0" algn="r">
-              <a:spcBef>
-                <a:spcPts val="0"/>
-              </a:spcBef>
-              <a:spcAft>
-                <a:spcPts val="0"/>
-              </a:spcAft>
-              <a:buNone/>
-            </a:pPr>
-            <a:fld id="{00000000-1234-1234-1234-123412341234}" type="slidenum">
-              <a:rPr lang="en"/>
-              <a:t>‹#›</a:t>
-            </a:fld>
-            <a:endParaRPr/>
-          </a:p>
-        </p:txBody>
-      </p:sp>
-    </p:spTree>
-  </p:cSld>
-  <p:clrMapOvr>
-    <a:masterClrMapping/>
-  </p:clrMapOvr>
-</p:sldLayout>
-</file>
-
-<file path=ppt/slideLayouts/slideLayout8.xml><?xml version="1.0" encoding="utf-8"?>
-<p:sldLayout xmlns:a="http://schemas.openxmlformats.org/drawingml/2006/main" xmlns:r="http://schemas.openxmlformats.org/officeDocument/2006/relationships" xmlns:mc="http://schemas.openxmlformats.org/markup-compatibility/2006" xmlns:mv="urn:schemas-microsoft-com:mac:vml" xmlns:p="http://schemas.openxmlformats.org/presentationml/2006/main" xmlns:c="http://schemas.openxmlformats.org/drawingml/2006/chart" xmlns:dgm="http://schemas.openxmlformats.org/drawingml/2006/diagram" xmlns:o="urn:schemas-microsoft-com:office:office" xmlns:v="urn:schemas-microsoft-com:vml" xmlns:pvml="urn:schemas-microsoft-com:office:powerpoint" xmlns:com="http://schemas.openxmlformats.org/drawingml/2006/compatibility" xmlns:p14="http://schemas.microsoft.com/office/powerpoint/2010/main" xmlns:p15="http://schemas.microsoft.com/office/powerpoint/2012/main" xmlns:ahyp="http://schemas.microsoft.com/office/drawing/2018/hyperlinkcolor" matchingName="Section title and description">
+<p:sldLayout xmlns:a="http://schemas.openxmlformats.org/drawingml/2006/main" xmlns:r="http://schemas.openxmlformats.org/officeDocument/2006/relationships" xmlns:p="http://schemas.openxmlformats.org/presentationml/2006/main" matchingName="Section title and description">
   <p:cSld name="SECTION_TITLE_AND_DESCRIPTION">
     <p:spTree>
       <p:nvGrpSpPr>
-        <p:cNvPr id="35" name="Shape 35"/>
+        <p:cNvPr id="1" name="Shape 35"/>
         <p:cNvGrpSpPr/>
         <p:nvPr/>
       </p:nvGrpSpPr>
@@ -4123,12 +3650,12 @@
           </a:ln>
         </p:spPr>
         <p:txBody>
-          <a:bodyPr anchorCtr="0" anchor="ctr" bIns="91425" lIns="91425" spcFirstLastPara="1" rIns="91425" wrap="square" tIns="91425">
+          <a:bodyPr spcFirstLastPara="1" wrap="square" lIns="91425" tIns="91425" rIns="91425" bIns="91425" anchor="ctr" anchorCtr="0">
             <a:noAutofit/>
           </a:bodyPr>
           <a:lstStyle/>
           <a:p>
-            <a:pPr indent="0" lvl="0" marL="0" rtl="0" algn="l">
+            <a:pPr marL="0" lvl="0" indent="0" algn="l" rtl="0">
               <a:spcBef>
                 <a:spcPts val="0"/>
               </a:spcBef>
@@ -4137,9 +3664,6 @@
               </a:spcAft>
               <a:buNone/>
             </a:pPr>
-            <a:r>
-              <a:t/>
-            </a:r>
             <a:endParaRPr/>
           </a:p>
         </p:txBody>
@@ -4147,7 +3671,9 @@
       <p:sp>
         <p:nvSpPr>
           <p:cNvPr id="37" name="Google Shape;37;p9"/>
-          <p:cNvSpPr txBox="1"/>
+          <p:cNvSpPr txBox="1">
+            <a:spLocks noGrp="1"/>
+          </p:cNvSpPr>
           <p:nvPr>
             <p:ph type="title"/>
           </p:nvPr>
@@ -4162,7 +3688,7 @@
           </a:prstGeom>
         </p:spPr>
         <p:txBody>
-          <a:bodyPr anchorCtr="0" anchor="b" bIns="91425" lIns="91425" spcFirstLastPara="1" rIns="91425" wrap="square" tIns="91425">
+          <a:bodyPr spcFirstLastPara="1" wrap="square" lIns="91425" tIns="91425" rIns="91425" bIns="91425" anchor="b" anchorCtr="0">
             <a:normAutofit/>
           </a:bodyPr>
           <a:lstStyle>
@@ -4266,15 +3792,19 @@
               <a:defRPr sz="4200"/>
             </a:lvl9pPr>
           </a:lstStyle>
-          <a:p/>
+          <a:p>
+            <a:endParaRPr/>
+          </a:p>
         </p:txBody>
       </p:sp>
       <p:sp>
         <p:nvSpPr>
           <p:cNvPr id="38" name="Google Shape;38;p9"/>
-          <p:cNvSpPr txBox="1"/>
+          <p:cNvSpPr txBox="1">
+            <a:spLocks noGrp="1"/>
+          </p:cNvSpPr>
           <p:nvPr>
-            <p:ph idx="1" type="subTitle"/>
+            <p:ph type="subTitle" idx="1"/>
           </p:nvPr>
         </p:nvSpPr>
         <p:spPr>
@@ -4287,7 +3817,7 @@
           </a:prstGeom>
         </p:spPr>
         <p:txBody>
-          <a:bodyPr anchorCtr="0" anchor="t" bIns="91425" lIns="91425" spcFirstLastPara="1" rIns="91425" wrap="square" tIns="91425">
+          <a:bodyPr spcFirstLastPara="1" wrap="square" lIns="91425" tIns="91425" rIns="91425" bIns="91425" anchor="t" anchorCtr="0">
             <a:normAutofit/>
           </a:bodyPr>
           <a:lstStyle>
@@ -4418,15 +3948,19 @@
               <a:defRPr sz="2100"/>
             </a:lvl9pPr>
           </a:lstStyle>
-          <a:p/>
+          <a:p>
+            <a:endParaRPr/>
+          </a:p>
         </p:txBody>
       </p:sp>
       <p:sp>
         <p:nvSpPr>
           <p:cNvPr id="39" name="Google Shape;39;p9"/>
-          <p:cNvSpPr txBox="1"/>
+          <p:cNvSpPr txBox="1">
+            <a:spLocks noGrp="1"/>
+          </p:cNvSpPr>
           <p:nvPr>
-            <p:ph idx="2" type="body"/>
+            <p:ph type="body" idx="2"/>
           </p:nvPr>
         </p:nvSpPr>
         <p:spPr>
@@ -4439,11 +3973,11 @@
           </a:prstGeom>
         </p:spPr>
         <p:txBody>
-          <a:bodyPr anchorCtr="0" anchor="ctr" bIns="91425" lIns="91425" spcFirstLastPara="1" rIns="91425" wrap="square" tIns="91425">
+          <a:bodyPr spcFirstLastPara="1" wrap="square" lIns="91425" tIns="91425" rIns="91425" bIns="91425" anchor="ctr" anchorCtr="0">
             <a:normAutofit/>
           </a:bodyPr>
           <a:lstStyle>
-            <a:lvl1pPr indent="-342900" lvl="0" marL="457200">
+            <a:lvl1pPr marL="457200" lvl="0" indent="-342900">
               <a:spcBef>
                 <a:spcPts val="0"/>
               </a:spcBef>
@@ -4454,7 +3988,7 @@
               <a:buChar char="●"/>
               <a:defRPr/>
             </a:lvl1pPr>
-            <a:lvl2pPr indent="-317500" lvl="1" marL="914400">
+            <a:lvl2pPr marL="914400" lvl="1" indent="-317500">
               <a:spcBef>
                 <a:spcPts val="0"/>
               </a:spcBef>
@@ -4465,7 +3999,7 @@
               <a:buChar char="○"/>
               <a:defRPr/>
             </a:lvl2pPr>
-            <a:lvl3pPr indent="-317500" lvl="2" marL="1371600">
+            <a:lvl3pPr marL="1371600" lvl="2" indent="-317500">
               <a:spcBef>
                 <a:spcPts val="0"/>
               </a:spcBef>
@@ -4476,7 +4010,7 @@
               <a:buChar char="■"/>
               <a:defRPr/>
             </a:lvl3pPr>
-            <a:lvl4pPr indent="-317500" lvl="3" marL="1828800">
+            <a:lvl4pPr marL="1828800" lvl="3" indent="-317500">
               <a:spcBef>
                 <a:spcPts val="0"/>
               </a:spcBef>
@@ -4487,7 +4021,7 @@
               <a:buChar char="●"/>
               <a:defRPr/>
             </a:lvl4pPr>
-            <a:lvl5pPr indent="-317500" lvl="4" marL="2286000">
+            <a:lvl5pPr marL="2286000" lvl="4" indent="-317500">
               <a:spcBef>
                 <a:spcPts val="0"/>
               </a:spcBef>
@@ -4498,7 +4032,7 @@
               <a:buChar char="○"/>
               <a:defRPr/>
             </a:lvl5pPr>
-            <a:lvl6pPr indent="-317500" lvl="5" marL="2743200">
+            <a:lvl6pPr marL="2743200" lvl="5" indent="-317500">
               <a:spcBef>
                 <a:spcPts val="0"/>
               </a:spcBef>
@@ -4509,7 +4043,7 @@
               <a:buChar char="■"/>
               <a:defRPr/>
             </a:lvl6pPr>
-            <a:lvl7pPr indent="-317500" lvl="6" marL="3200400">
+            <a:lvl7pPr marL="3200400" lvl="6" indent="-317500">
               <a:spcBef>
                 <a:spcPts val="0"/>
               </a:spcBef>
@@ -4520,7 +4054,7 @@
               <a:buChar char="●"/>
               <a:defRPr/>
             </a:lvl7pPr>
-            <a:lvl8pPr indent="-317500" lvl="7" marL="3657600">
+            <a:lvl8pPr marL="3657600" lvl="7" indent="-317500">
               <a:spcBef>
                 <a:spcPts val="0"/>
               </a:spcBef>
@@ -4531,7 +4065,7 @@
               <a:buChar char="○"/>
               <a:defRPr/>
             </a:lvl8pPr>
-            <a:lvl9pPr indent="-317500" lvl="8" marL="4114800">
+            <a:lvl9pPr marL="4114800" lvl="8" indent="-317500">
               <a:spcBef>
                 <a:spcPts val="0"/>
               </a:spcBef>
@@ -4543,15 +4077,19 @@
               <a:defRPr/>
             </a:lvl9pPr>
           </a:lstStyle>
-          <a:p/>
+          <a:p>
+            <a:endParaRPr/>
+          </a:p>
         </p:txBody>
       </p:sp>
       <p:sp>
         <p:nvSpPr>
           <p:cNvPr id="40" name="Google Shape;40;p9"/>
-          <p:cNvSpPr txBox="1"/>
+          <p:cNvSpPr txBox="1">
+            <a:spLocks noGrp="1"/>
+          </p:cNvSpPr>
           <p:nvPr>
-            <p:ph idx="12" type="sldNum"/>
+            <p:ph type="sldNum" idx="12"/>
           </p:nvPr>
         </p:nvSpPr>
         <p:spPr>
@@ -4564,7 +4102,7 @@
           </a:prstGeom>
         </p:spPr>
         <p:txBody>
-          <a:bodyPr anchorCtr="0" anchor="ctr" bIns="91425" lIns="91425" spcFirstLastPara="1" rIns="91425" wrap="square" tIns="91425">
+          <a:bodyPr spcFirstLastPara="1" wrap="square" lIns="91425" tIns="91425" rIns="91425" bIns="91425" anchor="ctr" anchorCtr="0">
             <a:normAutofit/>
           </a:bodyPr>
           <a:lstStyle>
@@ -4606,7 +4144,155 @@
             </a:lvl9pPr>
           </a:lstStyle>
           <a:p>
-            <a:pPr indent="0" lvl="0" marL="0" rtl="0" algn="r">
+            <a:pPr marL="0" lvl="0" indent="0" algn="r" rtl="0">
+              <a:spcBef>
+                <a:spcPts val="0"/>
+              </a:spcBef>
+              <a:spcAft>
+                <a:spcPts val="0"/>
+              </a:spcAft>
+              <a:buNone/>
+            </a:pPr>
+            <a:fld id="{00000000-1234-1234-1234-123412341234}" type="slidenum">
+              <a:rPr lang="en"/>
+              <a:t>‹#›</a:t>
+            </a:fld>
+            <a:endParaRPr/>
+          </a:p>
+        </p:txBody>
+      </p:sp>
+    </p:spTree>
+  </p:cSld>
+  <p:clrMapOvr>
+    <a:masterClrMapping/>
+  </p:clrMapOvr>
+</p:sldLayout>
+</file>
+
+<file path=ppt/slideLayouts/slideLayout8.xml><?xml version="1.0" encoding="utf-8"?>
+<p:sldLayout xmlns:a="http://schemas.openxmlformats.org/drawingml/2006/main" xmlns:r="http://schemas.openxmlformats.org/officeDocument/2006/relationships" xmlns:p="http://schemas.openxmlformats.org/presentationml/2006/main" matchingName="Caption">
+  <p:cSld name="CAPTION_ONLY">
+    <p:spTree>
+      <p:nvGrpSpPr>
+        <p:cNvPr id="1" name="Shape 41"/>
+        <p:cNvGrpSpPr/>
+        <p:nvPr/>
+      </p:nvGrpSpPr>
+      <p:grpSpPr>
+        <a:xfrm>
+          <a:off x="0" y="0"/>
+          <a:ext cx="0" cy="0"/>
+          <a:chOff x="0" y="0"/>
+          <a:chExt cx="0" cy="0"/>
+        </a:xfrm>
+      </p:grpSpPr>
+      <p:sp>
+        <p:nvSpPr>
+          <p:cNvPr id="42" name="Google Shape;42;p10"/>
+          <p:cNvSpPr txBox="1">
+            <a:spLocks noGrp="1"/>
+          </p:cNvSpPr>
+          <p:nvPr>
+            <p:ph type="body" idx="1"/>
+          </p:nvPr>
+        </p:nvSpPr>
+        <p:spPr>
+          <a:xfrm>
+            <a:off x="311700" y="4230575"/>
+            <a:ext cx="5998800" cy="605100"/>
+          </a:xfrm>
+          <a:prstGeom prst="rect">
+            <a:avLst/>
+          </a:prstGeom>
+        </p:spPr>
+        <p:txBody>
+          <a:bodyPr spcFirstLastPara="1" wrap="square" lIns="91425" tIns="91425" rIns="91425" bIns="91425" anchor="ctr" anchorCtr="0">
+            <a:normAutofit/>
+          </a:bodyPr>
+          <a:lstStyle>
+            <a:lvl1pPr marL="457200" lvl="0" indent="-228600">
+              <a:lnSpc>
+                <a:spcPct val="100000"/>
+              </a:lnSpc>
+              <a:spcBef>
+                <a:spcPts val="0"/>
+              </a:spcBef>
+              <a:spcAft>
+                <a:spcPts val="0"/>
+              </a:spcAft>
+              <a:buSzPts val="1800"/>
+              <a:buNone/>
+              <a:defRPr/>
+            </a:lvl1pPr>
+          </a:lstStyle>
+          <a:p>
+            <a:endParaRPr/>
+          </a:p>
+        </p:txBody>
+      </p:sp>
+      <p:sp>
+        <p:nvSpPr>
+          <p:cNvPr id="43" name="Google Shape;43;p10"/>
+          <p:cNvSpPr txBox="1">
+            <a:spLocks noGrp="1"/>
+          </p:cNvSpPr>
+          <p:nvPr>
+            <p:ph type="sldNum" idx="12"/>
+          </p:nvPr>
+        </p:nvSpPr>
+        <p:spPr>
+          <a:xfrm>
+            <a:off x="8472458" y="4663217"/>
+            <a:ext cx="548700" cy="393600"/>
+          </a:xfrm>
+          <a:prstGeom prst="rect">
+            <a:avLst/>
+          </a:prstGeom>
+        </p:spPr>
+        <p:txBody>
+          <a:bodyPr spcFirstLastPara="1" wrap="square" lIns="91425" tIns="91425" rIns="91425" bIns="91425" anchor="ctr" anchorCtr="0">
+            <a:normAutofit/>
+          </a:bodyPr>
+          <a:lstStyle>
+            <a:lvl1pPr lvl="0">
+              <a:buNone/>
+              <a:defRPr/>
+            </a:lvl1pPr>
+            <a:lvl2pPr lvl="1">
+              <a:buNone/>
+              <a:defRPr/>
+            </a:lvl2pPr>
+            <a:lvl3pPr lvl="2">
+              <a:buNone/>
+              <a:defRPr/>
+            </a:lvl3pPr>
+            <a:lvl4pPr lvl="3">
+              <a:buNone/>
+              <a:defRPr/>
+            </a:lvl4pPr>
+            <a:lvl5pPr lvl="4">
+              <a:buNone/>
+              <a:defRPr/>
+            </a:lvl5pPr>
+            <a:lvl6pPr lvl="5">
+              <a:buNone/>
+              <a:defRPr/>
+            </a:lvl6pPr>
+            <a:lvl7pPr lvl="6">
+              <a:buNone/>
+              <a:defRPr/>
+            </a:lvl7pPr>
+            <a:lvl8pPr lvl="7">
+              <a:buNone/>
+              <a:defRPr/>
+            </a:lvl8pPr>
+            <a:lvl9pPr lvl="8">
+              <a:buNone/>
+              <a:defRPr/>
+            </a:lvl9pPr>
+          </a:lstStyle>
+          <a:p>
+            <a:pPr marL="0" lvl="0" indent="0" algn="r" rtl="0">
               <a:spcBef>
                 <a:spcPts val="0"/>
               </a:spcBef>
@@ -4632,11 +4318,11 @@
 </file>
 
 <file path=ppt/slideLayouts/slideLayout9.xml><?xml version="1.0" encoding="utf-8"?>
-<p:sldLayout xmlns:a="http://schemas.openxmlformats.org/drawingml/2006/main" xmlns:r="http://schemas.openxmlformats.org/officeDocument/2006/relationships" xmlns:mc="http://schemas.openxmlformats.org/markup-compatibility/2006" xmlns:mv="urn:schemas-microsoft-com:mac:vml" xmlns:p="http://schemas.openxmlformats.org/presentationml/2006/main" xmlns:c="http://schemas.openxmlformats.org/drawingml/2006/chart" xmlns:dgm="http://schemas.openxmlformats.org/drawingml/2006/diagram" xmlns:o="urn:schemas-microsoft-com:office:office" xmlns:v="urn:schemas-microsoft-com:vml" xmlns:pvml="urn:schemas-microsoft-com:office:powerpoint" xmlns:com="http://schemas.openxmlformats.org/drawingml/2006/compatibility" xmlns:p14="http://schemas.microsoft.com/office/powerpoint/2010/main" xmlns:p15="http://schemas.microsoft.com/office/powerpoint/2012/main" xmlns:ahyp="http://schemas.microsoft.com/office/drawing/2018/hyperlinkcolor" matchingName="Caption">
-  <p:cSld name="CAPTION_ONLY">
+<p:sldLayout xmlns:a="http://schemas.openxmlformats.org/drawingml/2006/main" xmlns:r="http://schemas.openxmlformats.org/officeDocument/2006/relationships" xmlns:p="http://schemas.openxmlformats.org/presentationml/2006/main" matchingName="Big number">
+  <p:cSld name="BIG_NUMBER">
     <p:spTree>
       <p:nvGrpSpPr>
-        <p:cNvPr id="41" name="Shape 41"/>
+        <p:cNvPr id="1" name="Shape 44"/>
         <p:cNvGrpSpPr/>
         <p:nvPr/>
       </p:nvGrpSpPr>
@@ -4650,50 +4336,272 @@
       </p:grpSpPr>
       <p:sp>
         <p:nvSpPr>
-          <p:cNvPr id="42" name="Google Shape;42;p10"/>
-          <p:cNvSpPr txBox="1"/>
+          <p:cNvPr id="45" name="Google Shape;45;p11"/>
+          <p:cNvSpPr txBox="1">
+            <a:spLocks noGrp="1"/>
+          </p:cNvSpPr>
           <p:nvPr>
-            <p:ph idx="1" type="body"/>
+            <p:ph type="title" hasCustomPrompt="1"/>
           </p:nvPr>
         </p:nvSpPr>
         <p:spPr>
           <a:xfrm>
-            <a:off x="311700" y="4230575"/>
-            <a:ext cx="5998800" cy="605100"/>
+            <a:off x="311700" y="1106125"/>
+            <a:ext cx="8520600" cy="1963500"/>
           </a:xfrm>
           <a:prstGeom prst="rect">
             <a:avLst/>
           </a:prstGeom>
         </p:spPr>
         <p:txBody>
-          <a:bodyPr anchorCtr="0" anchor="ctr" bIns="91425" lIns="91425" spcFirstLastPara="1" rIns="91425" wrap="square" tIns="91425">
+          <a:bodyPr spcFirstLastPara="1" wrap="square" lIns="91425" tIns="91425" rIns="91425" bIns="91425" anchor="b" anchorCtr="0">
             <a:normAutofit/>
           </a:bodyPr>
           <a:lstStyle>
-            <a:lvl1pPr indent="-228600" lvl="0" marL="457200">
-              <a:lnSpc>
-                <a:spcPct val="100000"/>
-              </a:lnSpc>
-              <a:spcBef>
-                <a:spcPts val="0"/>
-              </a:spcBef>
-              <a:spcAft>
-                <a:spcPts val="0"/>
-              </a:spcAft>
-              <a:buSzPts val="1800"/>
-              <a:buNone/>
-              <a:defRPr/>
+            <a:lvl1pPr lvl="0" algn="ctr">
+              <a:spcBef>
+                <a:spcPts val="0"/>
+              </a:spcBef>
+              <a:spcAft>
+                <a:spcPts val="0"/>
+              </a:spcAft>
+              <a:buSzPts val="12000"/>
+              <a:buNone/>
+              <a:defRPr sz="12000"/>
             </a:lvl1pPr>
+            <a:lvl2pPr lvl="1" algn="ctr">
+              <a:spcBef>
+                <a:spcPts val="0"/>
+              </a:spcBef>
+              <a:spcAft>
+                <a:spcPts val="0"/>
+              </a:spcAft>
+              <a:buSzPts val="12000"/>
+              <a:buNone/>
+              <a:defRPr sz="12000"/>
+            </a:lvl2pPr>
+            <a:lvl3pPr lvl="2" algn="ctr">
+              <a:spcBef>
+                <a:spcPts val="0"/>
+              </a:spcBef>
+              <a:spcAft>
+                <a:spcPts val="0"/>
+              </a:spcAft>
+              <a:buSzPts val="12000"/>
+              <a:buNone/>
+              <a:defRPr sz="12000"/>
+            </a:lvl3pPr>
+            <a:lvl4pPr lvl="3" algn="ctr">
+              <a:spcBef>
+                <a:spcPts val="0"/>
+              </a:spcBef>
+              <a:spcAft>
+                <a:spcPts val="0"/>
+              </a:spcAft>
+              <a:buSzPts val="12000"/>
+              <a:buNone/>
+              <a:defRPr sz="12000"/>
+            </a:lvl4pPr>
+            <a:lvl5pPr lvl="4" algn="ctr">
+              <a:spcBef>
+                <a:spcPts val="0"/>
+              </a:spcBef>
+              <a:spcAft>
+                <a:spcPts val="0"/>
+              </a:spcAft>
+              <a:buSzPts val="12000"/>
+              <a:buNone/>
+              <a:defRPr sz="12000"/>
+            </a:lvl5pPr>
+            <a:lvl6pPr lvl="5" algn="ctr">
+              <a:spcBef>
+                <a:spcPts val="0"/>
+              </a:spcBef>
+              <a:spcAft>
+                <a:spcPts val="0"/>
+              </a:spcAft>
+              <a:buSzPts val="12000"/>
+              <a:buNone/>
+              <a:defRPr sz="12000"/>
+            </a:lvl6pPr>
+            <a:lvl7pPr lvl="6" algn="ctr">
+              <a:spcBef>
+                <a:spcPts val="0"/>
+              </a:spcBef>
+              <a:spcAft>
+                <a:spcPts val="0"/>
+              </a:spcAft>
+              <a:buSzPts val="12000"/>
+              <a:buNone/>
+              <a:defRPr sz="12000"/>
+            </a:lvl7pPr>
+            <a:lvl8pPr lvl="7" algn="ctr">
+              <a:spcBef>
+                <a:spcPts val="0"/>
+              </a:spcBef>
+              <a:spcAft>
+                <a:spcPts val="0"/>
+              </a:spcAft>
+              <a:buSzPts val="12000"/>
+              <a:buNone/>
+              <a:defRPr sz="12000"/>
+            </a:lvl8pPr>
+            <a:lvl9pPr lvl="8" algn="ctr">
+              <a:spcBef>
+                <a:spcPts val="0"/>
+              </a:spcBef>
+              <a:spcAft>
+                <a:spcPts val="0"/>
+              </a:spcAft>
+              <a:buSzPts val="12000"/>
+              <a:buNone/>
+              <a:defRPr sz="12000"/>
+            </a:lvl9pPr>
           </a:lstStyle>
-          <a:p/>
+          <a:p>
+            <a:r>
+              <a:t>xx%</a:t>
+            </a:r>
+          </a:p>
         </p:txBody>
       </p:sp>
       <p:sp>
         <p:nvSpPr>
-          <p:cNvPr id="43" name="Google Shape;43;p10"/>
-          <p:cNvSpPr txBox="1"/>
+          <p:cNvPr id="46" name="Google Shape;46;p11"/>
+          <p:cNvSpPr txBox="1">
+            <a:spLocks noGrp="1"/>
+          </p:cNvSpPr>
           <p:nvPr>
-            <p:ph idx="12" type="sldNum"/>
+            <p:ph type="body" idx="1"/>
+          </p:nvPr>
+        </p:nvSpPr>
+        <p:spPr>
+          <a:xfrm>
+            <a:off x="311700" y="3152225"/>
+            <a:ext cx="8520600" cy="1300800"/>
+          </a:xfrm>
+          <a:prstGeom prst="rect">
+            <a:avLst/>
+          </a:prstGeom>
+        </p:spPr>
+        <p:txBody>
+          <a:bodyPr spcFirstLastPara="1" wrap="square" lIns="91425" tIns="91425" rIns="91425" bIns="91425" anchor="t" anchorCtr="0">
+            <a:normAutofit/>
+          </a:bodyPr>
+          <a:lstStyle>
+            <a:lvl1pPr marL="457200" lvl="0" indent="-342900" algn="ctr">
+              <a:spcBef>
+                <a:spcPts val="0"/>
+              </a:spcBef>
+              <a:spcAft>
+                <a:spcPts val="0"/>
+              </a:spcAft>
+              <a:buSzPts val="1800"/>
+              <a:buChar char="●"/>
+              <a:defRPr/>
+            </a:lvl1pPr>
+            <a:lvl2pPr marL="914400" lvl="1" indent="-317500" algn="ctr">
+              <a:spcBef>
+                <a:spcPts val="0"/>
+              </a:spcBef>
+              <a:spcAft>
+                <a:spcPts val="0"/>
+              </a:spcAft>
+              <a:buSzPts val="1400"/>
+              <a:buChar char="○"/>
+              <a:defRPr/>
+            </a:lvl2pPr>
+            <a:lvl3pPr marL="1371600" lvl="2" indent="-317500" algn="ctr">
+              <a:spcBef>
+                <a:spcPts val="0"/>
+              </a:spcBef>
+              <a:spcAft>
+                <a:spcPts val="0"/>
+              </a:spcAft>
+              <a:buSzPts val="1400"/>
+              <a:buChar char="■"/>
+              <a:defRPr/>
+            </a:lvl3pPr>
+            <a:lvl4pPr marL="1828800" lvl="3" indent="-317500" algn="ctr">
+              <a:spcBef>
+                <a:spcPts val="0"/>
+              </a:spcBef>
+              <a:spcAft>
+                <a:spcPts val="0"/>
+              </a:spcAft>
+              <a:buSzPts val="1400"/>
+              <a:buChar char="●"/>
+              <a:defRPr/>
+            </a:lvl4pPr>
+            <a:lvl5pPr marL="2286000" lvl="4" indent="-317500" algn="ctr">
+              <a:spcBef>
+                <a:spcPts val="0"/>
+              </a:spcBef>
+              <a:spcAft>
+                <a:spcPts val="0"/>
+              </a:spcAft>
+              <a:buSzPts val="1400"/>
+              <a:buChar char="○"/>
+              <a:defRPr/>
+            </a:lvl5pPr>
+            <a:lvl6pPr marL="2743200" lvl="5" indent="-317500" algn="ctr">
+              <a:spcBef>
+                <a:spcPts val="0"/>
+              </a:spcBef>
+              <a:spcAft>
+                <a:spcPts val="0"/>
+              </a:spcAft>
+              <a:buSzPts val="1400"/>
+              <a:buChar char="■"/>
+              <a:defRPr/>
+            </a:lvl6pPr>
+            <a:lvl7pPr marL="3200400" lvl="6" indent="-317500" algn="ctr">
+              <a:spcBef>
+                <a:spcPts val="0"/>
+              </a:spcBef>
+              <a:spcAft>
+                <a:spcPts val="0"/>
+              </a:spcAft>
+              <a:buSzPts val="1400"/>
+              <a:buChar char="●"/>
+              <a:defRPr/>
+            </a:lvl7pPr>
+            <a:lvl8pPr marL="3657600" lvl="7" indent="-317500" algn="ctr">
+              <a:spcBef>
+                <a:spcPts val="0"/>
+              </a:spcBef>
+              <a:spcAft>
+                <a:spcPts val="0"/>
+              </a:spcAft>
+              <a:buSzPts val="1400"/>
+              <a:buChar char="○"/>
+              <a:defRPr/>
+            </a:lvl8pPr>
+            <a:lvl9pPr marL="4114800" lvl="8" indent="-317500" algn="ctr">
+              <a:spcBef>
+                <a:spcPts val="0"/>
+              </a:spcBef>
+              <a:spcAft>
+                <a:spcPts val="0"/>
+              </a:spcAft>
+              <a:buSzPts val="1400"/>
+              <a:buChar char="■"/>
+              <a:defRPr/>
+            </a:lvl9pPr>
+          </a:lstStyle>
+          <a:p>
+            <a:endParaRPr/>
+          </a:p>
+        </p:txBody>
+      </p:sp>
+      <p:sp>
+        <p:nvSpPr>
+          <p:cNvPr id="47" name="Google Shape;47;p11"/>
+          <p:cNvSpPr txBox="1">
+            <a:spLocks noGrp="1"/>
+          </p:cNvSpPr>
+          <p:nvPr>
+            <p:ph type="sldNum" idx="12"/>
           </p:nvPr>
         </p:nvSpPr>
         <p:spPr>
@@ -4706,7 +4614,7 @@
           </a:prstGeom>
         </p:spPr>
         <p:txBody>
-          <a:bodyPr anchorCtr="0" anchor="ctr" bIns="91425" lIns="91425" spcFirstLastPara="1" rIns="91425" wrap="square" tIns="91425">
+          <a:bodyPr spcFirstLastPara="1" wrap="square" lIns="91425" tIns="91425" rIns="91425" bIns="91425" anchor="ctr" anchorCtr="0">
             <a:normAutofit/>
           </a:bodyPr>
           <a:lstStyle>
@@ -4748,7 +4656,7 @@
             </a:lvl9pPr>
           </a:lstStyle>
           <a:p>
-            <a:pPr indent="0" lvl="0" marL="0" rtl="0" algn="r">
+            <a:pPr marL="0" lvl="0" indent="0" algn="r" rtl="0">
               <a:spcBef>
                 <a:spcPts val="0"/>
               </a:spcBef>
@@ -4774,18 +4682,19 @@
 </file>
 
 <file path=ppt/slideMasters/slideMaster1.xml><?xml version="1.0" encoding="utf-8"?>
-<p:sldMaster xmlns:a="http://schemas.openxmlformats.org/drawingml/2006/main" xmlns:r="http://schemas.openxmlformats.org/officeDocument/2006/relationships" xmlns:mc="http://schemas.openxmlformats.org/markup-compatibility/2006" xmlns:mv="urn:schemas-microsoft-com:mac:vml" xmlns:p="http://schemas.openxmlformats.org/presentationml/2006/main" xmlns:c="http://schemas.openxmlformats.org/drawingml/2006/chart" xmlns:dgm="http://schemas.openxmlformats.org/drawingml/2006/diagram" xmlns:o="urn:schemas-microsoft-com:office:office" xmlns:v="urn:schemas-microsoft-com:vml" xmlns:pvml="urn:schemas-microsoft-com:office:powerpoint" xmlns:com="http://schemas.openxmlformats.org/drawingml/2006/compatibility" xmlns:p14="http://schemas.microsoft.com/office/powerpoint/2010/main" xmlns:p15="http://schemas.microsoft.com/office/powerpoint/2012/main" xmlns:ahyp="http://schemas.microsoft.com/office/drawing/2018/hyperlinkcolor">
+<p:sldMaster xmlns:a="http://schemas.openxmlformats.org/drawingml/2006/main" xmlns:r="http://schemas.openxmlformats.org/officeDocument/2006/relationships" xmlns:p="http://schemas.openxmlformats.org/presentationml/2006/main">
   <p:cSld name="simple-light-2">
     <p:bg>
       <p:bgPr>
         <a:solidFill>
           <a:schemeClr val="lt1"/>
         </a:solidFill>
+        <a:effectLst/>
       </p:bgPr>
     </p:bg>
     <p:spTree>
       <p:nvGrpSpPr>
-        <p:cNvPr id="5" name="Shape 5"/>
+        <p:cNvPr id="1" name="Shape 5"/>
         <p:cNvGrpSpPr/>
         <p:nvPr/>
       </p:nvGrpSpPr>
@@ -4800,7 +4709,9 @@
       <p:sp>
         <p:nvSpPr>
           <p:cNvPr id="6" name="Google Shape;6;p1"/>
-          <p:cNvSpPr txBox="1"/>
+          <p:cNvSpPr txBox="1">
+            <a:spLocks noGrp="1"/>
+          </p:cNvSpPr>
           <p:nvPr>
             <p:ph type="title"/>
           </p:nvPr>
@@ -4819,7 +4730,7 @@
           </a:ln>
         </p:spPr>
         <p:txBody>
-          <a:bodyPr anchorCtr="0" anchor="t" bIns="91425" lIns="91425" spcFirstLastPara="1" rIns="91425" wrap="square" tIns="91425">
+          <a:bodyPr spcFirstLastPara="1" wrap="square" lIns="91425" tIns="91425" rIns="91425" bIns="91425" anchor="t" anchorCtr="0">
             <a:normAutofit/>
           </a:bodyPr>
           <a:lstStyle>
@@ -4986,15 +4897,19 @@
               </a:defRPr>
             </a:lvl9pPr>
           </a:lstStyle>
-          <a:p/>
+          <a:p>
+            <a:endParaRPr/>
+          </a:p>
         </p:txBody>
       </p:sp>
       <p:sp>
         <p:nvSpPr>
           <p:cNvPr id="7" name="Google Shape;7;p1"/>
-          <p:cNvSpPr txBox="1"/>
+          <p:cNvSpPr txBox="1">
+            <a:spLocks noGrp="1"/>
+          </p:cNvSpPr>
           <p:nvPr>
-            <p:ph idx="1" type="body"/>
+            <p:ph type="body" idx="1"/>
           </p:nvPr>
         </p:nvSpPr>
         <p:spPr>
@@ -5011,11 +4926,11 @@
           </a:ln>
         </p:spPr>
         <p:txBody>
-          <a:bodyPr anchorCtr="0" anchor="t" bIns="91425" lIns="91425" spcFirstLastPara="1" rIns="91425" wrap="square" tIns="91425">
+          <a:bodyPr spcFirstLastPara="1" wrap="square" lIns="91425" tIns="91425" rIns="91425" bIns="91425" anchor="t" anchorCtr="0">
             <a:normAutofit/>
           </a:bodyPr>
           <a:lstStyle>
-            <a:lvl1pPr indent="-342900" lvl="0" marL="457200">
+            <a:lvl1pPr marL="457200" lvl="0" indent="-342900">
               <a:lnSpc>
                 <a:spcPct val="115000"/>
               </a:lnSpc>
@@ -5036,7 +4951,7 @@
                 </a:solidFill>
               </a:defRPr>
             </a:lvl1pPr>
-            <a:lvl2pPr indent="-317500" lvl="1" marL="914400">
+            <a:lvl2pPr marL="914400" lvl="1" indent="-317500">
               <a:lnSpc>
                 <a:spcPct val="115000"/>
               </a:lnSpc>
@@ -5057,7 +4972,7 @@
                 </a:solidFill>
               </a:defRPr>
             </a:lvl2pPr>
-            <a:lvl3pPr indent="-317500" lvl="2" marL="1371600">
+            <a:lvl3pPr marL="1371600" lvl="2" indent="-317500">
               <a:lnSpc>
                 <a:spcPct val="115000"/>
               </a:lnSpc>
@@ -5078,7 +4993,7 @@
                 </a:solidFill>
               </a:defRPr>
             </a:lvl3pPr>
-            <a:lvl4pPr indent="-317500" lvl="3" marL="1828800">
+            <a:lvl4pPr marL="1828800" lvl="3" indent="-317500">
               <a:lnSpc>
                 <a:spcPct val="115000"/>
               </a:lnSpc>
@@ -5099,7 +5014,7 @@
                 </a:solidFill>
               </a:defRPr>
             </a:lvl4pPr>
-            <a:lvl5pPr indent="-317500" lvl="4" marL="2286000">
+            <a:lvl5pPr marL="2286000" lvl="4" indent="-317500">
               <a:lnSpc>
                 <a:spcPct val="115000"/>
               </a:lnSpc>
@@ -5120,7 +5035,7 @@
                 </a:solidFill>
               </a:defRPr>
             </a:lvl5pPr>
-            <a:lvl6pPr indent="-317500" lvl="5" marL="2743200">
+            <a:lvl6pPr marL="2743200" lvl="5" indent="-317500">
               <a:lnSpc>
                 <a:spcPct val="115000"/>
               </a:lnSpc>
@@ -5141,7 +5056,7 @@
                 </a:solidFill>
               </a:defRPr>
             </a:lvl6pPr>
-            <a:lvl7pPr indent="-317500" lvl="6" marL="3200400">
+            <a:lvl7pPr marL="3200400" lvl="6" indent="-317500">
               <a:lnSpc>
                 <a:spcPct val="115000"/>
               </a:lnSpc>
@@ -5162,7 +5077,7 @@
                 </a:solidFill>
               </a:defRPr>
             </a:lvl7pPr>
-            <a:lvl8pPr indent="-317500" lvl="7" marL="3657600">
+            <a:lvl8pPr marL="3657600" lvl="7" indent="-317500">
               <a:lnSpc>
                 <a:spcPct val="115000"/>
               </a:lnSpc>
@@ -5183,7 +5098,7 @@
                 </a:solidFill>
               </a:defRPr>
             </a:lvl8pPr>
-            <a:lvl9pPr indent="-317500" lvl="8" marL="4114800">
+            <a:lvl9pPr marL="4114800" lvl="8" indent="-317500">
               <a:lnSpc>
                 <a:spcPct val="115000"/>
               </a:lnSpc>
@@ -5205,15 +5120,19 @@
               </a:defRPr>
             </a:lvl9pPr>
           </a:lstStyle>
-          <a:p/>
+          <a:p>
+            <a:endParaRPr/>
+          </a:p>
         </p:txBody>
       </p:sp>
       <p:sp>
         <p:nvSpPr>
           <p:cNvPr id="8" name="Google Shape;8;p1"/>
-          <p:cNvSpPr txBox="1"/>
+          <p:cNvSpPr txBox="1">
+            <a:spLocks noGrp="1"/>
+          </p:cNvSpPr>
           <p:nvPr>
-            <p:ph idx="12" type="sldNum"/>
+            <p:ph type="sldNum" idx="12"/>
           </p:nvPr>
         </p:nvSpPr>
         <p:spPr>
@@ -5230,7 +5149,7 @@
           </a:ln>
         </p:spPr>
         <p:txBody>
-          <a:bodyPr anchorCtr="0" anchor="ctr" bIns="91425" lIns="91425" spcFirstLastPara="1" rIns="91425" wrap="square" tIns="91425">
+          <a:bodyPr spcFirstLastPara="1" wrap="square" lIns="91425" tIns="91425" rIns="91425" bIns="91425" anchor="ctr" anchorCtr="0">
             <a:normAutofit/>
           </a:bodyPr>
           <a:lstStyle>
@@ -5308,7 +5227,7 @@
             </a:lvl9pPr>
           </a:lstStyle>
           <a:p>
-            <a:pPr indent="0" lvl="0" marL="0" rtl="0" algn="r">
+            <a:pPr marL="0" lvl="0" indent="0" algn="r" rtl="0">
               <a:spcBef>
                 <a:spcPts val="0"/>
               </a:spcBef>
@@ -5327,24 +5246,23 @@
       </p:sp>
     </p:spTree>
   </p:cSld>
-  <p:clrMap accent1="accent1" accent2="accent2" accent3="accent3" accent4="accent4" accent5="accent5" accent6="accent6" bg1="lt1" bg2="dk2" tx1="dk1" tx2="lt2" folHlink="folHlink" hlink="hlink"/>
+  <p:clrMap bg1="lt1" tx1="dk1" bg2="dk2" tx2="lt2" accent1="accent1" accent2="accent2" accent3="accent3" accent4="accent4" accent5="accent5" accent6="accent6" hlink="hlink" folHlink="folHlink"/>
   <p:sldLayoutIdLst>
     <p:sldLayoutId id="2147483648" r:id="rId1"/>
-    <p:sldLayoutId id="2147483649" r:id="rId2"/>
-    <p:sldLayoutId id="2147483650" r:id="rId3"/>
-    <p:sldLayoutId id="2147483651" r:id="rId4"/>
-    <p:sldLayoutId id="2147483652" r:id="rId5"/>
-    <p:sldLayoutId id="2147483653" r:id="rId6"/>
-    <p:sldLayoutId id="2147483654" r:id="rId7"/>
-    <p:sldLayoutId id="2147483655" r:id="rId8"/>
-    <p:sldLayoutId id="2147483656" r:id="rId9"/>
-    <p:sldLayoutId id="2147483657" r:id="rId10"/>
-    <p:sldLayoutId id="2147483658" r:id="rId11"/>
+    <p:sldLayoutId id="2147483650" r:id="rId2"/>
+    <p:sldLayoutId id="2147483651" r:id="rId3"/>
+    <p:sldLayoutId id="2147483652" r:id="rId4"/>
+    <p:sldLayoutId id="2147483653" r:id="rId5"/>
+    <p:sldLayoutId id="2147483654" r:id="rId6"/>
+    <p:sldLayoutId id="2147483655" r:id="rId7"/>
+    <p:sldLayoutId id="2147483656" r:id="rId8"/>
+    <p:sldLayoutId id="2147483657" r:id="rId9"/>
+    <p:sldLayoutId id="2147483658" r:id="rId10"/>
   </p:sldLayoutIdLst>
-  <p:hf dt="0" ftr="0" hdr="0" sldNum="0"/>
+  <p:hf sldNum="0" hdr="0" ftr="0" dt="0"/>
   <p:txStyles>
     <p:titleStyle>
-      <a:defPPr lvl="0" marR="0" rtl="0" algn="l">
+      <a:defPPr marR="0" lvl="0" algn="l" rtl="0">
         <a:lnSpc>
           <a:spcPct val="100000"/>
         </a:lnSpc>
@@ -5355,7 +5273,7 @@
           <a:spcPts val="0"/>
         </a:spcAft>
       </a:defPPr>
-      <a:lvl1pPr lvl="0" marR="0" rtl="0" algn="l">
+      <a:lvl1pPr marR="0" lvl="0" algn="l" rtl="0">
         <a:lnSpc>
           <a:spcPct val="100000"/>
         </a:lnSpc>
@@ -5369,7 +5287,7 @@
           <a:srgbClr val="000000"/>
         </a:buClr>
         <a:buFont typeface="Arial"/>
-        <a:defRPr b="0" i="0" sz="1400" u="none" cap="none" strike="noStrike">
+        <a:defRPr sz="1400" b="0" i="0" u="none" strike="noStrike" cap="none">
           <a:solidFill>
             <a:srgbClr val="000000"/>
           </a:solidFill>
@@ -5379,7 +5297,7 @@
           <a:sym typeface="Arial"/>
         </a:defRPr>
       </a:lvl1pPr>
-      <a:lvl2pPr lvl="1" marR="0" rtl="0" algn="l">
+      <a:lvl2pPr marR="0" lvl="1" algn="l" rtl="0">
         <a:lnSpc>
           <a:spcPct val="100000"/>
         </a:lnSpc>
@@ -5393,7 +5311,7 @@
           <a:srgbClr val="000000"/>
         </a:buClr>
         <a:buFont typeface="Arial"/>
-        <a:defRPr b="0" i="0" sz="1400" u="none" cap="none" strike="noStrike">
+        <a:defRPr sz="1400" b="0" i="0" u="none" strike="noStrike" cap="none">
           <a:solidFill>
             <a:srgbClr val="000000"/>
           </a:solidFill>
@@ -5403,7 +5321,7 @@
           <a:sym typeface="Arial"/>
         </a:defRPr>
       </a:lvl2pPr>
-      <a:lvl3pPr lvl="2" marR="0" rtl="0" algn="l">
+      <a:lvl3pPr marR="0" lvl="2" algn="l" rtl="0">
         <a:lnSpc>
           <a:spcPct val="100000"/>
         </a:lnSpc>
@@ -5417,7 +5335,7 @@
           <a:srgbClr val="000000"/>
         </a:buClr>
         <a:buFont typeface="Arial"/>
-        <a:defRPr b="0" i="0" sz="1400" u="none" cap="none" strike="noStrike">
+        <a:defRPr sz="1400" b="0" i="0" u="none" strike="noStrike" cap="none">
           <a:solidFill>
             <a:srgbClr val="000000"/>
           </a:solidFill>
@@ -5427,7 +5345,7 @@
           <a:sym typeface="Arial"/>
         </a:defRPr>
       </a:lvl3pPr>
-      <a:lvl4pPr lvl="3" marR="0" rtl="0" algn="l">
+      <a:lvl4pPr marR="0" lvl="3" algn="l" rtl="0">
         <a:lnSpc>
           <a:spcPct val="100000"/>
         </a:lnSpc>
@@ -5441,7 +5359,7 @@
           <a:srgbClr val="000000"/>
         </a:buClr>
         <a:buFont typeface="Arial"/>
-        <a:defRPr b="0" i="0" sz="1400" u="none" cap="none" strike="noStrike">
+        <a:defRPr sz="1400" b="0" i="0" u="none" strike="noStrike" cap="none">
           <a:solidFill>
             <a:srgbClr val="000000"/>
           </a:solidFill>
@@ -5451,7 +5369,7 @@
           <a:sym typeface="Arial"/>
         </a:defRPr>
       </a:lvl4pPr>
-      <a:lvl5pPr lvl="4" marR="0" rtl="0" algn="l">
+      <a:lvl5pPr marR="0" lvl="4" algn="l" rtl="0">
         <a:lnSpc>
           <a:spcPct val="100000"/>
         </a:lnSpc>
@@ -5465,7 +5383,7 @@
           <a:srgbClr val="000000"/>
         </a:buClr>
         <a:buFont typeface="Arial"/>
-        <a:defRPr b="0" i="0" sz="1400" u="none" cap="none" strike="noStrike">
+        <a:defRPr sz="1400" b="0" i="0" u="none" strike="noStrike" cap="none">
           <a:solidFill>
             <a:srgbClr val="000000"/>
           </a:solidFill>
@@ -5475,7 +5393,7 @@
           <a:sym typeface="Arial"/>
         </a:defRPr>
       </a:lvl5pPr>
-      <a:lvl6pPr lvl="5" marR="0" rtl="0" algn="l">
+      <a:lvl6pPr marR="0" lvl="5" algn="l" rtl="0">
         <a:lnSpc>
           <a:spcPct val="100000"/>
         </a:lnSpc>
@@ -5489,7 +5407,7 @@
           <a:srgbClr val="000000"/>
         </a:buClr>
         <a:buFont typeface="Arial"/>
-        <a:defRPr b="0" i="0" sz="1400" u="none" cap="none" strike="noStrike">
+        <a:defRPr sz="1400" b="0" i="0" u="none" strike="noStrike" cap="none">
           <a:solidFill>
             <a:srgbClr val="000000"/>
           </a:solidFill>
@@ -5499,7 +5417,7 @@
           <a:sym typeface="Arial"/>
         </a:defRPr>
       </a:lvl6pPr>
-      <a:lvl7pPr lvl="6" marR="0" rtl="0" algn="l">
+      <a:lvl7pPr marR="0" lvl="6" algn="l" rtl="0">
         <a:lnSpc>
           <a:spcPct val="100000"/>
         </a:lnSpc>
@@ -5513,7 +5431,7 @@
           <a:srgbClr val="000000"/>
         </a:buClr>
         <a:buFont typeface="Arial"/>
-        <a:defRPr b="0" i="0" sz="1400" u="none" cap="none" strike="noStrike">
+        <a:defRPr sz="1400" b="0" i="0" u="none" strike="noStrike" cap="none">
           <a:solidFill>
             <a:srgbClr val="000000"/>
           </a:solidFill>
@@ -5523,7 +5441,7 @@
           <a:sym typeface="Arial"/>
         </a:defRPr>
       </a:lvl7pPr>
-      <a:lvl8pPr lvl="7" marR="0" rtl="0" algn="l">
+      <a:lvl8pPr marR="0" lvl="7" algn="l" rtl="0">
         <a:lnSpc>
           <a:spcPct val="100000"/>
         </a:lnSpc>
@@ -5537,7 +5455,7 @@
           <a:srgbClr val="000000"/>
         </a:buClr>
         <a:buFont typeface="Arial"/>
-        <a:defRPr b="0" i="0" sz="1400" u="none" cap="none" strike="noStrike">
+        <a:defRPr sz="1400" b="0" i="0" u="none" strike="noStrike" cap="none">
           <a:solidFill>
             <a:srgbClr val="000000"/>
           </a:solidFill>
@@ -5547,7 +5465,7 @@
           <a:sym typeface="Arial"/>
         </a:defRPr>
       </a:lvl8pPr>
-      <a:lvl9pPr lvl="8" marR="0" rtl="0" algn="l">
+      <a:lvl9pPr marR="0" lvl="8" algn="l" rtl="0">
         <a:lnSpc>
           <a:spcPct val="100000"/>
         </a:lnSpc>
@@ -5561,7 +5479,7 @@
           <a:srgbClr val="000000"/>
         </a:buClr>
         <a:buFont typeface="Arial"/>
-        <a:defRPr b="0" i="0" sz="1400" u="none" cap="none" strike="noStrike">
+        <a:defRPr sz="1400" b="0" i="0" u="none" strike="noStrike" cap="none">
           <a:solidFill>
             <a:srgbClr val="000000"/>
           </a:solidFill>
@@ -5573,7 +5491,7 @@
       </a:lvl9pPr>
     </p:titleStyle>
     <p:bodyStyle>
-      <a:defPPr lvl="0" marR="0" rtl="0" algn="l">
+      <a:defPPr marR="0" lvl="0" algn="l" rtl="0">
         <a:lnSpc>
           <a:spcPct val="100000"/>
         </a:lnSpc>
@@ -5584,7 +5502,7 @@
           <a:spcPts val="0"/>
         </a:spcAft>
       </a:defPPr>
-      <a:lvl1pPr lvl="0" marR="0" rtl="0" algn="l">
+      <a:lvl1pPr marR="0" lvl="0" algn="l" rtl="0">
         <a:lnSpc>
           <a:spcPct val="100000"/>
         </a:lnSpc>
@@ -5598,7 +5516,7 @@
           <a:srgbClr val="000000"/>
         </a:buClr>
         <a:buFont typeface="Arial"/>
-        <a:defRPr b="0" i="0" sz="1400" u="none" cap="none" strike="noStrike">
+        <a:defRPr sz="1400" b="0" i="0" u="none" strike="noStrike" cap="none">
           <a:solidFill>
             <a:srgbClr val="000000"/>
           </a:solidFill>
@@ -5608,7 +5526,7 @@
           <a:sym typeface="Arial"/>
         </a:defRPr>
       </a:lvl1pPr>
-      <a:lvl2pPr lvl="1" marR="0" rtl="0" algn="l">
+      <a:lvl2pPr marR="0" lvl="1" algn="l" rtl="0">
         <a:lnSpc>
           <a:spcPct val="100000"/>
         </a:lnSpc>
@@ -5622,7 +5540,7 @@
           <a:srgbClr val="000000"/>
         </a:buClr>
         <a:buFont typeface="Arial"/>
-        <a:defRPr b="0" i="0" sz="1400" u="none" cap="none" strike="noStrike">
+        <a:defRPr sz="1400" b="0" i="0" u="none" strike="noStrike" cap="none">
           <a:solidFill>
             <a:srgbClr val="000000"/>
           </a:solidFill>
@@ -5632,7 +5550,7 @@
           <a:sym typeface="Arial"/>
         </a:defRPr>
       </a:lvl2pPr>
-      <a:lvl3pPr lvl="2" marR="0" rtl="0" algn="l">
+      <a:lvl3pPr marR="0" lvl="2" algn="l" rtl="0">
         <a:lnSpc>
           <a:spcPct val="100000"/>
         </a:lnSpc>
@@ -5646,7 +5564,7 @@
           <a:srgbClr val="000000"/>
         </a:buClr>
         <a:buFont typeface="Arial"/>
-        <a:defRPr b="0" i="0" sz="1400" u="none" cap="none" strike="noStrike">
+        <a:defRPr sz="1400" b="0" i="0" u="none" strike="noStrike" cap="none">
           <a:solidFill>
             <a:srgbClr val="000000"/>
           </a:solidFill>
@@ -5656,7 +5574,7 @@
           <a:sym typeface="Arial"/>
         </a:defRPr>
       </a:lvl3pPr>
-      <a:lvl4pPr lvl="3" marR="0" rtl="0" algn="l">
+      <a:lvl4pPr marR="0" lvl="3" algn="l" rtl="0">
         <a:lnSpc>
           <a:spcPct val="100000"/>
         </a:lnSpc>
@@ -5670,7 +5588,7 @@
           <a:srgbClr val="000000"/>
         </a:buClr>
         <a:buFont typeface="Arial"/>
-        <a:defRPr b="0" i="0" sz="1400" u="none" cap="none" strike="noStrike">
+        <a:defRPr sz="1400" b="0" i="0" u="none" strike="noStrike" cap="none">
           <a:solidFill>
             <a:srgbClr val="000000"/>
           </a:solidFill>
@@ -5680,7 +5598,7 @@
           <a:sym typeface="Arial"/>
         </a:defRPr>
       </a:lvl4pPr>
-      <a:lvl5pPr lvl="4" marR="0" rtl="0" algn="l">
+      <a:lvl5pPr marR="0" lvl="4" algn="l" rtl="0">
         <a:lnSpc>
           <a:spcPct val="100000"/>
         </a:lnSpc>
@@ -5694,7 +5612,7 @@
           <a:srgbClr val="000000"/>
         </a:buClr>
         <a:buFont typeface="Arial"/>
-        <a:defRPr b="0" i="0" sz="1400" u="none" cap="none" strike="noStrike">
+        <a:defRPr sz="1400" b="0" i="0" u="none" strike="noStrike" cap="none">
           <a:solidFill>
             <a:srgbClr val="000000"/>
           </a:solidFill>
@@ -5704,7 +5622,7 @@
           <a:sym typeface="Arial"/>
         </a:defRPr>
       </a:lvl5pPr>
-      <a:lvl6pPr lvl="5" marR="0" rtl="0" algn="l">
+      <a:lvl6pPr marR="0" lvl="5" algn="l" rtl="0">
         <a:lnSpc>
           <a:spcPct val="100000"/>
         </a:lnSpc>
@@ -5718,7 +5636,7 @@
           <a:srgbClr val="000000"/>
         </a:buClr>
         <a:buFont typeface="Arial"/>
-        <a:defRPr b="0" i="0" sz="1400" u="none" cap="none" strike="noStrike">
+        <a:defRPr sz="1400" b="0" i="0" u="none" strike="noStrike" cap="none">
           <a:solidFill>
             <a:srgbClr val="000000"/>
           </a:solidFill>
@@ -5728,7 +5646,7 @@
           <a:sym typeface="Arial"/>
         </a:defRPr>
       </a:lvl6pPr>
-      <a:lvl7pPr lvl="6" marR="0" rtl="0" algn="l">
+      <a:lvl7pPr marR="0" lvl="6" algn="l" rtl="0">
         <a:lnSpc>
           <a:spcPct val="100000"/>
         </a:lnSpc>
@@ -5742,7 +5660,7 @@
           <a:srgbClr val="000000"/>
         </a:buClr>
         <a:buFont typeface="Arial"/>
-        <a:defRPr b="0" i="0" sz="1400" u="none" cap="none" strike="noStrike">
+        <a:defRPr sz="1400" b="0" i="0" u="none" strike="noStrike" cap="none">
           <a:solidFill>
             <a:srgbClr val="000000"/>
           </a:solidFill>
@@ -5752,7 +5670,7 @@
           <a:sym typeface="Arial"/>
         </a:defRPr>
       </a:lvl7pPr>
-      <a:lvl8pPr lvl="7" marR="0" rtl="0" algn="l">
+      <a:lvl8pPr marR="0" lvl="7" algn="l" rtl="0">
         <a:lnSpc>
           <a:spcPct val="100000"/>
         </a:lnSpc>
@@ -5766,7 +5684,7 @@
           <a:srgbClr val="000000"/>
         </a:buClr>
         <a:buFont typeface="Arial"/>
-        <a:defRPr b="0" i="0" sz="1400" u="none" cap="none" strike="noStrike">
+        <a:defRPr sz="1400" b="0" i="0" u="none" strike="noStrike" cap="none">
           <a:solidFill>
             <a:srgbClr val="000000"/>
           </a:solidFill>
@@ -5776,7 +5694,7 @@
           <a:sym typeface="Arial"/>
         </a:defRPr>
       </a:lvl8pPr>
-      <a:lvl9pPr lvl="8" marR="0" rtl="0" algn="l">
+      <a:lvl9pPr marR="0" lvl="8" algn="l" rtl="0">
         <a:lnSpc>
           <a:spcPct val="100000"/>
         </a:lnSpc>
@@ -5790,7 +5708,7 @@
           <a:srgbClr val="000000"/>
         </a:buClr>
         <a:buFont typeface="Arial"/>
-        <a:defRPr b="0" i="0" sz="1400" u="none" cap="none" strike="noStrike">
+        <a:defRPr sz="1400" b="0" i="0" u="none" strike="noStrike" cap="none">
           <a:solidFill>
             <a:srgbClr val="000000"/>
           </a:solidFill>
@@ -5802,7 +5720,7 @@
       </a:lvl9pPr>
     </p:bodyStyle>
     <p:otherStyle>
-      <a:defPPr lvl="0" marR="0" rtl="0" algn="l">
+      <a:defPPr marR="0" lvl="0" algn="l" rtl="0">
         <a:lnSpc>
           <a:spcPct val="100000"/>
         </a:lnSpc>
@@ -5813,7 +5731,7 @@
           <a:spcPts val="0"/>
         </a:spcAft>
       </a:defPPr>
-      <a:lvl1pPr lvl="0" marR="0" rtl="0" algn="l">
+      <a:lvl1pPr marR="0" lvl="0" algn="l" rtl="0">
         <a:lnSpc>
           <a:spcPct val="100000"/>
         </a:lnSpc>
@@ -5827,7 +5745,7 @@
           <a:srgbClr val="000000"/>
         </a:buClr>
         <a:buFont typeface="Arial"/>
-        <a:defRPr b="0" i="0" sz="1400" u="none" cap="none" strike="noStrike">
+        <a:defRPr sz="1400" b="0" i="0" u="none" strike="noStrike" cap="none">
           <a:solidFill>
             <a:srgbClr val="000000"/>
           </a:solidFill>
@@ -5837,7 +5755,7 @@
           <a:sym typeface="Arial"/>
         </a:defRPr>
       </a:lvl1pPr>
-      <a:lvl2pPr lvl="1" marR="0" rtl="0" algn="l">
+      <a:lvl2pPr marR="0" lvl="1" algn="l" rtl="0">
         <a:lnSpc>
           <a:spcPct val="100000"/>
         </a:lnSpc>
@@ -5851,7 +5769,7 @@
           <a:srgbClr val="000000"/>
         </a:buClr>
         <a:buFont typeface="Arial"/>
-        <a:defRPr b="0" i="0" sz="1400" u="none" cap="none" strike="noStrike">
+        <a:defRPr sz="1400" b="0" i="0" u="none" strike="noStrike" cap="none">
           <a:solidFill>
             <a:srgbClr val="000000"/>
           </a:solidFill>
@@ -5861,7 +5779,7 @@
           <a:sym typeface="Arial"/>
         </a:defRPr>
       </a:lvl2pPr>
-      <a:lvl3pPr lvl="2" marR="0" rtl="0" algn="l">
+      <a:lvl3pPr marR="0" lvl="2" algn="l" rtl="0">
         <a:lnSpc>
           <a:spcPct val="100000"/>
         </a:lnSpc>
@@ -5875,7 +5793,7 @@
           <a:srgbClr val="000000"/>
         </a:buClr>
         <a:buFont typeface="Arial"/>
-        <a:defRPr b="0" i="0" sz="1400" u="none" cap="none" strike="noStrike">
+        <a:defRPr sz="1400" b="0" i="0" u="none" strike="noStrike" cap="none">
           <a:solidFill>
             <a:srgbClr val="000000"/>
           </a:solidFill>
@@ -5885,7 +5803,7 @@
           <a:sym typeface="Arial"/>
         </a:defRPr>
       </a:lvl3pPr>
-      <a:lvl4pPr lvl="3" marR="0" rtl="0" algn="l">
+      <a:lvl4pPr marR="0" lvl="3" algn="l" rtl="0">
         <a:lnSpc>
           <a:spcPct val="100000"/>
         </a:lnSpc>
@@ -5899,7 +5817,7 @@
           <a:srgbClr val="000000"/>
         </a:buClr>
         <a:buFont typeface="Arial"/>
-        <a:defRPr b="0" i="0" sz="1400" u="none" cap="none" strike="noStrike">
+        <a:defRPr sz="1400" b="0" i="0" u="none" strike="noStrike" cap="none">
           <a:solidFill>
             <a:srgbClr val="000000"/>
           </a:solidFill>
@@ -5909,7 +5827,7 @@
           <a:sym typeface="Arial"/>
         </a:defRPr>
       </a:lvl4pPr>
-      <a:lvl5pPr lvl="4" marR="0" rtl="0" algn="l">
+      <a:lvl5pPr marR="0" lvl="4" algn="l" rtl="0">
         <a:lnSpc>
           <a:spcPct val="100000"/>
         </a:lnSpc>
@@ -5923,7 +5841,7 @@
           <a:srgbClr val="000000"/>
         </a:buClr>
         <a:buFont typeface="Arial"/>
-        <a:defRPr b="0" i="0" sz="1400" u="none" cap="none" strike="noStrike">
+        <a:defRPr sz="1400" b="0" i="0" u="none" strike="noStrike" cap="none">
           <a:solidFill>
             <a:srgbClr val="000000"/>
           </a:solidFill>
@@ -5933,7 +5851,7 @@
           <a:sym typeface="Arial"/>
         </a:defRPr>
       </a:lvl5pPr>
-      <a:lvl6pPr lvl="5" marR="0" rtl="0" algn="l">
+      <a:lvl6pPr marR="0" lvl="5" algn="l" rtl="0">
         <a:lnSpc>
           <a:spcPct val="100000"/>
         </a:lnSpc>
@@ -5947,7 +5865,7 @@
           <a:srgbClr val="000000"/>
         </a:buClr>
         <a:buFont typeface="Arial"/>
-        <a:defRPr b="0" i="0" sz="1400" u="none" cap="none" strike="noStrike">
+        <a:defRPr sz="1400" b="0" i="0" u="none" strike="noStrike" cap="none">
           <a:solidFill>
             <a:srgbClr val="000000"/>
           </a:solidFill>
@@ -5957,7 +5875,7 @@
           <a:sym typeface="Arial"/>
         </a:defRPr>
       </a:lvl6pPr>
-      <a:lvl7pPr lvl="6" marR="0" rtl="0" algn="l">
+      <a:lvl7pPr marR="0" lvl="6" algn="l" rtl="0">
         <a:lnSpc>
           <a:spcPct val="100000"/>
         </a:lnSpc>
@@ -5971,7 +5889,7 @@
           <a:srgbClr val="000000"/>
         </a:buClr>
         <a:buFont typeface="Arial"/>
-        <a:defRPr b="0" i="0" sz="1400" u="none" cap="none" strike="noStrike">
+        <a:defRPr sz="1400" b="0" i="0" u="none" strike="noStrike" cap="none">
           <a:solidFill>
             <a:srgbClr val="000000"/>
           </a:solidFill>
@@ -5981,7 +5899,7 @@
           <a:sym typeface="Arial"/>
         </a:defRPr>
       </a:lvl7pPr>
-      <a:lvl8pPr lvl="7" marR="0" rtl="0" algn="l">
+      <a:lvl8pPr marR="0" lvl="7" algn="l" rtl="0">
         <a:lnSpc>
           <a:spcPct val="100000"/>
         </a:lnSpc>
@@ -5995,7 +5913,7 @@
           <a:srgbClr val="000000"/>
         </a:buClr>
         <a:buFont typeface="Arial"/>
-        <a:defRPr b="0" i="0" sz="1400" u="none" cap="none" strike="noStrike">
+        <a:defRPr sz="1400" b="0" i="0" u="none" strike="noStrike" cap="none">
           <a:solidFill>
             <a:srgbClr val="000000"/>
           </a:solidFill>
@@ -6005,7 +5923,7 @@
           <a:sym typeface="Arial"/>
         </a:defRPr>
       </a:lvl8pPr>
-      <a:lvl9pPr lvl="8" marR="0" rtl="0" algn="l">
+      <a:lvl9pPr marR="0" lvl="8" algn="l" rtl="0">
         <a:lnSpc>
           <a:spcPct val="100000"/>
         </a:lnSpc>
@@ -6019,7 +5937,7 @@
           <a:srgbClr val="000000"/>
         </a:buClr>
         <a:buFont typeface="Arial"/>
-        <a:defRPr b="0" i="0" sz="1400" u="none" cap="none" strike="noStrike">
+        <a:defRPr sz="1400" b="0" i="0" u="none" strike="noStrike" cap="none">
           <a:solidFill>
             <a:srgbClr val="000000"/>
           </a:solidFill>
@@ -6035,11 +5953,11 @@
 </file>
 
 <file path=ppt/slides/slide1.xml><?xml version="1.0" encoding="utf-8"?>
-<p:sld xmlns:a="http://schemas.openxmlformats.org/drawingml/2006/main" xmlns:r="http://schemas.openxmlformats.org/officeDocument/2006/relationships" xmlns:mc="http://schemas.openxmlformats.org/markup-compatibility/2006" xmlns:mv="urn:schemas-microsoft-com:mac:vml" xmlns:p="http://schemas.openxmlformats.org/presentationml/2006/main" xmlns:c="http://schemas.openxmlformats.org/drawingml/2006/chart" xmlns:dgm="http://schemas.openxmlformats.org/drawingml/2006/diagram" xmlns:o="urn:schemas-microsoft-com:office:office" xmlns:v="urn:schemas-microsoft-com:vml" xmlns:pvml="urn:schemas-microsoft-com:office:powerpoint" xmlns:com="http://schemas.openxmlformats.org/drawingml/2006/compatibility" xmlns:p14="http://schemas.microsoft.com/office/powerpoint/2010/main" xmlns:p15="http://schemas.microsoft.com/office/powerpoint/2012/main" xmlns:ahyp="http://schemas.microsoft.com/office/drawing/2018/hyperlinkcolor">
+<p:sld xmlns:a="http://schemas.openxmlformats.org/drawingml/2006/main" xmlns:r="http://schemas.openxmlformats.org/officeDocument/2006/relationships" xmlns:p="http://schemas.openxmlformats.org/presentationml/2006/main">
   <p:cSld>
     <p:spTree>
       <p:nvGrpSpPr>
-        <p:cNvPr id="53" name="Shape 53"/>
+        <p:cNvPr id="1" name="Shape 53"/>
         <p:cNvGrpSpPr/>
         <p:nvPr/>
       </p:nvGrpSpPr>
@@ -6054,7 +5972,9 @@
       <p:sp>
         <p:nvSpPr>
           <p:cNvPr id="54" name="Google Shape;54;p13"/>
-          <p:cNvSpPr txBox="1"/>
+          <p:cNvSpPr txBox="1">
+            <a:spLocks noGrp="1"/>
+          </p:cNvSpPr>
           <p:nvPr>
             <p:ph type="ctrTitle"/>
           </p:nvPr>
@@ -6069,12 +5989,12 @@
           </a:prstGeom>
         </p:spPr>
         <p:txBody>
-          <a:bodyPr anchorCtr="0" anchor="b" bIns="91425" lIns="91425" spcFirstLastPara="1" rIns="91425" wrap="square" tIns="91425">
+          <a:bodyPr spcFirstLastPara="1" wrap="square" lIns="91425" tIns="91425" rIns="91425" bIns="91425" anchor="b" anchorCtr="0">
             <a:normAutofit/>
           </a:bodyPr>
           <a:lstStyle/>
           <a:p>
-            <a:pPr indent="0" lvl="0" marL="0" rtl="0" algn="ctr">
+            <a:pPr marL="0" lvl="0" indent="0" algn="ctr" rtl="0">
               <a:spcBef>
                 <a:spcPts val="0"/>
               </a:spcBef>
@@ -6084,19 +6004,21 @@
               <a:buNone/>
             </a:pPr>
             <a:r>
-              <a:rPr lang="en"/>
-              <a:t>User input/ Error Handling</a:t>
+              <a:rPr lang="en" dirty="0"/>
+              <a:t>Error Handling</a:t>
             </a:r>
-            <a:endParaRPr/>
+            <a:endParaRPr dirty="0"/>
           </a:p>
         </p:txBody>
       </p:sp>
       <p:sp>
         <p:nvSpPr>
           <p:cNvPr id="55" name="Google Shape;55;p13"/>
-          <p:cNvSpPr txBox="1"/>
+          <p:cNvSpPr txBox="1">
+            <a:spLocks noGrp="1"/>
+          </p:cNvSpPr>
           <p:nvPr>
-            <p:ph idx="1" type="subTitle"/>
+            <p:ph type="subTitle" idx="1"/>
           </p:nvPr>
         </p:nvSpPr>
         <p:spPr>
@@ -6109,12 +6031,12 @@
           </a:prstGeom>
         </p:spPr>
         <p:txBody>
-          <a:bodyPr anchorCtr="0" anchor="t" bIns="91425" lIns="91425" spcFirstLastPara="1" rIns="91425" wrap="square" tIns="91425">
+          <a:bodyPr spcFirstLastPara="1" wrap="square" lIns="91425" tIns="91425" rIns="91425" bIns="91425" anchor="t" anchorCtr="0">
             <a:normAutofit/>
           </a:bodyPr>
           <a:lstStyle/>
           <a:p>
-            <a:pPr indent="0" lvl="0" marL="0" rtl="0" algn="ctr">
+            <a:pPr marL="0" lvl="0" indent="0" algn="ctr" rtl="0">
               <a:spcBef>
                 <a:spcPts val="0"/>
               </a:spcBef>
@@ -6140,11 +6062,150 @@
 </file>
 
 <file path=ppt/slides/slide2.xml><?xml version="1.0" encoding="utf-8"?>
-<p:sld xmlns:a="http://schemas.openxmlformats.org/drawingml/2006/main" xmlns:r="http://schemas.openxmlformats.org/officeDocument/2006/relationships" xmlns:mc="http://schemas.openxmlformats.org/markup-compatibility/2006" xmlns:mv="urn:schemas-microsoft-com:mac:vml" xmlns:p="http://schemas.openxmlformats.org/presentationml/2006/main" xmlns:c="http://schemas.openxmlformats.org/drawingml/2006/chart" xmlns:dgm="http://schemas.openxmlformats.org/drawingml/2006/diagram" xmlns:o="urn:schemas-microsoft-com:office:office" xmlns:v="urn:schemas-microsoft-com:vml" xmlns:pvml="urn:schemas-microsoft-com:office:powerpoint" xmlns:com="http://schemas.openxmlformats.org/drawingml/2006/compatibility" xmlns:p14="http://schemas.microsoft.com/office/powerpoint/2010/main" xmlns:p15="http://schemas.microsoft.com/office/powerpoint/2012/main" xmlns:ahyp="http://schemas.microsoft.com/office/drawing/2018/hyperlinkcolor">
+<p:sld xmlns:a="http://schemas.openxmlformats.org/drawingml/2006/main" xmlns:r="http://schemas.openxmlformats.org/officeDocument/2006/relationships" xmlns:p="http://schemas.openxmlformats.org/presentationml/2006/main">
   <p:cSld>
     <p:spTree>
       <p:nvGrpSpPr>
-        <p:cNvPr id="59" name="Shape 59"/>
+        <p:cNvPr id="1" name=""/>
+        <p:cNvGrpSpPr/>
+        <p:nvPr/>
+      </p:nvGrpSpPr>
+      <p:grpSpPr>
+        <a:xfrm>
+          <a:off x="0" y="0"/>
+          <a:ext cx="0" cy="0"/>
+          <a:chOff x="0" y="0"/>
+          <a:chExt cx="0" cy="0"/>
+        </a:xfrm>
+      </p:grpSpPr>
+      <p:sp>
+        <p:nvSpPr>
+          <p:cNvPr id="2" name="Title 1">
+            <a:extLst>
+              <a:ext uri="{FF2B5EF4-FFF2-40B4-BE49-F238E27FC236}">
+                <a16:creationId xmlns:a16="http://schemas.microsoft.com/office/drawing/2014/main" id="{DFDC8877-8AFA-46AB-BC5B-71DCDA63531E}"/>
+              </a:ext>
+            </a:extLst>
+          </p:cNvPr>
+          <p:cNvSpPr>
+            <a:spLocks noGrp="1"/>
+          </p:cNvSpPr>
+          <p:nvPr>
+            <p:ph type="title"/>
+          </p:nvPr>
+        </p:nvSpPr>
+        <p:spPr/>
+        <p:txBody>
+          <a:bodyPr>
+            <a:normAutofit fontScale="90000"/>
+          </a:bodyPr>
+          <a:lstStyle/>
+          <a:p>
+            <a:r>
+              <a:rPr lang="en-US" dirty="0"/>
+              <a:t>Recap – Module Operator (%)	</a:t>
+            </a:r>
+          </a:p>
+        </p:txBody>
+      </p:sp>
+      <p:sp>
+        <p:nvSpPr>
+          <p:cNvPr id="3" name="Text Placeholder 2">
+            <a:extLst>
+              <a:ext uri="{FF2B5EF4-FFF2-40B4-BE49-F238E27FC236}">
+                <a16:creationId xmlns:a16="http://schemas.microsoft.com/office/drawing/2014/main" id="{8578C2C7-EB13-4487-AE81-EA5D99C9B1AD}"/>
+              </a:ext>
+            </a:extLst>
+          </p:cNvPr>
+          <p:cNvSpPr>
+            <a:spLocks noGrp="1"/>
+          </p:cNvSpPr>
+          <p:nvPr>
+            <p:ph type="body" idx="1"/>
+          </p:nvPr>
+        </p:nvSpPr>
+        <p:spPr/>
+        <p:txBody>
+          <a:bodyPr/>
+          <a:lstStyle/>
+          <a:p>
+            <a:r>
+              <a:rPr lang="en-US" dirty="0"/>
+              <a:t>6 % 2 === 0 → true (because 6 divided by 2 has a remainder of 0, so 6 is even).</a:t>
+            </a:r>
+          </a:p>
+          <a:p>
+            <a:pPr marL="114300" indent="0">
+              <a:buNone/>
+            </a:pPr>
+            <a:endParaRPr lang="en-US" dirty="0"/>
+          </a:p>
+          <a:p>
+            <a:r>
+              <a:rPr lang="en-US" dirty="0"/>
+              <a:t>7 % 2 === 0 → false (because 7 divided by 2 leaves a remainder of 1, so 7 is odd).</a:t>
+            </a:r>
+          </a:p>
+          <a:p>
+            <a:endParaRPr lang="en-US" dirty="0"/>
+          </a:p>
+          <a:p>
+            <a:r>
+              <a:rPr lang="en-US" dirty="0">
+                <a:solidFill>
+                  <a:srgbClr val="FF0000"/>
+                </a:solidFill>
+              </a:rPr>
+              <a:t>We deduct the two numbers: </a:t>
+            </a:r>
+          </a:p>
+          <a:p>
+            <a:r>
+              <a:rPr lang="en-US" dirty="0">
+                <a:solidFill>
+                  <a:srgbClr val="FF0000"/>
+                </a:solidFill>
+              </a:rPr>
+              <a:t>6-2= 4, 4-2=2, 2-2= 0</a:t>
+            </a:r>
+          </a:p>
+          <a:p>
+            <a:r>
+              <a:rPr lang="en-US" dirty="0">
+                <a:solidFill>
+                  <a:srgbClr val="FF0000"/>
+                </a:solidFill>
+              </a:rPr>
+              <a:t>7-2= 5, 5-2=3, 3-2= 1</a:t>
+            </a:r>
+          </a:p>
+          <a:p>
+            <a:endParaRPr lang="en-US" dirty="0"/>
+          </a:p>
+          <a:p>
+            <a:endParaRPr lang="en-US" dirty="0"/>
+          </a:p>
+        </p:txBody>
+      </p:sp>
+    </p:spTree>
+    <p:extLst>
+      <p:ext uri="{BB962C8B-B14F-4D97-AF65-F5344CB8AC3E}">
+        <p14:creationId xmlns:p14="http://schemas.microsoft.com/office/powerpoint/2010/main" val="2678652423"/>
+      </p:ext>
+    </p:extLst>
+  </p:cSld>
+  <p:clrMapOvr>
+    <a:masterClrMapping/>
+  </p:clrMapOvr>
+</p:sld>
+</file>
+
+<file path=ppt/slides/slide3.xml><?xml version="1.0" encoding="utf-8"?>
+<p:sld xmlns:a="http://schemas.openxmlformats.org/drawingml/2006/main" xmlns:r="http://schemas.openxmlformats.org/officeDocument/2006/relationships" xmlns:p="http://schemas.openxmlformats.org/presentationml/2006/main">
+  <p:cSld>
+    <p:spTree>
+      <p:nvGrpSpPr>
+        <p:cNvPr id="1" name="Shape 59"/>
         <p:cNvGrpSpPr/>
         <p:nvPr/>
       </p:nvGrpSpPr>
@@ -6159,7 +6220,9 @@
       <p:sp>
         <p:nvSpPr>
           <p:cNvPr id="60" name="Google Shape;60;p14"/>
-          <p:cNvSpPr txBox="1"/>
+          <p:cNvSpPr txBox="1">
+            <a:spLocks noGrp="1"/>
+          </p:cNvSpPr>
           <p:nvPr>
             <p:ph type="title"/>
           </p:nvPr>
@@ -6174,12 +6237,12 @@
           </a:prstGeom>
         </p:spPr>
         <p:txBody>
-          <a:bodyPr anchorCtr="0" anchor="t" bIns="91425" lIns="91425" spcFirstLastPara="1" rIns="91425" wrap="square" tIns="91425">
+          <a:bodyPr spcFirstLastPara="1" wrap="square" lIns="91425" tIns="91425" rIns="91425" bIns="91425" anchor="t" anchorCtr="0">
             <a:normAutofit fontScale="90000"/>
           </a:bodyPr>
           <a:lstStyle/>
           <a:p>
-            <a:pPr indent="0" lvl="0" marL="0" rtl="0" algn="l">
+            <a:pPr marL="0" lvl="0" indent="0" algn="l" rtl="0">
               <a:spcBef>
                 <a:spcPts val="0"/>
               </a:spcBef>
@@ -6199,9 +6262,11 @@
       <p:sp>
         <p:nvSpPr>
           <p:cNvPr id="61" name="Google Shape;61;p14"/>
-          <p:cNvSpPr txBox="1"/>
+          <p:cNvSpPr txBox="1">
+            <a:spLocks noGrp="1"/>
+          </p:cNvSpPr>
           <p:nvPr>
-            <p:ph idx="1" type="body"/>
+            <p:ph type="body" idx="1"/>
           </p:nvPr>
         </p:nvSpPr>
         <p:spPr>
@@ -6214,12 +6279,12 @@
           </a:prstGeom>
         </p:spPr>
         <p:txBody>
-          <a:bodyPr anchorCtr="0" anchor="t" bIns="91425" lIns="91425" spcFirstLastPara="1" rIns="91425" wrap="square" tIns="91425">
+          <a:bodyPr spcFirstLastPara="1" wrap="square" lIns="91425" tIns="91425" rIns="91425" bIns="91425" anchor="t" anchorCtr="0">
             <a:normAutofit/>
           </a:bodyPr>
           <a:lstStyle/>
           <a:p>
-            <a:pPr indent="0" lvl="0" marL="0" rtl="0" algn="l">
+            <a:pPr marL="0" lvl="0" indent="0" algn="l" rtl="0">
               <a:spcBef>
                 <a:spcPts val="0"/>
               </a:spcBef>
@@ -6228,9 +6293,6 @@
               </a:spcAft>
               <a:buNone/>
             </a:pPr>
-            <a:r>
-              <a:t/>
-            </a:r>
             <a:endParaRPr/>
           </a:p>
         </p:txBody>
@@ -6271,12 +6333,12 @@
 </p:sld>
 </file>
 
-<file path=ppt/slides/slide3.xml><?xml version="1.0" encoding="utf-8"?>
-<p:sld xmlns:a="http://schemas.openxmlformats.org/drawingml/2006/main" xmlns:r="http://schemas.openxmlformats.org/officeDocument/2006/relationships" xmlns:mc="http://schemas.openxmlformats.org/markup-compatibility/2006" xmlns:mv="urn:schemas-microsoft-com:mac:vml" xmlns:p="http://schemas.openxmlformats.org/presentationml/2006/main" xmlns:c="http://schemas.openxmlformats.org/drawingml/2006/chart" xmlns:dgm="http://schemas.openxmlformats.org/drawingml/2006/diagram" xmlns:o="urn:schemas-microsoft-com:office:office" xmlns:v="urn:schemas-microsoft-com:vml" xmlns:pvml="urn:schemas-microsoft-com:office:powerpoint" xmlns:com="http://schemas.openxmlformats.org/drawingml/2006/compatibility" xmlns:p14="http://schemas.microsoft.com/office/powerpoint/2010/main" xmlns:p15="http://schemas.microsoft.com/office/powerpoint/2012/main" xmlns:ahyp="http://schemas.microsoft.com/office/drawing/2018/hyperlinkcolor">
+<file path=ppt/slides/slide4.xml><?xml version="1.0" encoding="utf-8"?>
+<p:sld xmlns:a="http://schemas.openxmlformats.org/drawingml/2006/main" xmlns:r="http://schemas.openxmlformats.org/officeDocument/2006/relationships" xmlns:p="http://schemas.openxmlformats.org/presentationml/2006/main">
   <p:cSld>
     <p:spTree>
       <p:nvGrpSpPr>
-        <p:cNvPr id="66" name="Shape 66"/>
+        <p:cNvPr id="1" name="Shape 66"/>
         <p:cNvGrpSpPr/>
         <p:nvPr/>
       </p:nvGrpSpPr>
@@ -6291,7 +6353,9 @@
       <p:sp>
         <p:nvSpPr>
           <p:cNvPr id="67" name="Google Shape;67;p15"/>
-          <p:cNvSpPr txBox="1"/>
+          <p:cNvSpPr txBox="1">
+            <a:spLocks noGrp="1"/>
+          </p:cNvSpPr>
           <p:nvPr>
             <p:ph type="title"/>
           </p:nvPr>
@@ -6306,12 +6370,12 @@
           </a:prstGeom>
         </p:spPr>
         <p:txBody>
-          <a:bodyPr anchorCtr="0" anchor="t" bIns="91425" lIns="91425" spcFirstLastPara="1" rIns="91425" wrap="square" tIns="91425">
+          <a:bodyPr spcFirstLastPara="1" wrap="square" lIns="91425" tIns="91425" rIns="91425" bIns="91425" anchor="t" anchorCtr="0">
             <a:normAutofit fontScale="90000"/>
           </a:bodyPr>
           <a:lstStyle/>
           <a:p>
-            <a:pPr indent="0" lvl="0" marL="0" rtl="0" algn="l">
+            <a:pPr marL="0" lvl="0" indent="0" algn="l" rtl="0">
               <a:spcBef>
                 <a:spcPts val="0"/>
               </a:spcBef>
@@ -6331,9 +6395,11 @@
       <p:sp>
         <p:nvSpPr>
           <p:cNvPr id="68" name="Google Shape;68;p15"/>
-          <p:cNvSpPr txBox="1"/>
+          <p:cNvSpPr txBox="1">
+            <a:spLocks noGrp="1"/>
+          </p:cNvSpPr>
           <p:nvPr>
-            <p:ph idx="1" type="body"/>
+            <p:ph type="body" idx="1"/>
           </p:nvPr>
         </p:nvSpPr>
         <p:spPr>
@@ -6346,12 +6412,12 @@
           </a:prstGeom>
         </p:spPr>
         <p:txBody>
-          <a:bodyPr anchorCtr="0" anchor="t" bIns="91425" lIns="91425" spcFirstLastPara="1" rIns="91425" wrap="square" tIns="91425">
+          <a:bodyPr spcFirstLastPara="1" wrap="square" lIns="91425" tIns="91425" rIns="91425" bIns="91425" anchor="t" anchorCtr="0">
             <a:normAutofit/>
           </a:bodyPr>
           <a:lstStyle/>
           <a:p>
-            <a:pPr indent="0" lvl="0" marL="0" rtl="0" algn="l">
+            <a:pPr marL="0" lvl="0" indent="0" algn="l" rtl="0">
               <a:spcBef>
                 <a:spcPts val="0"/>
               </a:spcBef>
@@ -6360,9 +6426,6 @@
               </a:spcAft>
               <a:buNone/>
             </a:pPr>
-            <a:r>
-              <a:t/>
-            </a:r>
             <a:endParaRPr/>
           </a:p>
         </p:txBody>
@@ -6403,12 +6466,12 @@
 </p:sld>
 </file>
 
-<file path=ppt/slides/slide4.xml><?xml version="1.0" encoding="utf-8"?>
-<p:sld xmlns:a="http://schemas.openxmlformats.org/drawingml/2006/main" xmlns:r="http://schemas.openxmlformats.org/officeDocument/2006/relationships" xmlns:mc="http://schemas.openxmlformats.org/markup-compatibility/2006" xmlns:mv="urn:schemas-microsoft-com:mac:vml" xmlns:p="http://schemas.openxmlformats.org/presentationml/2006/main" xmlns:c="http://schemas.openxmlformats.org/drawingml/2006/chart" xmlns:dgm="http://schemas.openxmlformats.org/drawingml/2006/diagram" xmlns:o="urn:schemas-microsoft-com:office:office" xmlns:v="urn:schemas-microsoft-com:vml" xmlns:pvml="urn:schemas-microsoft-com:office:powerpoint" xmlns:com="http://schemas.openxmlformats.org/drawingml/2006/compatibility" xmlns:p14="http://schemas.microsoft.com/office/powerpoint/2010/main" xmlns:p15="http://schemas.microsoft.com/office/powerpoint/2012/main" xmlns:ahyp="http://schemas.microsoft.com/office/drawing/2018/hyperlinkcolor">
+<file path=ppt/slides/slide5.xml><?xml version="1.0" encoding="utf-8"?>
+<p:sld xmlns:a="http://schemas.openxmlformats.org/drawingml/2006/main" xmlns:r="http://schemas.openxmlformats.org/officeDocument/2006/relationships" xmlns:p="http://schemas.openxmlformats.org/presentationml/2006/main">
   <p:cSld>
     <p:spTree>
       <p:nvGrpSpPr>
-        <p:cNvPr id="73" name="Shape 73"/>
+        <p:cNvPr id="1" name="Shape 73"/>
         <p:cNvGrpSpPr/>
         <p:nvPr/>
       </p:nvGrpSpPr>
@@ -6423,7 +6486,9 @@
       <p:sp>
         <p:nvSpPr>
           <p:cNvPr id="74" name="Google Shape;74;p16"/>
-          <p:cNvSpPr txBox="1"/>
+          <p:cNvSpPr txBox="1">
+            <a:spLocks noGrp="1"/>
+          </p:cNvSpPr>
           <p:nvPr>
             <p:ph type="title"/>
           </p:nvPr>
@@ -6438,12 +6503,12 @@
           </a:prstGeom>
         </p:spPr>
         <p:txBody>
-          <a:bodyPr anchorCtr="0" anchor="t" bIns="91425" lIns="91425" spcFirstLastPara="1" rIns="91425" wrap="square" tIns="91425">
+          <a:bodyPr spcFirstLastPara="1" wrap="square" lIns="91425" tIns="91425" rIns="91425" bIns="91425" anchor="t" anchorCtr="0">
             <a:normAutofit fontScale="90000"/>
           </a:bodyPr>
           <a:lstStyle/>
           <a:p>
-            <a:pPr indent="0" lvl="0" marL="0" rtl="0" algn="l">
+            <a:pPr marL="0" lvl="0" indent="0" algn="l" rtl="0">
               <a:spcBef>
                 <a:spcPts val="0"/>
               </a:spcBef>
@@ -6463,9 +6528,11 @@
       <p:sp>
         <p:nvSpPr>
           <p:cNvPr id="75" name="Google Shape;75;p16"/>
-          <p:cNvSpPr txBox="1"/>
+          <p:cNvSpPr txBox="1">
+            <a:spLocks noGrp="1"/>
+          </p:cNvSpPr>
           <p:nvPr>
-            <p:ph idx="1" type="body"/>
+            <p:ph type="body" idx="1"/>
           </p:nvPr>
         </p:nvSpPr>
         <p:spPr>
@@ -6478,12 +6545,12 @@
           </a:prstGeom>
         </p:spPr>
         <p:txBody>
-          <a:bodyPr anchorCtr="0" anchor="t" bIns="91425" lIns="91425" spcFirstLastPara="1" rIns="91425" wrap="square" tIns="91425">
+          <a:bodyPr spcFirstLastPara="1" wrap="square" lIns="91425" tIns="91425" rIns="91425" bIns="91425" anchor="t" anchorCtr="0">
             <a:normAutofit/>
           </a:bodyPr>
           <a:lstStyle/>
           <a:p>
-            <a:pPr indent="-342900" lvl="0" marL="457200" rtl="0" algn="l">
+            <a:pPr marL="457200" lvl="0" indent="-342900" algn="l" rtl="0">
               <a:spcBef>
                 <a:spcPts val="0"/>
               </a:spcBef>
@@ -6515,7 +6582,7 @@
             <a:endParaRPr/>
           </a:p>
           <a:p>
-            <a:pPr indent="-342900" lvl="0" marL="457200" rtl="0" algn="l">
+            <a:pPr marL="457200" lvl="0" indent="-342900" algn="l" rtl="0">
               <a:spcBef>
                 <a:spcPts val="0"/>
               </a:spcBef>
@@ -6532,7 +6599,7 @@
             <a:endParaRPr/>
           </a:p>
           <a:p>
-            <a:pPr indent="-342900" lvl="0" marL="457200" rtl="0" algn="l">
+            <a:pPr marL="457200" lvl="0" indent="-342900" algn="l" rtl="0">
               <a:spcBef>
                 <a:spcPts val="0"/>
               </a:spcBef>
@@ -6549,7 +6616,7 @@
             <a:endParaRPr/>
           </a:p>
           <a:p>
-            <a:pPr indent="0" lvl="0" marL="101600" marR="101600" rtl="0" algn="l">
+            <a:pPr marL="101600" marR="101600" lvl="0" indent="0" algn="l" rtl="0">
               <a:spcBef>
                 <a:spcPts val="1200"/>
               </a:spcBef>
@@ -6579,7 +6646,7 @@
             </a:endParaRPr>
           </a:p>
           <a:p>
-            <a:pPr indent="0" lvl="0" marL="0" rtl="0" algn="l">
+            <a:pPr marL="0" lvl="0" indent="0" algn="l" rtl="0">
               <a:spcBef>
                 <a:spcPts val="300"/>
               </a:spcBef>
@@ -6588,13 +6655,10 @@
               </a:spcAft>
               <a:buNone/>
             </a:pPr>
-            <a:r>
-              <a:t/>
-            </a:r>
             <a:endParaRPr/>
           </a:p>
           <a:p>
-            <a:pPr indent="0" lvl="0" marL="101600" marR="101600" rtl="0" algn="l">
+            <a:pPr marL="101600" marR="101600" lvl="0" indent="0" algn="l" rtl="0">
               <a:spcBef>
                 <a:spcPts val="1200"/>
               </a:spcBef>
@@ -6623,7 +6687,7 @@
             </a:endParaRPr>
           </a:p>
           <a:p>
-            <a:pPr indent="0" lvl="0" marL="101600" marR="101600" rtl="0" algn="l">
+            <a:pPr marL="101600" marR="101600" lvl="0" indent="0" algn="l" rtl="0">
               <a:spcBef>
                 <a:spcPts val="300"/>
               </a:spcBef>
@@ -6652,7 +6716,7 @@
             </a:endParaRPr>
           </a:p>
           <a:p>
-            <a:pPr indent="0" lvl="0" marL="0" rtl="0" algn="l">
+            <a:pPr marL="0" lvl="0" indent="0" algn="l" rtl="0">
               <a:spcBef>
                 <a:spcPts val="300"/>
               </a:spcBef>
@@ -6661,13 +6725,10 @@
               </a:spcAft>
               <a:buNone/>
             </a:pPr>
-            <a:r>
-              <a:t/>
-            </a:r>
             <a:endParaRPr/>
           </a:p>
           <a:p>
-            <a:pPr indent="0" lvl="0" marL="0" rtl="0" algn="l">
+            <a:pPr marL="0" lvl="0" indent="0" algn="l" rtl="0">
               <a:spcBef>
                 <a:spcPts val="1200"/>
               </a:spcBef>
@@ -6676,9 +6737,6 @@
               </a:spcAft>
               <a:buNone/>
             </a:pPr>
-            <a:r>
-              <a:t/>
-            </a:r>
             <a:endParaRPr/>
           </a:p>
         </p:txBody>
@@ -6691,12 +6749,12 @@
 </p:sld>
 </file>
 
-<file path=ppt/slides/slide5.xml><?xml version="1.0" encoding="utf-8"?>
-<p:sld xmlns:a="http://schemas.openxmlformats.org/drawingml/2006/main" xmlns:r="http://schemas.openxmlformats.org/officeDocument/2006/relationships" xmlns:mc="http://schemas.openxmlformats.org/markup-compatibility/2006" xmlns:mv="urn:schemas-microsoft-com:mac:vml" xmlns:p="http://schemas.openxmlformats.org/presentationml/2006/main" xmlns:c="http://schemas.openxmlformats.org/drawingml/2006/chart" xmlns:dgm="http://schemas.openxmlformats.org/drawingml/2006/diagram" xmlns:o="urn:schemas-microsoft-com:office:office" xmlns:v="urn:schemas-microsoft-com:vml" xmlns:pvml="urn:schemas-microsoft-com:office:powerpoint" xmlns:com="http://schemas.openxmlformats.org/drawingml/2006/compatibility" xmlns:p14="http://schemas.microsoft.com/office/powerpoint/2010/main" xmlns:p15="http://schemas.microsoft.com/office/powerpoint/2012/main" xmlns:ahyp="http://schemas.microsoft.com/office/drawing/2018/hyperlinkcolor">
+<file path=ppt/slides/slide6.xml><?xml version="1.0" encoding="utf-8"?>
+<p:sld xmlns:a="http://schemas.openxmlformats.org/drawingml/2006/main" xmlns:r="http://schemas.openxmlformats.org/officeDocument/2006/relationships" xmlns:p="http://schemas.openxmlformats.org/presentationml/2006/main">
   <p:cSld>
     <p:spTree>
       <p:nvGrpSpPr>
-        <p:cNvPr id="79" name="Shape 79"/>
+        <p:cNvPr id="1" name="Shape 79"/>
         <p:cNvGrpSpPr/>
         <p:nvPr/>
       </p:nvGrpSpPr>
@@ -6711,7 +6769,9 @@
       <p:sp>
         <p:nvSpPr>
           <p:cNvPr id="80" name="Google Shape;80;p17"/>
-          <p:cNvSpPr txBox="1"/>
+          <p:cNvSpPr txBox="1">
+            <a:spLocks noGrp="1"/>
+          </p:cNvSpPr>
           <p:nvPr>
             <p:ph type="title"/>
           </p:nvPr>
@@ -6726,12 +6786,12 @@
           </a:prstGeom>
         </p:spPr>
         <p:txBody>
-          <a:bodyPr anchorCtr="0" anchor="t" bIns="91425" lIns="91425" spcFirstLastPara="1" rIns="91425" wrap="square" tIns="91425">
+          <a:bodyPr spcFirstLastPara="1" wrap="square" lIns="91425" tIns="91425" rIns="91425" bIns="91425" anchor="t" anchorCtr="0">
             <a:normAutofit fontScale="90000"/>
           </a:bodyPr>
           <a:lstStyle/>
           <a:p>
-            <a:pPr indent="0" lvl="0" marL="0" rtl="0" algn="l">
+            <a:pPr marL="0" lvl="0" indent="0" algn="l" rtl="0">
               <a:spcBef>
                 <a:spcPts val="0"/>
               </a:spcBef>
@@ -6751,9 +6811,11 @@
       <p:sp>
         <p:nvSpPr>
           <p:cNvPr id="81" name="Google Shape;81;p17"/>
-          <p:cNvSpPr txBox="1"/>
+          <p:cNvSpPr txBox="1">
+            <a:spLocks noGrp="1"/>
+          </p:cNvSpPr>
           <p:nvPr>
-            <p:ph idx="1" type="body"/>
+            <p:ph type="body" idx="1"/>
           </p:nvPr>
         </p:nvSpPr>
         <p:spPr>
@@ -6766,12 +6828,12 @@
           </a:prstGeom>
         </p:spPr>
         <p:txBody>
-          <a:bodyPr anchorCtr="0" anchor="t" bIns="91425" lIns="91425" spcFirstLastPara="1" rIns="91425" wrap="square" tIns="91425">
+          <a:bodyPr spcFirstLastPara="1" wrap="square" lIns="91425" tIns="91425" rIns="91425" bIns="91425" anchor="t" anchorCtr="0">
             <a:normAutofit/>
           </a:bodyPr>
           <a:lstStyle/>
           <a:p>
-            <a:pPr indent="0" lvl="0" marL="0" rtl="0" algn="l">
+            <a:pPr marL="0" lvl="0" indent="0" algn="l" rtl="0">
               <a:spcBef>
                 <a:spcPts val="0"/>
               </a:spcBef>
@@ -6780,9 +6842,6 @@
               </a:spcAft>
               <a:buNone/>
             </a:pPr>
-            <a:r>
-              <a:t/>
-            </a:r>
             <a:endParaRPr/>
           </a:p>
         </p:txBody>
@@ -6823,12 +6882,12 @@
 </p:sld>
 </file>
 
-<file path=ppt/slides/slide6.xml><?xml version="1.0" encoding="utf-8"?>
-<p:sld xmlns:a="http://schemas.openxmlformats.org/drawingml/2006/main" xmlns:r="http://schemas.openxmlformats.org/officeDocument/2006/relationships" xmlns:mc="http://schemas.openxmlformats.org/markup-compatibility/2006" xmlns:mv="urn:schemas-microsoft-com:mac:vml" xmlns:p="http://schemas.openxmlformats.org/presentationml/2006/main" xmlns:c="http://schemas.openxmlformats.org/drawingml/2006/chart" xmlns:dgm="http://schemas.openxmlformats.org/drawingml/2006/diagram" xmlns:o="urn:schemas-microsoft-com:office:office" xmlns:v="urn:schemas-microsoft-com:vml" xmlns:pvml="urn:schemas-microsoft-com:office:powerpoint" xmlns:com="http://schemas.openxmlformats.org/drawingml/2006/compatibility" xmlns:p14="http://schemas.microsoft.com/office/powerpoint/2010/main" xmlns:p15="http://schemas.microsoft.com/office/powerpoint/2012/main" xmlns:ahyp="http://schemas.microsoft.com/office/drawing/2018/hyperlinkcolor">
+<file path=ppt/slides/slide7.xml><?xml version="1.0" encoding="utf-8"?>
+<p:sld xmlns:a="http://schemas.openxmlformats.org/drawingml/2006/main" xmlns:r="http://schemas.openxmlformats.org/officeDocument/2006/relationships" xmlns:p="http://schemas.openxmlformats.org/presentationml/2006/main">
   <p:cSld>
     <p:spTree>
       <p:nvGrpSpPr>
-        <p:cNvPr id="86" name="Shape 86"/>
+        <p:cNvPr id="1" name="Shape 86"/>
         <p:cNvGrpSpPr/>
         <p:nvPr/>
       </p:nvGrpSpPr>
@@ -6843,7 +6902,9 @@
       <p:sp>
         <p:nvSpPr>
           <p:cNvPr id="87" name="Google Shape;87;p18"/>
-          <p:cNvSpPr txBox="1"/>
+          <p:cNvSpPr txBox="1">
+            <a:spLocks noGrp="1"/>
+          </p:cNvSpPr>
           <p:nvPr>
             <p:ph type="title"/>
           </p:nvPr>
@@ -6858,12 +6919,12 @@
           </a:prstGeom>
         </p:spPr>
         <p:txBody>
-          <a:bodyPr anchorCtr="0" anchor="t" bIns="91425" lIns="91425" spcFirstLastPara="1" rIns="91425" wrap="square" tIns="91425">
+          <a:bodyPr spcFirstLastPara="1" wrap="square" lIns="91425" tIns="91425" rIns="91425" bIns="91425" anchor="t" anchorCtr="0">
             <a:normAutofit fontScale="90000"/>
           </a:bodyPr>
           <a:lstStyle/>
           <a:p>
-            <a:pPr indent="0" lvl="0" marL="0" rtl="0" algn="l">
+            <a:pPr marL="0" lvl="0" indent="0" algn="l" rtl="0">
               <a:spcBef>
                 <a:spcPts val="0"/>
               </a:spcBef>
@@ -6883,9 +6944,11 @@
       <p:sp>
         <p:nvSpPr>
           <p:cNvPr id="88" name="Google Shape;88;p18"/>
-          <p:cNvSpPr txBox="1"/>
+          <p:cNvSpPr txBox="1">
+            <a:spLocks noGrp="1"/>
+          </p:cNvSpPr>
           <p:nvPr>
-            <p:ph idx="1" type="body"/>
+            <p:ph type="body" idx="1"/>
           </p:nvPr>
         </p:nvSpPr>
         <p:spPr>
@@ -6898,12 +6961,12 @@
           </a:prstGeom>
         </p:spPr>
         <p:txBody>
-          <a:bodyPr anchorCtr="0" anchor="t" bIns="91425" lIns="91425" spcFirstLastPara="1" rIns="91425" wrap="square" tIns="91425">
+          <a:bodyPr spcFirstLastPara="1" wrap="square" lIns="91425" tIns="91425" rIns="91425" bIns="91425" anchor="t" anchorCtr="0">
             <a:normAutofit/>
           </a:bodyPr>
           <a:lstStyle/>
           <a:p>
-            <a:pPr indent="0" lvl="0" marL="0" rtl="0" algn="l">
+            <a:pPr marL="0" lvl="0" indent="0" algn="l" rtl="0">
               <a:spcBef>
                 <a:spcPts val="0"/>
               </a:spcBef>
@@ -6912,9 +6975,6 @@
               </a:spcAft>
               <a:buNone/>
             </a:pPr>
-            <a:r>
-              <a:t/>
-            </a:r>
             <a:endParaRPr/>
           </a:p>
         </p:txBody>
@@ -6955,12 +7015,127 @@
 </p:sld>
 </file>
 
-<file path=ppt/slides/slide7.xml><?xml version="1.0" encoding="utf-8"?>
-<p:sld xmlns:a="http://schemas.openxmlformats.org/drawingml/2006/main" xmlns:r="http://schemas.openxmlformats.org/officeDocument/2006/relationships" xmlns:mc="http://schemas.openxmlformats.org/markup-compatibility/2006" xmlns:mv="urn:schemas-microsoft-com:mac:vml" xmlns:p="http://schemas.openxmlformats.org/presentationml/2006/main" xmlns:c="http://schemas.openxmlformats.org/drawingml/2006/chart" xmlns:dgm="http://schemas.openxmlformats.org/drawingml/2006/diagram" xmlns:o="urn:schemas-microsoft-com:office:office" xmlns:v="urn:schemas-microsoft-com:vml" xmlns:pvml="urn:schemas-microsoft-com:office:powerpoint" xmlns:com="http://schemas.openxmlformats.org/drawingml/2006/compatibility" xmlns:p14="http://schemas.microsoft.com/office/powerpoint/2010/main" xmlns:p15="http://schemas.microsoft.com/office/powerpoint/2012/main" xmlns:ahyp="http://schemas.microsoft.com/office/drawing/2018/hyperlinkcolor">
+<file path=ppt/slides/slide8.xml><?xml version="1.0" encoding="utf-8"?>
+<p:sld xmlns:a="http://schemas.openxmlformats.org/drawingml/2006/main" xmlns:r="http://schemas.openxmlformats.org/officeDocument/2006/relationships" xmlns:p="http://schemas.openxmlformats.org/presentationml/2006/main">
   <p:cSld>
     <p:spTree>
       <p:nvGrpSpPr>
-        <p:cNvPr id="93" name="Shape 93"/>
+        <p:cNvPr id="1" name=""/>
+        <p:cNvGrpSpPr/>
+        <p:nvPr/>
+      </p:nvGrpSpPr>
+      <p:grpSpPr>
+        <a:xfrm>
+          <a:off x="0" y="0"/>
+          <a:ext cx="0" cy="0"/>
+          <a:chOff x="0" y="0"/>
+          <a:chExt cx="0" cy="0"/>
+        </a:xfrm>
+      </p:grpSpPr>
+      <p:sp>
+        <p:nvSpPr>
+          <p:cNvPr id="2" name="Title 1">
+            <a:extLst>
+              <a:ext uri="{FF2B5EF4-FFF2-40B4-BE49-F238E27FC236}">
+                <a16:creationId xmlns:a16="http://schemas.microsoft.com/office/drawing/2014/main" id="{4C6EF785-8B66-4D99-8012-5F870A8C9711}"/>
+              </a:ext>
+            </a:extLst>
+          </p:cNvPr>
+          <p:cNvSpPr>
+            <a:spLocks noGrp="1"/>
+          </p:cNvSpPr>
+          <p:nvPr>
+            <p:ph type="title"/>
+          </p:nvPr>
+        </p:nvSpPr>
+        <p:spPr/>
+        <p:txBody>
+          <a:bodyPr>
+            <a:normAutofit fontScale="90000"/>
+          </a:bodyPr>
+          <a:lstStyle/>
+          <a:p>
+            <a:r>
+              <a:rPr lang="en-US" dirty="0"/>
+              <a:t>Apply try-catch</a:t>
+            </a:r>
+          </a:p>
+        </p:txBody>
+      </p:sp>
+      <p:sp>
+        <p:nvSpPr>
+          <p:cNvPr id="3" name="Text Placeholder 2">
+            <a:extLst>
+              <a:ext uri="{FF2B5EF4-FFF2-40B4-BE49-F238E27FC236}">
+                <a16:creationId xmlns:a16="http://schemas.microsoft.com/office/drawing/2014/main" id="{269E06E6-4EE6-46EC-BDD8-914CFB0DEF07}"/>
+              </a:ext>
+            </a:extLst>
+          </p:cNvPr>
+          <p:cNvSpPr>
+            <a:spLocks noGrp="1"/>
+          </p:cNvSpPr>
+          <p:nvPr>
+            <p:ph type="body" idx="1"/>
+          </p:nvPr>
+        </p:nvSpPr>
+        <p:spPr/>
+        <p:txBody>
+          <a:bodyPr/>
+          <a:lstStyle/>
+          <a:p>
+            <a:endParaRPr lang="en-US"/>
+          </a:p>
+        </p:txBody>
+      </p:sp>
+      <p:pic>
+        <p:nvPicPr>
+          <p:cNvPr id="5" name="Picture 4">
+            <a:extLst>
+              <a:ext uri="{FF2B5EF4-FFF2-40B4-BE49-F238E27FC236}">
+                <a16:creationId xmlns:a16="http://schemas.microsoft.com/office/drawing/2014/main" id="{C0AD9926-4988-4FCA-846D-6DB544A5D384}"/>
+              </a:ext>
+            </a:extLst>
+          </p:cNvPr>
+          <p:cNvPicPr>
+            <a:picLocks noChangeAspect="1"/>
+          </p:cNvPicPr>
+          <p:nvPr/>
+        </p:nvPicPr>
+        <p:blipFill>
+          <a:blip r:embed="rId2"/>
+          <a:stretch>
+            <a:fillRect/>
+          </a:stretch>
+        </p:blipFill>
+        <p:spPr>
+          <a:xfrm>
+            <a:off x="3526135" y="445025"/>
+            <a:ext cx="5306165" cy="4382112"/>
+          </a:xfrm>
+          <a:prstGeom prst="rect">
+            <a:avLst/>
+          </a:prstGeom>
+        </p:spPr>
+      </p:pic>
+    </p:spTree>
+    <p:extLst>
+      <p:ext uri="{BB962C8B-B14F-4D97-AF65-F5344CB8AC3E}">
+        <p14:creationId xmlns:p14="http://schemas.microsoft.com/office/powerpoint/2010/main" val="2877774371"/>
+      </p:ext>
+    </p:extLst>
+  </p:cSld>
+  <p:clrMapOvr>
+    <a:masterClrMapping/>
+  </p:clrMapOvr>
+</p:sld>
+</file>
+
+<file path=ppt/slides/slide9.xml><?xml version="1.0" encoding="utf-8"?>
+<p:sld xmlns:a="http://schemas.openxmlformats.org/drawingml/2006/main" xmlns:r="http://schemas.openxmlformats.org/officeDocument/2006/relationships" xmlns:p="http://schemas.openxmlformats.org/presentationml/2006/main">
+  <p:cSld>
+    <p:spTree>
+      <p:nvGrpSpPr>
+        <p:cNvPr id="1" name="Shape 93"/>
         <p:cNvGrpSpPr/>
         <p:nvPr/>
       </p:nvGrpSpPr>
@@ -6975,7 +7150,9 @@
       <p:sp>
         <p:nvSpPr>
           <p:cNvPr id="94" name="Google Shape;94;p19"/>
-          <p:cNvSpPr txBox="1"/>
+          <p:cNvSpPr txBox="1">
+            <a:spLocks noGrp="1"/>
+          </p:cNvSpPr>
           <p:nvPr>
             <p:ph type="title"/>
           </p:nvPr>
@@ -6990,12 +7167,12 @@
           </a:prstGeom>
         </p:spPr>
         <p:txBody>
-          <a:bodyPr anchorCtr="0" anchor="t" bIns="91425" lIns="91425" spcFirstLastPara="1" rIns="91425" wrap="square" tIns="91425">
+          <a:bodyPr spcFirstLastPara="1" wrap="square" lIns="91425" tIns="91425" rIns="91425" bIns="91425" anchor="t" anchorCtr="0">
             <a:normAutofit fontScale="90000"/>
           </a:bodyPr>
           <a:lstStyle/>
           <a:p>
-            <a:pPr indent="0" lvl="0" marL="0" rtl="0" algn="l">
+            <a:pPr marL="0" lvl="0" indent="0" algn="l" rtl="0">
               <a:spcBef>
                 <a:spcPts val="0"/>
               </a:spcBef>
@@ -7015,9 +7192,11 @@
       <p:sp>
         <p:nvSpPr>
           <p:cNvPr id="95" name="Google Shape;95;p19"/>
-          <p:cNvSpPr txBox="1"/>
+          <p:cNvSpPr txBox="1">
+            <a:spLocks noGrp="1"/>
+          </p:cNvSpPr>
           <p:nvPr>
-            <p:ph idx="1" type="body"/>
+            <p:ph type="body" idx="1"/>
           </p:nvPr>
         </p:nvSpPr>
         <p:spPr>
@@ -7030,12 +7209,12 @@
           </a:prstGeom>
         </p:spPr>
         <p:txBody>
-          <a:bodyPr anchorCtr="0" anchor="t" bIns="91425" lIns="91425" spcFirstLastPara="1" rIns="91425" wrap="square" tIns="91425">
+          <a:bodyPr spcFirstLastPara="1" wrap="square" lIns="91425" tIns="91425" rIns="91425" bIns="91425" anchor="t" anchorCtr="0">
             <a:normAutofit/>
           </a:bodyPr>
           <a:lstStyle/>
           <a:p>
-            <a:pPr indent="0" lvl="0" marL="0" rtl="0" algn="l">
+            <a:pPr marL="0" lvl="0" indent="0" algn="l" rtl="0">
               <a:spcBef>
                 <a:spcPts val="0"/>
               </a:spcBef>
@@ -7050,13 +7229,13 @@
               <a:buNone/>
             </a:pPr>
             <a:r>
-              <a:rPr lang="en"/>
+              <a:rPr lang="en" dirty="0"/>
               <a:t>Concepts:</a:t>
             </a:r>
-            <a:endParaRPr/>
+            <a:endParaRPr dirty="0"/>
           </a:p>
           <a:p>
-            <a:pPr indent="-342900" lvl="0" marL="457200" rtl="0" algn="l">
+            <a:pPr marL="457200" lvl="0" indent="-342900" algn="l" rtl="0">
               <a:spcBef>
                 <a:spcPts val="1200"/>
               </a:spcBef>
@@ -7067,13 +7246,13 @@
               <a:buChar char="-"/>
             </a:pPr>
             <a:r>
-              <a:rPr lang="en"/>
+              <a:rPr lang="en" dirty="0"/>
               <a:t>User input for two numbers.</a:t>
             </a:r>
-            <a:endParaRPr/>
+            <a:endParaRPr dirty="0"/>
           </a:p>
           <a:p>
-            <a:pPr indent="-342900" lvl="0" marL="457200" rtl="0" algn="l">
+            <a:pPr marL="457200" lvl="0" indent="-342900" algn="l" rtl="0">
               <a:spcBef>
                 <a:spcPts val="0"/>
               </a:spcBef>
@@ -7084,13 +7263,13 @@
               <a:buChar char="-"/>
             </a:pPr>
             <a:r>
-              <a:rPr lang="en"/>
+              <a:rPr lang="en" dirty="0"/>
               <a:t>Performing arithmetic operations.</a:t>
             </a:r>
-            <a:endParaRPr/>
+            <a:endParaRPr dirty="0"/>
           </a:p>
           <a:p>
-            <a:pPr indent="-342900" lvl="0" marL="457200" rtl="0" algn="l">
+            <a:pPr marL="457200" lvl="0" indent="-342900" algn="l" rtl="0">
               <a:spcBef>
                 <a:spcPts val="0"/>
               </a:spcBef>
@@ -7101,13 +7280,13 @@
               <a:buChar char="-"/>
             </a:pPr>
             <a:r>
-              <a:rPr lang="en"/>
+              <a:rPr lang="en" dirty="0"/>
               <a:t>Checking if results are odd or even.</a:t>
             </a:r>
-            <a:endParaRPr/>
+            <a:endParaRPr dirty="0"/>
           </a:p>
           <a:p>
-            <a:pPr indent="-342900" lvl="0" marL="457200" rtl="0" algn="l">
+            <a:pPr marL="457200" lvl="0" indent="-342900" algn="l" rtl="0">
               <a:spcBef>
                 <a:spcPts val="0"/>
               </a:spcBef>
@@ -7118,13 +7297,13 @@
               <a:buChar char="-"/>
             </a:pPr>
             <a:r>
-              <a:rPr lang="en"/>
+              <a:rPr lang="en" dirty="0"/>
               <a:t>Validating input.</a:t>
             </a:r>
-            <a:endParaRPr/>
+            <a:endParaRPr dirty="0"/>
           </a:p>
           <a:p>
-            <a:pPr indent="0" lvl="0" marL="0" rtl="0" algn="l">
+            <a:pPr marL="0" lvl="0" indent="0" algn="l" rtl="0">
               <a:spcBef>
                 <a:spcPts val="1200"/>
               </a:spcBef>
@@ -7133,10 +7312,7 @@
               </a:spcAft>
               <a:buNone/>
             </a:pPr>
-            <a:r>
-              <a:t/>
-            </a:r>
-            <a:endParaRPr/>
+            <a:endParaRPr dirty="0"/>
           </a:p>
         </p:txBody>
       </p:sp>
@@ -7149,7 +7325,288 @@
 </file>
 
 <file path=ppt/theme/theme1.xml><?xml version="1.0" encoding="utf-8"?>
-<a:theme xmlns:a="http://schemas.openxmlformats.org/drawingml/2006/main" xmlns:r="http://schemas.openxmlformats.org/officeDocument/2006/relationships">
+<a:theme xmlns:a="http://schemas.openxmlformats.org/drawingml/2006/main" name="Simple Light">
+  <a:themeElements>
+    <a:clrScheme name="Simple Light">
+      <a:dk1>
+        <a:srgbClr val="000000"/>
+      </a:dk1>
+      <a:lt1>
+        <a:srgbClr val="FFFFFF"/>
+      </a:lt1>
+      <a:dk2>
+        <a:srgbClr val="595959"/>
+      </a:dk2>
+      <a:lt2>
+        <a:srgbClr val="EEEEEE"/>
+      </a:lt2>
+      <a:accent1>
+        <a:srgbClr val="4285F4"/>
+      </a:accent1>
+      <a:accent2>
+        <a:srgbClr val="212121"/>
+      </a:accent2>
+      <a:accent3>
+        <a:srgbClr val="78909C"/>
+      </a:accent3>
+      <a:accent4>
+        <a:srgbClr val="FFAB40"/>
+      </a:accent4>
+      <a:accent5>
+        <a:srgbClr val="0097A7"/>
+      </a:accent5>
+      <a:accent6>
+        <a:srgbClr val="EEFF41"/>
+      </a:accent6>
+      <a:hlink>
+        <a:srgbClr val="0097A7"/>
+      </a:hlink>
+      <a:folHlink>
+        <a:srgbClr val="0097A7"/>
+      </a:folHlink>
+    </a:clrScheme>
+    <a:fontScheme name="Office">
+      <a:majorFont>
+        <a:latin typeface="Arial"/>
+        <a:ea typeface=""/>
+        <a:cs typeface=""/>
+        <a:font script="Jpan" typeface="ＭＳ Ｐゴシック"/>
+        <a:font script="Hang" typeface="맑은 고딕"/>
+        <a:font script="Hans" typeface="宋体"/>
+        <a:font script="Hant" typeface="新細明體"/>
+        <a:font script="Arab" typeface="Times New Roman"/>
+        <a:font script="Hebr" typeface="Times New Roman"/>
+        <a:font script="Thai" typeface="Angsana New"/>
+        <a:font script="Ethi" typeface="Nyala"/>
+        <a:font script="Beng" typeface="Vrinda"/>
+        <a:font script="Gujr" typeface="Shruti"/>
+        <a:font script="Khmr" typeface="MoolBoran"/>
+        <a:font script="Knda" typeface="Tunga"/>
+        <a:font script="Guru" typeface="Raavi"/>
+        <a:font script="Cans" typeface="Euphemia"/>
+        <a:font script="Cher" typeface="Plantagenet Cherokee"/>
+        <a:font script="Yiii" typeface="Microsoft Yi Baiti"/>
+        <a:font script="Tibt" typeface="Microsoft Himalaya"/>
+        <a:font script="Thaa" typeface="MV Boli"/>
+        <a:font script="Deva" typeface="Mangal"/>
+        <a:font script="Telu" typeface="Gautami"/>
+        <a:font script="Taml" typeface="Latha"/>
+        <a:font script="Syrc" typeface="Estrangelo Edessa"/>
+        <a:font script="Orya" typeface="Kalinga"/>
+        <a:font script="Mlym" typeface="Kartika"/>
+        <a:font script="Laoo" typeface="DokChampa"/>
+        <a:font script="Sinh" typeface="Iskoola Pota"/>
+        <a:font script="Mong" typeface="Mongolian Baiti"/>
+        <a:font script="Viet" typeface="Times New Roman"/>
+        <a:font script="Uigh" typeface="Microsoft Uighur"/>
+        <a:font script="Geor" typeface="Sylfaen"/>
+      </a:majorFont>
+      <a:minorFont>
+        <a:latin typeface="Arial"/>
+        <a:ea typeface=""/>
+        <a:cs typeface=""/>
+        <a:font script="Jpan" typeface="ＭＳ Ｐゴシック"/>
+        <a:font script="Hang" typeface="맑은 고딕"/>
+        <a:font script="Hans" typeface="宋体"/>
+        <a:font script="Hant" typeface="新細明體"/>
+        <a:font script="Arab" typeface="Arial"/>
+        <a:font script="Hebr" typeface="Arial"/>
+        <a:font script="Thai" typeface="Cordia New"/>
+        <a:font script="Ethi" typeface="Nyala"/>
+        <a:font script="Beng" typeface="Vrinda"/>
+        <a:font script="Gujr" typeface="Shruti"/>
+        <a:font script="Khmr" typeface="DaunPenh"/>
+        <a:font script="Knda" typeface="Tunga"/>
+        <a:font script="Guru" typeface="Raavi"/>
+        <a:font script="Cans" typeface="Euphemia"/>
+        <a:font script="Cher" typeface="Plantagenet Cherokee"/>
+        <a:font script="Yiii" typeface="Microsoft Yi Baiti"/>
+        <a:font script="Tibt" typeface="Microsoft Himalaya"/>
+        <a:font script="Thaa" typeface="MV Boli"/>
+        <a:font script="Deva" typeface="Mangal"/>
+        <a:font script="Telu" typeface="Gautami"/>
+        <a:font script="Taml" typeface="Latha"/>
+        <a:font script="Syrc" typeface="Estrangelo Edessa"/>
+        <a:font script="Orya" typeface="Kalinga"/>
+        <a:font script="Mlym" typeface="Kartika"/>
+        <a:font script="Laoo" typeface="DokChampa"/>
+        <a:font script="Sinh" typeface="Iskoola Pota"/>
+        <a:font script="Mong" typeface="Mongolian Baiti"/>
+        <a:font script="Viet" typeface="Arial"/>
+        <a:font script="Uigh" typeface="Microsoft Uighur"/>
+        <a:font script="Geor" typeface="Sylfaen"/>
+      </a:minorFont>
+    </a:fontScheme>
+    <a:fmtScheme name="Office">
+      <a:fillStyleLst>
+        <a:solidFill>
+          <a:schemeClr val="phClr"/>
+        </a:solidFill>
+        <a:gradFill rotWithShape="1">
+          <a:gsLst>
+            <a:gs pos="0">
+              <a:schemeClr val="phClr">
+                <a:tint val="50000"/>
+                <a:satMod val="300000"/>
+              </a:schemeClr>
+            </a:gs>
+            <a:gs pos="35000">
+              <a:schemeClr val="phClr">
+                <a:tint val="37000"/>
+                <a:satMod val="300000"/>
+              </a:schemeClr>
+            </a:gs>
+            <a:gs pos="100000">
+              <a:schemeClr val="phClr">
+                <a:tint val="15000"/>
+                <a:satMod val="350000"/>
+              </a:schemeClr>
+            </a:gs>
+          </a:gsLst>
+          <a:lin ang="16200000" scaled="1"/>
+        </a:gradFill>
+        <a:gradFill rotWithShape="1">
+          <a:gsLst>
+            <a:gs pos="0">
+              <a:schemeClr val="phClr">
+                <a:tint val="100000"/>
+                <a:shade val="100000"/>
+                <a:satMod val="130000"/>
+              </a:schemeClr>
+            </a:gs>
+            <a:gs pos="100000">
+              <a:schemeClr val="phClr">
+                <a:tint val="50000"/>
+                <a:shade val="100000"/>
+                <a:satMod val="350000"/>
+              </a:schemeClr>
+            </a:gs>
+          </a:gsLst>
+          <a:lin ang="16200000" scaled="0"/>
+        </a:gradFill>
+      </a:fillStyleLst>
+      <a:lnStyleLst>
+        <a:ln w="9525" cap="flat" cmpd="sng" algn="ctr">
+          <a:solidFill>
+            <a:schemeClr val="phClr">
+              <a:shade val="95000"/>
+              <a:satMod val="105000"/>
+            </a:schemeClr>
+          </a:solidFill>
+          <a:prstDash val="solid"/>
+        </a:ln>
+        <a:ln w="25400" cap="flat" cmpd="sng" algn="ctr">
+          <a:solidFill>
+            <a:schemeClr val="phClr"/>
+          </a:solidFill>
+          <a:prstDash val="solid"/>
+        </a:ln>
+        <a:ln w="38100" cap="flat" cmpd="sng" algn="ctr">
+          <a:solidFill>
+            <a:schemeClr val="phClr"/>
+          </a:solidFill>
+          <a:prstDash val="solid"/>
+        </a:ln>
+      </a:lnStyleLst>
+      <a:effectStyleLst>
+        <a:effectStyle>
+          <a:effectLst>
+            <a:outerShdw blurRad="40000" dist="20000" dir="5400000" rotWithShape="0">
+              <a:srgbClr val="000000">
+                <a:alpha val="38000"/>
+              </a:srgbClr>
+            </a:outerShdw>
+          </a:effectLst>
+        </a:effectStyle>
+        <a:effectStyle>
+          <a:effectLst>
+            <a:outerShdw blurRad="40000" dist="23000" dir="5400000" rotWithShape="0">
+              <a:srgbClr val="000000">
+                <a:alpha val="35000"/>
+              </a:srgbClr>
+            </a:outerShdw>
+          </a:effectLst>
+        </a:effectStyle>
+        <a:effectStyle>
+          <a:effectLst>
+            <a:outerShdw blurRad="40000" dist="23000" dir="5400000" rotWithShape="0">
+              <a:srgbClr val="000000">
+                <a:alpha val="35000"/>
+              </a:srgbClr>
+            </a:outerShdw>
+          </a:effectLst>
+          <a:scene3d>
+            <a:camera prst="orthographicFront">
+              <a:rot lat="0" lon="0" rev="0"/>
+            </a:camera>
+            <a:lightRig rig="threePt" dir="t">
+              <a:rot lat="0" lon="0" rev="1200000"/>
+            </a:lightRig>
+          </a:scene3d>
+          <a:sp3d>
+            <a:bevelT w="63500" h="25400"/>
+          </a:sp3d>
+        </a:effectStyle>
+      </a:effectStyleLst>
+      <a:bgFillStyleLst>
+        <a:solidFill>
+          <a:schemeClr val="phClr"/>
+        </a:solidFill>
+        <a:gradFill rotWithShape="1">
+          <a:gsLst>
+            <a:gs pos="0">
+              <a:schemeClr val="phClr">
+                <a:tint val="40000"/>
+                <a:satMod val="350000"/>
+              </a:schemeClr>
+            </a:gs>
+            <a:gs pos="40000">
+              <a:schemeClr val="phClr">
+                <a:tint val="45000"/>
+                <a:shade val="99000"/>
+                <a:satMod val="350000"/>
+              </a:schemeClr>
+            </a:gs>
+            <a:gs pos="100000">
+              <a:schemeClr val="phClr">
+                <a:shade val="20000"/>
+                <a:satMod val="255000"/>
+              </a:schemeClr>
+            </a:gs>
+          </a:gsLst>
+          <a:path path="circle">
+            <a:fillToRect l="50000" t="-80000" r="50000" b="180000"/>
+          </a:path>
+        </a:gradFill>
+        <a:gradFill rotWithShape="1">
+          <a:gsLst>
+            <a:gs pos="0">
+              <a:schemeClr val="phClr">
+                <a:tint val="80000"/>
+                <a:satMod val="300000"/>
+              </a:schemeClr>
+            </a:gs>
+            <a:gs pos="100000">
+              <a:schemeClr val="phClr">
+                <a:shade val="30000"/>
+                <a:satMod val="200000"/>
+              </a:schemeClr>
+            </a:gs>
+          </a:gsLst>
+          <a:path path="circle">
+            <a:fillToRect l="50000" t="50000" r="50000" b="50000"/>
+          </a:path>
+        </a:gradFill>
+      </a:bgFillStyleLst>
+    </a:fmtScheme>
+  </a:themeElements>
+  <a:objectDefaults/>
+  <a:extraClrSchemeLst/>
+</a:theme>
+</file>
+
+<file path=ppt/theme/theme2.xml><?xml version="1.0" encoding="utf-8"?>
+<a:theme xmlns:a="http://schemas.openxmlformats.org/drawingml/2006/main">
   <a:themeElements>
     <a:clrScheme name="Default">
       <a:dk1>
@@ -7424,284 +7881,7 @@
       </a:bgFillStyleLst>
     </a:fmtScheme>
   </a:themeElements>
-</a:theme>
-</file>
-
-<file path=ppt/theme/theme2.xml><?xml version="1.0" encoding="utf-8"?>
-<a:theme xmlns:a="http://schemas.openxmlformats.org/drawingml/2006/main" xmlns:r="http://schemas.openxmlformats.org/officeDocument/2006/relationships" name="Simple Light">
-  <a:themeElements>
-    <a:clrScheme name="Simple Light">
-      <a:dk1>
-        <a:srgbClr val="000000"/>
-      </a:dk1>
-      <a:lt1>
-        <a:srgbClr val="FFFFFF"/>
-      </a:lt1>
-      <a:dk2>
-        <a:srgbClr val="595959"/>
-      </a:dk2>
-      <a:lt2>
-        <a:srgbClr val="EEEEEE"/>
-      </a:lt2>
-      <a:accent1>
-        <a:srgbClr val="4285F4"/>
-      </a:accent1>
-      <a:accent2>
-        <a:srgbClr val="212121"/>
-      </a:accent2>
-      <a:accent3>
-        <a:srgbClr val="78909C"/>
-      </a:accent3>
-      <a:accent4>
-        <a:srgbClr val="FFAB40"/>
-      </a:accent4>
-      <a:accent5>
-        <a:srgbClr val="0097A7"/>
-      </a:accent5>
-      <a:accent6>
-        <a:srgbClr val="EEFF41"/>
-      </a:accent6>
-      <a:hlink>
-        <a:srgbClr val="0097A7"/>
-      </a:hlink>
-      <a:folHlink>
-        <a:srgbClr val="0097A7"/>
-      </a:folHlink>
-    </a:clrScheme>
-    <a:fontScheme name="Office">
-      <a:majorFont>
-        <a:latin typeface="Arial"/>
-        <a:ea typeface=""/>
-        <a:cs typeface=""/>
-        <a:font script="Jpan" typeface="ＭＳ Ｐゴシック"/>
-        <a:font script="Hang" typeface="맑은 고딕"/>
-        <a:font script="Hans" typeface="宋体"/>
-        <a:font script="Hant" typeface="新細明體"/>
-        <a:font script="Arab" typeface="Times New Roman"/>
-        <a:font script="Hebr" typeface="Times New Roman"/>
-        <a:font script="Thai" typeface="Angsana New"/>
-        <a:font script="Ethi" typeface="Nyala"/>
-        <a:font script="Beng" typeface="Vrinda"/>
-        <a:font script="Gujr" typeface="Shruti"/>
-        <a:font script="Khmr" typeface="MoolBoran"/>
-        <a:font script="Knda" typeface="Tunga"/>
-        <a:font script="Guru" typeface="Raavi"/>
-        <a:font script="Cans" typeface="Euphemia"/>
-        <a:font script="Cher" typeface="Plantagenet Cherokee"/>
-        <a:font script="Yiii" typeface="Microsoft Yi Baiti"/>
-        <a:font script="Tibt" typeface="Microsoft Himalaya"/>
-        <a:font script="Thaa" typeface="MV Boli"/>
-        <a:font script="Deva" typeface="Mangal"/>
-        <a:font script="Telu" typeface="Gautami"/>
-        <a:font script="Taml" typeface="Latha"/>
-        <a:font script="Syrc" typeface="Estrangelo Edessa"/>
-        <a:font script="Orya" typeface="Kalinga"/>
-        <a:font script="Mlym" typeface="Kartika"/>
-        <a:font script="Laoo" typeface="DokChampa"/>
-        <a:font script="Sinh" typeface="Iskoola Pota"/>
-        <a:font script="Mong" typeface="Mongolian Baiti"/>
-        <a:font script="Viet" typeface="Times New Roman"/>
-        <a:font script="Uigh" typeface="Microsoft Uighur"/>
-        <a:font script="Geor" typeface="Sylfaen"/>
-      </a:majorFont>
-      <a:minorFont>
-        <a:latin typeface="Arial"/>
-        <a:ea typeface=""/>
-        <a:cs typeface=""/>
-        <a:font script="Jpan" typeface="ＭＳ Ｐゴシック"/>
-        <a:font script="Hang" typeface="맑은 고딕"/>
-        <a:font script="Hans" typeface="宋体"/>
-        <a:font script="Hant" typeface="新細明體"/>
-        <a:font script="Arab" typeface="Arial"/>
-        <a:font script="Hebr" typeface="Arial"/>
-        <a:font script="Thai" typeface="Cordia New"/>
-        <a:font script="Ethi" typeface="Nyala"/>
-        <a:font script="Beng" typeface="Vrinda"/>
-        <a:font script="Gujr" typeface="Shruti"/>
-        <a:font script="Khmr" typeface="DaunPenh"/>
-        <a:font script="Knda" typeface="Tunga"/>
-        <a:font script="Guru" typeface="Raavi"/>
-        <a:font script="Cans" typeface="Euphemia"/>
-        <a:font script="Cher" typeface="Plantagenet Cherokee"/>
-        <a:font script="Yiii" typeface="Microsoft Yi Baiti"/>
-        <a:font script="Tibt" typeface="Microsoft Himalaya"/>
-        <a:font script="Thaa" typeface="MV Boli"/>
-        <a:font script="Deva" typeface="Mangal"/>
-        <a:font script="Telu" typeface="Gautami"/>
-        <a:font script="Taml" typeface="Latha"/>
-        <a:font script="Syrc" typeface="Estrangelo Edessa"/>
-        <a:font script="Orya" typeface="Kalinga"/>
-        <a:font script="Mlym" typeface="Kartika"/>
-        <a:font script="Laoo" typeface="DokChampa"/>
-        <a:font script="Sinh" typeface="Iskoola Pota"/>
-        <a:font script="Mong" typeface="Mongolian Baiti"/>
-        <a:font script="Viet" typeface="Arial"/>
-        <a:font script="Uigh" typeface="Microsoft Uighur"/>
-        <a:font script="Geor" typeface="Sylfaen"/>
-      </a:minorFont>
-    </a:fontScheme>
-    <a:fmtScheme name="Office">
-      <a:fillStyleLst>
-        <a:solidFill>
-          <a:schemeClr val="phClr"/>
-        </a:solidFill>
-        <a:gradFill rotWithShape="1">
-          <a:gsLst>
-            <a:gs pos="0">
-              <a:schemeClr val="phClr">
-                <a:tint val="50000"/>
-                <a:satMod val="300000"/>
-              </a:schemeClr>
-            </a:gs>
-            <a:gs pos="35000">
-              <a:schemeClr val="phClr">
-                <a:tint val="37000"/>
-                <a:satMod val="300000"/>
-              </a:schemeClr>
-            </a:gs>
-            <a:gs pos="100000">
-              <a:schemeClr val="phClr">
-                <a:tint val="15000"/>
-                <a:satMod val="350000"/>
-              </a:schemeClr>
-            </a:gs>
-          </a:gsLst>
-          <a:lin ang="16200000" scaled="1"/>
-        </a:gradFill>
-        <a:gradFill rotWithShape="1">
-          <a:gsLst>
-            <a:gs pos="0">
-              <a:schemeClr val="phClr">
-                <a:tint val="100000"/>
-                <a:shade val="100000"/>
-                <a:satMod val="130000"/>
-              </a:schemeClr>
-            </a:gs>
-            <a:gs pos="100000">
-              <a:schemeClr val="phClr">
-                <a:tint val="50000"/>
-                <a:shade val="100000"/>
-                <a:satMod val="350000"/>
-              </a:schemeClr>
-            </a:gs>
-          </a:gsLst>
-          <a:lin ang="16200000" scaled="0"/>
-        </a:gradFill>
-      </a:fillStyleLst>
-      <a:lnStyleLst>
-        <a:ln w="9525" cap="flat" cmpd="sng" algn="ctr">
-          <a:solidFill>
-            <a:schemeClr val="phClr">
-              <a:shade val="95000"/>
-              <a:satMod val="105000"/>
-            </a:schemeClr>
-          </a:solidFill>
-          <a:prstDash val="solid"/>
-        </a:ln>
-        <a:ln w="25400" cap="flat" cmpd="sng" algn="ctr">
-          <a:solidFill>
-            <a:schemeClr val="phClr"/>
-          </a:solidFill>
-          <a:prstDash val="solid"/>
-        </a:ln>
-        <a:ln w="38100" cap="flat" cmpd="sng" algn="ctr">
-          <a:solidFill>
-            <a:schemeClr val="phClr"/>
-          </a:solidFill>
-          <a:prstDash val="solid"/>
-        </a:ln>
-      </a:lnStyleLst>
-      <a:effectStyleLst>
-        <a:effectStyle>
-          <a:effectLst>
-            <a:outerShdw blurRad="40000" dist="20000" dir="5400000" rotWithShape="0">
-              <a:srgbClr val="000000">
-                <a:alpha val="38000"/>
-              </a:srgbClr>
-            </a:outerShdw>
-          </a:effectLst>
-        </a:effectStyle>
-        <a:effectStyle>
-          <a:effectLst>
-            <a:outerShdw blurRad="40000" dist="23000" dir="5400000" rotWithShape="0">
-              <a:srgbClr val="000000">
-                <a:alpha val="35000"/>
-              </a:srgbClr>
-            </a:outerShdw>
-          </a:effectLst>
-        </a:effectStyle>
-        <a:effectStyle>
-          <a:effectLst>
-            <a:outerShdw blurRad="40000" dist="23000" dir="5400000" rotWithShape="0">
-              <a:srgbClr val="000000">
-                <a:alpha val="35000"/>
-              </a:srgbClr>
-            </a:outerShdw>
-          </a:effectLst>
-          <a:scene3d>
-            <a:camera prst="orthographicFront">
-              <a:rot lat="0" lon="0" rev="0"/>
-            </a:camera>
-            <a:lightRig rig="threePt" dir="t">
-              <a:rot lat="0" lon="0" rev="1200000"/>
-            </a:lightRig>
-          </a:scene3d>
-          <a:sp3d>
-            <a:bevelT w="63500" h="25400"/>
-          </a:sp3d>
-        </a:effectStyle>
-      </a:effectStyleLst>
-      <a:bgFillStyleLst>
-        <a:solidFill>
-          <a:schemeClr val="phClr"/>
-        </a:solidFill>
-        <a:gradFill rotWithShape="1">
-          <a:gsLst>
-            <a:gs pos="0">
-              <a:schemeClr val="phClr">
-                <a:tint val="40000"/>
-                <a:satMod val="350000"/>
-              </a:schemeClr>
-            </a:gs>
-            <a:gs pos="40000">
-              <a:schemeClr val="phClr">
-                <a:tint val="45000"/>
-                <a:shade val="99000"/>
-                <a:satMod val="350000"/>
-              </a:schemeClr>
-            </a:gs>
-            <a:gs pos="100000">
-              <a:schemeClr val="phClr">
-                <a:shade val="20000"/>
-                <a:satMod val="255000"/>
-              </a:schemeClr>
-            </a:gs>
-          </a:gsLst>
-          <a:path path="circle">
-            <a:fillToRect l="50000" t="-80000" r="50000" b="180000"/>
-          </a:path>
-        </a:gradFill>
-        <a:gradFill rotWithShape="1">
-          <a:gsLst>
-            <a:gs pos="0">
-              <a:schemeClr val="phClr">
-                <a:tint val="80000"/>
-                <a:satMod val="300000"/>
-              </a:schemeClr>
-            </a:gs>
-            <a:gs pos="100000">
-              <a:schemeClr val="phClr">
-                <a:shade val="30000"/>
-                <a:satMod val="200000"/>
-              </a:schemeClr>
-            </a:gs>
-          </a:gsLst>
-          <a:path path="circle">
-            <a:fillToRect l="50000" t="50000" r="50000" b="50000"/>
-          </a:path>
-        </a:gradFill>
-      </a:bgFillStyleLst>
-    </a:fmtScheme>
-  </a:themeElements>
+  <a:objectDefaults/>
+  <a:extraClrSchemeLst/>
 </a:theme>
 </file>